--- a/project_presentation.pptx
+++ b/project_presentation.pptx
@@ -6,10 +6,12 @@
   </p:sldMasterIdLst>
   <p:sldIdLst>
     <p:sldId id="257" r:id="rId2"/>
-    <p:sldId id="261" r:id="rId3"/>
-    <p:sldId id="259" r:id="rId4"/>
-    <p:sldId id="260" r:id="rId5"/>
-    <p:sldId id="262" r:id="rId6"/>
+    <p:sldId id="265" r:id="rId3"/>
+    <p:sldId id="261" r:id="rId4"/>
+    <p:sldId id="259" r:id="rId5"/>
+    <p:sldId id="260" r:id="rId6"/>
+    <p:sldId id="262" r:id="rId7"/>
+    <p:sldId id="263" r:id="rId8"/>
   </p:sldIdLst>
   <p:sldSz cx="12192000" cy="6858000"/>
   <p:notesSz cx="6858000" cy="9144000"/>
@@ -245,7 +247,7 @@
           <a:p>
             <a:fld id="{D77E8BD6-A815-4088-9261-6309F9E3C21E}" type="datetimeFigureOut">
               <a:rPr lang="en-US" smtClean="0"/>
-              <a:t>3/18/2017</a:t>
+              <a:t>3/25/2017</a:t>
             </a:fld>
             <a:endParaRPr lang="en-US"/>
           </a:p>
@@ -413,7 +415,7 @@
           <a:p>
             <a:fld id="{D77E8BD6-A815-4088-9261-6309F9E3C21E}" type="datetimeFigureOut">
               <a:rPr lang="en-US" smtClean="0"/>
-              <a:t>3/18/2017</a:t>
+              <a:t>3/25/2017</a:t>
             </a:fld>
             <a:endParaRPr lang="en-US"/>
           </a:p>
@@ -591,7 +593,7 @@
           <a:p>
             <a:fld id="{D77E8BD6-A815-4088-9261-6309F9E3C21E}" type="datetimeFigureOut">
               <a:rPr lang="en-US" smtClean="0"/>
-              <a:t>3/18/2017</a:t>
+              <a:t>3/25/2017</a:t>
             </a:fld>
             <a:endParaRPr lang="en-US"/>
           </a:p>
@@ -759,7 +761,7 @@
           <a:p>
             <a:fld id="{D77E8BD6-A815-4088-9261-6309F9E3C21E}" type="datetimeFigureOut">
               <a:rPr lang="en-US" smtClean="0"/>
-              <a:t>3/18/2017</a:t>
+              <a:t>3/25/2017</a:t>
             </a:fld>
             <a:endParaRPr lang="en-US"/>
           </a:p>
@@ -1004,7 +1006,7 @@
           <a:p>
             <a:fld id="{D77E8BD6-A815-4088-9261-6309F9E3C21E}" type="datetimeFigureOut">
               <a:rPr lang="en-US" smtClean="0"/>
-              <a:t>3/18/2017</a:t>
+              <a:t>3/25/2017</a:t>
             </a:fld>
             <a:endParaRPr lang="en-US"/>
           </a:p>
@@ -1233,7 +1235,7 @@
           <a:p>
             <a:fld id="{D77E8BD6-A815-4088-9261-6309F9E3C21E}" type="datetimeFigureOut">
               <a:rPr lang="en-US" smtClean="0"/>
-              <a:t>3/18/2017</a:t>
+              <a:t>3/25/2017</a:t>
             </a:fld>
             <a:endParaRPr lang="en-US"/>
           </a:p>
@@ -1597,7 +1599,7 @@
           <a:p>
             <a:fld id="{D77E8BD6-A815-4088-9261-6309F9E3C21E}" type="datetimeFigureOut">
               <a:rPr lang="en-US" smtClean="0"/>
-              <a:t>3/18/2017</a:t>
+              <a:t>3/25/2017</a:t>
             </a:fld>
             <a:endParaRPr lang="en-US"/>
           </a:p>
@@ -1714,7 +1716,7 @@
           <a:p>
             <a:fld id="{D77E8BD6-A815-4088-9261-6309F9E3C21E}" type="datetimeFigureOut">
               <a:rPr lang="en-US" smtClean="0"/>
-              <a:t>3/18/2017</a:t>
+              <a:t>3/25/2017</a:t>
             </a:fld>
             <a:endParaRPr lang="en-US"/>
           </a:p>
@@ -1809,7 +1811,7 @@
           <a:p>
             <a:fld id="{D77E8BD6-A815-4088-9261-6309F9E3C21E}" type="datetimeFigureOut">
               <a:rPr lang="en-US" smtClean="0"/>
-              <a:t>3/18/2017</a:t>
+              <a:t>3/25/2017</a:t>
             </a:fld>
             <a:endParaRPr lang="en-US"/>
           </a:p>
@@ -2084,7 +2086,7 @@
           <a:p>
             <a:fld id="{D77E8BD6-A815-4088-9261-6309F9E3C21E}" type="datetimeFigureOut">
               <a:rPr lang="en-US" smtClean="0"/>
-              <a:t>3/18/2017</a:t>
+              <a:t>3/25/2017</a:t>
             </a:fld>
             <a:endParaRPr lang="en-US"/>
           </a:p>
@@ -2336,7 +2338,7 @@
           <a:p>
             <a:fld id="{D77E8BD6-A815-4088-9261-6309F9E3C21E}" type="datetimeFigureOut">
               <a:rPr lang="en-US" smtClean="0"/>
-              <a:t>3/18/2017</a:t>
+              <a:t>3/25/2017</a:t>
             </a:fld>
             <a:endParaRPr lang="en-US"/>
           </a:p>
@@ -2547,7 +2549,7 @@
           <a:p>
             <a:fld id="{D77E8BD6-A815-4088-9261-6309F9E3C21E}" type="datetimeFigureOut">
               <a:rPr lang="en-US" smtClean="0"/>
-              <a:t>3/18/2017</a:t>
+              <a:t>3/25/2017</a:t>
             </a:fld>
             <a:endParaRPr lang="en-US"/>
           </a:p>
@@ -3424,1101 +3426,81 @@
           <a:p>
             <a:r>
               <a:rPr lang="en-US" dirty="0"/>
-              <a:t>Basic Orientation Sensing (Tends to be noisy or drifts)</a:t>
-            </a:r>
-          </a:p>
-        </p:txBody>
-      </p:sp>
-      <p:sp>
-        <p:nvSpPr>
-          <p:cNvPr id="4" name="Rectangle 3"/>
-          <p:cNvSpPr/>
-          <p:nvPr/>
-        </p:nvSpPr>
-        <p:spPr>
-          <a:xfrm>
-            <a:off x="411074" y="1729127"/>
-            <a:ext cx="1451994" cy="1048624"/>
-          </a:xfrm>
-          <a:prstGeom prst="rect">
-            <a:avLst/>
-          </a:prstGeom>
-          <a:solidFill>
-            <a:schemeClr val="accent2"/>
-          </a:solidFill>
-        </p:spPr>
-        <p:style>
-          <a:lnRef idx="2">
-            <a:schemeClr val="accent1">
-              <a:shade val="50000"/>
-            </a:schemeClr>
-          </a:lnRef>
-          <a:fillRef idx="1">
-            <a:schemeClr val="accent1"/>
-          </a:fillRef>
-          <a:effectRef idx="0">
-            <a:schemeClr val="accent1"/>
-          </a:effectRef>
-          <a:fontRef idx="minor">
-            <a:schemeClr val="lt1"/>
-          </a:fontRef>
-        </p:style>
-        <p:txBody>
-          <a:bodyPr rtlCol="0" anchor="ctr"/>
-          <a:lstStyle/>
-          <a:p>
-            <a:pPr algn="ctr"/>
-            <a:r>
+              <a:t>Definitions/Acronyms</a:t>
+            </a:r>
+            <a:br>
               <a:rPr lang="en-US" dirty="0"/>
-              <a:t>Gyro Data (XYZ)</a:t>
-            </a:r>
-          </a:p>
-          <a:p>
-            <a:pPr algn="ctr"/>
+            </a:br>
+            <a:endParaRPr lang="en-US" dirty="0"/>
+          </a:p>
+        </p:txBody>
+      </p:sp>
+      <p:sp>
+        <p:nvSpPr>
+          <p:cNvPr id="3" name="Content Placeholder 2"/>
+          <p:cNvSpPr>
+            <a:spLocks noGrp="1"/>
+          </p:cNvSpPr>
+          <p:nvPr>
+            <p:ph idx="1"/>
+          </p:nvPr>
+        </p:nvSpPr>
+        <p:spPr/>
+        <p:txBody>
+          <a:bodyPr>
+            <a:normAutofit fontScale="92500" lnSpcReduction="20000"/>
+          </a:bodyPr>
+          <a:lstStyle/>
+          <a:p>
             <a:r>
               <a:rPr lang="en-US" dirty="0"/>
-              <a:t>Angular Rate</a:t>
-            </a:r>
-          </a:p>
-        </p:txBody>
-      </p:sp>
-      <p:sp>
-        <p:nvSpPr>
-          <p:cNvPr id="5" name="Rectangle 4"/>
-          <p:cNvSpPr/>
-          <p:nvPr/>
-        </p:nvSpPr>
-        <p:spPr>
-          <a:xfrm>
-            <a:off x="3635357" y="2055211"/>
-            <a:ext cx="503339" cy="398171"/>
-          </a:xfrm>
-          <a:prstGeom prst="rect">
-            <a:avLst/>
-          </a:prstGeom>
-          <a:solidFill>
-            <a:srgbClr val="FFC000"/>
-          </a:solidFill>
-        </p:spPr>
-        <p:style>
-          <a:lnRef idx="2">
-            <a:schemeClr val="accent1">
-              <a:shade val="50000"/>
-            </a:schemeClr>
-          </a:lnRef>
-          <a:fillRef idx="1">
-            <a:schemeClr val="accent1"/>
-          </a:fillRef>
-          <a:effectRef idx="0">
-            <a:schemeClr val="accent1"/>
-          </a:effectRef>
-          <a:fontRef idx="minor">
-            <a:schemeClr val="lt1"/>
-          </a:fontRef>
-        </p:style>
-        <p:txBody>
-          <a:bodyPr rtlCol="0" anchor="ctr"/>
-          <a:lstStyle/>
-          <a:p>
-            <a:pPr algn="ctr"/>
+              <a:t>DCM – Direction Cosine Matrix – A 3x3 matrix used to express a rotation or current orientation.</a:t>
+            </a:r>
+          </a:p>
+          <a:p>
             <a:r>
               <a:rPr lang="en-US" dirty="0"/>
-              <a:t>x</a:t>
-            </a:r>
-          </a:p>
-        </p:txBody>
-      </p:sp>
-      <p:sp>
-        <p:nvSpPr>
-          <p:cNvPr id="6" name="Rectangle 5"/>
-          <p:cNvSpPr/>
-          <p:nvPr/>
-        </p:nvSpPr>
-        <p:spPr>
-          <a:xfrm>
-            <a:off x="4426194" y="1729984"/>
-            <a:ext cx="1451994" cy="1048624"/>
-          </a:xfrm>
-          <a:prstGeom prst="rect">
-            <a:avLst/>
-          </a:prstGeom>
-        </p:spPr>
-        <p:style>
-          <a:lnRef idx="2">
-            <a:schemeClr val="accent1">
-              <a:shade val="50000"/>
-            </a:schemeClr>
-          </a:lnRef>
-          <a:fillRef idx="1">
-            <a:schemeClr val="accent1"/>
-          </a:fillRef>
-          <a:effectRef idx="0">
-            <a:schemeClr val="accent1"/>
-          </a:effectRef>
-          <a:fontRef idx="minor">
-            <a:schemeClr val="lt1"/>
-          </a:fontRef>
-        </p:style>
-        <p:txBody>
-          <a:bodyPr rtlCol="0" anchor="ctr"/>
-          <a:lstStyle/>
-          <a:p>
-            <a:pPr algn="ctr"/>
+              <a:t>IMU – Inertial Measurement Unit, a 6-degree of freedom (6DOF) sensor containing a 3-axis gyroscope and 3-axis accelerometer</a:t>
+            </a:r>
+          </a:p>
+          <a:p>
             <a:r>
               <a:rPr lang="en-US" dirty="0"/>
-              <a:t>New Attitude Est (3x3)</a:t>
-            </a:r>
-          </a:p>
-        </p:txBody>
-      </p:sp>
-      <p:sp>
-        <p:nvSpPr>
-          <p:cNvPr id="7" name="Rectangle 6"/>
-          <p:cNvSpPr/>
-          <p:nvPr/>
-        </p:nvSpPr>
-        <p:spPr>
-          <a:xfrm>
-            <a:off x="3096189" y="2862310"/>
-            <a:ext cx="1581674" cy="1302785"/>
-          </a:xfrm>
-          <a:prstGeom prst="rect">
-            <a:avLst/>
-          </a:prstGeom>
-        </p:spPr>
-        <p:style>
-          <a:lnRef idx="2">
-            <a:schemeClr val="accent1">
-              <a:shade val="50000"/>
-            </a:schemeClr>
-          </a:lnRef>
-          <a:fillRef idx="1">
-            <a:schemeClr val="accent1"/>
-          </a:fillRef>
-          <a:effectRef idx="0">
-            <a:schemeClr val="accent1"/>
-          </a:effectRef>
-          <a:fontRef idx="minor">
-            <a:schemeClr val="lt1"/>
-          </a:fontRef>
-        </p:style>
-        <p:txBody>
-          <a:bodyPr rtlCol="0" anchor="ctr"/>
-          <a:lstStyle/>
-          <a:p>
-            <a:pPr algn="ctr"/>
+              <a:t>Accelerometer – Measures “Specific Force” or non-gravitational force per unit mass. An accelerometer at rest will measure approximately 1 “G” (or ~9.81 m/s^2) opposite gravity</a:t>
+            </a:r>
+          </a:p>
+          <a:p>
             <a:r>
               <a:rPr lang="en-US" dirty="0"/>
-              <a:t>Previous Attitude Est (3x3)</a:t>
-            </a:r>
-          </a:p>
-        </p:txBody>
-      </p:sp>
-      <p:sp>
-        <p:nvSpPr>
-          <p:cNvPr id="8" name="Rectangle 7"/>
-          <p:cNvSpPr/>
-          <p:nvPr/>
-        </p:nvSpPr>
-        <p:spPr>
-          <a:xfrm>
-            <a:off x="2150566" y="1803656"/>
-            <a:ext cx="1238338" cy="899566"/>
-          </a:xfrm>
-          <a:prstGeom prst="rect">
-            <a:avLst/>
-          </a:prstGeom>
-          <a:solidFill>
-            <a:srgbClr val="FFC000"/>
-          </a:solidFill>
-        </p:spPr>
-        <p:style>
-          <a:lnRef idx="2">
-            <a:schemeClr val="accent1">
-              <a:shade val="50000"/>
-            </a:schemeClr>
-          </a:lnRef>
-          <a:fillRef idx="1">
-            <a:schemeClr val="accent1"/>
-          </a:fillRef>
-          <a:effectRef idx="0">
-            <a:schemeClr val="accent1"/>
-          </a:effectRef>
-          <a:fontRef idx="minor">
-            <a:schemeClr val="lt1"/>
-          </a:fontRef>
-        </p:style>
-        <p:txBody>
-          <a:bodyPr rot="0" spcFirstLastPara="0" vertOverflow="overflow" horzOverflow="overflow" vert="horz" wrap="square" lIns="91440" tIns="45720" rIns="91440" bIns="45720" numCol="1" spcCol="0" rtlCol="0" fromWordArt="0" anchor="ctr" anchorCtr="0" forceAA="0" compatLnSpc="1">
-            <a:prstTxWarp prst="textNoShape">
-              <a:avLst/>
-            </a:prstTxWarp>
-            <a:noAutofit/>
-          </a:bodyPr>
-          <a:lstStyle/>
-          <a:p>
-            <a:pPr algn="ctr"/>
+              <a:t>Gyroscope (in this context) – Electronic device that measures rotational rate (radians/sec) in each axis.  </a:t>
+            </a:r>
+          </a:p>
+          <a:p>
             <a:r>
               <a:rPr lang="en-US" dirty="0"/>
-              <a:t>Convert to DCM</a:t>
-            </a:r>
-          </a:p>
-          <a:p>
-            <a:pPr algn="ctr"/>
+              <a:t>  LMS – Least Mean </a:t>
+            </a:r>
+            <a:r>
+              <a:rPr lang="en-US" dirty="0" err="1"/>
+              <a:t>Squres</a:t>
+            </a:r>
             <a:r>
               <a:rPr lang="en-US" dirty="0"/>
-              <a:t>(3x3)</a:t>
-            </a:r>
-          </a:p>
-        </p:txBody>
-      </p:sp>
-      <p:cxnSp>
-        <p:nvCxnSpPr>
-          <p:cNvPr id="9" name="Straight Arrow Connector 8"/>
-          <p:cNvCxnSpPr>
-            <a:stCxn id="4" idx="3"/>
-            <a:endCxn id="8" idx="1"/>
-          </p:cNvCxnSpPr>
-          <p:nvPr/>
-        </p:nvCxnSpPr>
-        <p:spPr>
-          <a:xfrm>
-            <a:off x="1863068" y="2253439"/>
-            <a:ext cx="287498" cy="0"/>
-          </a:xfrm>
-          <a:prstGeom prst="straightConnector1">
-            <a:avLst/>
-          </a:prstGeom>
-          <a:ln w="28575">
-            <a:tailEnd type="triangle"/>
-          </a:ln>
-        </p:spPr>
-        <p:style>
-          <a:lnRef idx="1">
-            <a:schemeClr val="accent1"/>
-          </a:lnRef>
-          <a:fillRef idx="0">
-            <a:schemeClr val="accent1"/>
-          </a:fillRef>
-          <a:effectRef idx="0">
-            <a:schemeClr val="accent1"/>
-          </a:effectRef>
-          <a:fontRef idx="minor">
-            <a:schemeClr val="tx1"/>
-          </a:fontRef>
-        </p:style>
-      </p:cxnSp>
-      <p:cxnSp>
-        <p:nvCxnSpPr>
-          <p:cNvPr id="10" name="Straight Arrow Connector 9"/>
-          <p:cNvCxnSpPr>
-            <a:cxnSpLocks/>
-            <a:stCxn id="8" idx="3"/>
-            <a:endCxn id="5" idx="1"/>
-          </p:cNvCxnSpPr>
-          <p:nvPr/>
-        </p:nvCxnSpPr>
-        <p:spPr>
-          <a:xfrm>
-            <a:off x="3388904" y="2253439"/>
-            <a:ext cx="246453" cy="858"/>
-          </a:xfrm>
-          <a:prstGeom prst="straightConnector1">
-            <a:avLst/>
-          </a:prstGeom>
-          <a:ln w="28575">
-            <a:tailEnd type="triangle"/>
-          </a:ln>
-        </p:spPr>
-        <p:style>
-          <a:lnRef idx="1">
-            <a:schemeClr val="accent1"/>
-          </a:lnRef>
-          <a:fillRef idx="0">
-            <a:schemeClr val="accent1"/>
-          </a:fillRef>
-          <a:effectRef idx="0">
-            <a:schemeClr val="accent1"/>
-          </a:effectRef>
-          <a:fontRef idx="minor">
-            <a:schemeClr val="tx1"/>
-          </a:fontRef>
-        </p:style>
-      </p:cxnSp>
-      <p:cxnSp>
-        <p:nvCxnSpPr>
-          <p:cNvPr id="11" name="Straight Arrow Connector 10"/>
-          <p:cNvCxnSpPr>
-            <a:cxnSpLocks/>
-            <a:stCxn id="5" idx="3"/>
-            <a:endCxn id="6" idx="1"/>
-          </p:cNvCxnSpPr>
-          <p:nvPr/>
-        </p:nvCxnSpPr>
-        <p:spPr>
-          <a:xfrm flipV="1">
-            <a:off x="4138696" y="2254296"/>
-            <a:ext cx="287498" cy="1"/>
-          </a:xfrm>
-          <a:prstGeom prst="straightConnector1">
-            <a:avLst/>
-          </a:prstGeom>
-          <a:ln w="28575">
-            <a:tailEnd type="triangle"/>
-          </a:ln>
-        </p:spPr>
-        <p:style>
-          <a:lnRef idx="1">
-            <a:schemeClr val="accent1"/>
-          </a:lnRef>
-          <a:fillRef idx="0">
-            <a:schemeClr val="accent1"/>
-          </a:fillRef>
-          <a:effectRef idx="0">
-            <a:schemeClr val="accent1"/>
-          </a:effectRef>
-          <a:fontRef idx="minor">
-            <a:schemeClr val="tx1"/>
-          </a:fontRef>
-        </p:style>
-      </p:cxnSp>
-      <p:cxnSp>
-        <p:nvCxnSpPr>
-          <p:cNvPr id="12" name="Straight Arrow Connector 11"/>
-          <p:cNvCxnSpPr>
-            <a:cxnSpLocks/>
-            <a:stCxn id="7" idx="0"/>
-            <a:endCxn id="5" idx="2"/>
-          </p:cNvCxnSpPr>
-          <p:nvPr/>
-        </p:nvCxnSpPr>
-        <p:spPr>
-          <a:xfrm flipV="1">
-            <a:off x="3887026" y="2453382"/>
-            <a:ext cx="1" cy="408928"/>
-          </a:xfrm>
-          <a:prstGeom prst="straightConnector1">
-            <a:avLst/>
-          </a:prstGeom>
-          <a:ln w="28575">
-            <a:tailEnd type="triangle"/>
-          </a:ln>
-        </p:spPr>
-        <p:style>
-          <a:lnRef idx="1">
-            <a:schemeClr val="accent1"/>
-          </a:lnRef>
-          <a:fillRef idx="0">
-            <a:schemeClr val="accent1"/>
-          </a:fillRef>
-          <a:effectRef idx="0">
-            <a:schemeClr val="accent1"/>
-          </a:effectRef>
-          <a:fontRef idx="minor">
-            <a:schemeClr val="tx1"/>
-          </a:fontRef>
-        </p:style>
-      </p:cxnSp>
-      <p:sp>
-        <p:nvSpPr>
-          <p:cNvPr id="22" name="Rectangle 21"/>
-          <p:cNvSpPr/>
-          <p:nvPr/>
-        </p:nvSpPr>
-        <p:spPr>
-          <a:xfrm>
-            <a:off x="598935" y="4413330"/>
-            <a:ext cx="1628835" cy="1165846"/>
-          </a:xfrm>
-          <a:prstGeom prst="rect">
-            <a:avLst/>
-          </a:prstGeom>
-          <a:solidFill>
-            <a:schemeClr val="accent2"/>
-          </a:solidFill>
-        </p:spPr>
-        <p:style>
-          <a:lnRef idx="2">
-            <a:schemeClr val="accent1">
-              <a:shade val="50000"/>
-            </a:schemeClr>
-          </a:lnRef>
-          <a:fillRef idx="1">
-            <a:schemeClr val="accent1"/>
-          </a:fillRef>
-          <a:effectRef idx="0">
-            <a:schemeClr val="accent1"/>
-          </a:effectRef>
-          <a:fontRef idx="minor">
-            <a:schemeClr val="lt1"/>
-          </a:fontRef>
-        </p:style>
-        <p:txBody>
-          <a:bodyPr rtlCol="0" anchor="ctr"/>
-          <a:lstStyle/>
-          <a:p>
-            <a:pPr algn="ctr"/>
+              <a:t>, an adaptive filtering algorithm</a:t>
+            </a:r>
+          </a:p>
+          <a:p>
             <a:r>
               <a:rPr lang="en-US" dirty="0"/>
-              <a:t>Accelerometer Data</a:t>
-            </a:r>
-          </a:p>
-        </p:txBody>
-      </p:sp>
-      <p:sp>
-        <p:nvSpPr>
-          <p:cNvPr id="23" name="Rectangle 22"/>
-          <p:cNvSpPr/>
-          <p:nvPr/>
-        </p:nvSpPr>
-        <p:spPr>
-          <a:xfrm>
-            <a:off x="6096000" y="1693374"/>
-            <a:ext cx="1638956" cy="1168936"/>
-          </a:xfrm>
-          <a:prstGeom prst="rect">
-            <a:avLst/>
-          </a:prstGeom>
-          <a:solidFill>
-            <a:srgbClr val="FFC000"/>
-          </a:solidFill>
-        </p:spPr>
-        <p:style>
-          <a:lnRef idx="2">
-            <a:schemeClr val="accent1">
-              <a:shade val="50000"/>
-            </a:schemeClr>
-          </a:lnRef>
-          <a:fillRef idx="1">
-            <a:schemeClr val="accent1"/>
-          </a:fillRef>
-          <a:effectRef idx="0">
-            <a:schemeClr val="accent1"/>
-          </a:effectRef>
-          <a:fontRef idx="minor">
-            <a:schemeClr val="lt1"/>
-          </a:fontRef>
-        </p:style>
-        <p:txBody>
-          <a:bodyPr rot="0" spcFirstLastPara="0" vertOverflow="overflow" horzOverflow="overflow" vert="horz" wrap="square" lIns="91440" tIns="45720" rIns="91440" bIns="45720" numCol="1" spcCol="0" rtlCol="0" fromWordArt="0" anchor="ctr" anchorCtr="0" forceAA="0" compatLnSpc="1">
-            <a:prstTxWarp prst="textNoShape">
-              <a:avLst/>
-            </a:prstTxWarp>
-            <a:noAutofit/>
-          </a:bodyPr>
-          <a:lstStyle/>
-          <a:p>
-            <a:pPr algn="ctr"/>
-            <a:r>
-              <a:rPr lang="en-US" sz="1400" dirty="0"/>
-              <a:t>Convert to Euler Angles (</a:t>
-            </a:r>
-            <a:r>
-              <a:rPr lang="el-GR" sz="1400" dirty="0"/>
-              <a:t>Ψ</a:t>
-            </a:r>
-            <a:r>
-              <a:rPr lang="en-US" sz="1400" dirty="0"/>
-              <a:t>,</a:t>
-            </a:r>
-            <a:r>
-              <a:rPr lang="el-GR" sz="1400" dirty="0"/>
-              <a:t>Θ</a:t>
-            </a:r>
-            <a:r>
-              <a:rPr lang="en-US" sz="1400" dirty="0"/>
-              <a:t>,</a:t>
-            </a:r>
-            <a:r>
-              <a:rPr lang="el-GR" sz="1400" dirty="0"/>
-              <a:t> Φ</a:t>
-            </a:r>
-            <a:r>
-              <a:rPr lang="en-US" sz="1400" dirty="0"/>
-              <a:t>), optional</a:t>
-            </a:r>
-          </a:p>
-        </p:txBody>
-      </p:sp>
-      <p:cxnSp>
-        <p:nvCxnSpPr>
-          <p:cNvPr id="24" name="Straight Arrow Connector 23"/>
-          <p:cNvCxnSpPr>
-            <a:cxnSpLocks/>
-          </p:cNvCxnSpPr>
-          <p:nvPr/>
-        </p:nvCxnSpPr>
-        <p:spPr>
-          <a:xfrm flipV="1">
-            <a:off x="5845495" y="2271085"/>
-            <a:ext cx="287498" cy="1"/>
-          </a:xfrm>
-          <a:prstGeom prst="straightConnector1">
-            <a:avLst/>
-          </a:prstGeom>
-          <a:ln w="28575">
-            <a:tailEnd type="triangle"/>
-          </a:ln>
-        </p:spPr>
-        <p:style>
-          <a:lnRef idx="1">
-            <a:schemeClr val="accent1"/>
-          </a:lnRef>
-          <a:fillRef idx="0">
-            <a:schemeClr val="accent1"/>
-          </a:fillRef>
-          <a:effectRef idx="0">
-            <a:schemeClr val="accent1"/>
-          </a:effectRef>
-          <a:fontRef idx="minor">
-            <a:schemeClr val="tx1"/>
-          </a:fontRef>
-        </p:style>
-      </p:cxnSp>
-      <p:sp>
-        <p:nvSpPr>
-          <p:cNvPr id="25" name="Rectangle 24"/>
-          <p:cNvSpPr/>
-          <p:nvPr/>
-        </p:nvSpPr>
-        <p:spPr>
-          <a:xfrm>
-            <a:off x="2572542" y="4479900"/>
-            <a:ext cx="1734529" cy="1032706"/>
-          </a:xfrm>
-          <a:prstGeom prst="rect">
-            <a:avLst/>
-          </a:prstGeom>
-          <a:solidFill>
-            <a:srgbClr val="FFC000"/>
-          </a:solidFill>
-        </p:spPr>
-        <p:style>
-          <a:lnRef idx="2">
-            <a:schemeClr val="accent1">
-              <a:shade val="50000"/>
-            </a:schemeClr>
-          </a:lnRef>
-          <a:fillRef idx="1">
-            <a:schemeClr val="accent1"/>
-          </a:fillRef>
-          <a:effectRef idx="0">
-            <a:schemeClr val="accent1"/>
-          </a:effectRef>
-          <a:fontRef idx="minor">
-            <a:schemeClr val="lt1"/>
-          </a:fontRef>
-        </p:style>
-        <p:txBody>
-          <a:bodyPr rot="0" spcFirstLastPara="0" vertOverflow="overflow" horzOverflow="overflow" vert="horz" wrap="square" lIns="91440" tIns="45720" rIns="91440" bIns="45720" numCol="1" spcCol="0" rtlCol="0" fromWordArt="0" anchor="ctr" anchorCtr="0" forceAA="0" compatLnSpc="1">
-            <a:prstTxWarp prst="textNoShape">
-              <a:avLst/>
-            </a:prstTxWarp>
-            <a:noAutofit/>
-          </a:bodyPr>
-          <a:lstStyle/>
-          <a:p>
-            <a:pPr algn="ctr"/>
-            <a:r>
-              <a:rPr lang="en-US" dirty="0"/>
-              <a:t>Is total acceleration magnitude ~1G?</a:t>
-            </a:r>
-          </a:p>
-        </p:txBody>
-      </p:sp>
-      <p:cxnSp>
-        <p:nvCxnSpPr>
-          <p:cNvPr id="26" name="Straight Arrow Connector 25"/>
-          <p:cNvCxnSpPr>
-            <a:cxnSpLocks/>
-            <a:stCxn id="22" idx="3"/>
-            <a:endCxn id="25" idx="1"/>
-          </p:cNvCxnSpPr>
-          <p:nvPr/>
-        </p:nvCxnSpPr>
-        <p:spPr>
-          <a:xfrm>
-            <a:off x="2227770" y="4996253"/>
-            <a:ext cx="344772" cy="0"/>
-          </a:xfrm>
-          <a:prstGeom prst="straightConnector1">
-            <a:avLst/>
-          </a:prstGeom>
-          <a:ln w="28575">
-            <a:tailEnd type="triangle"/>
-          </a:ln>
-        </p:spPr>
-        <p:style>
-          <a:lnRef idx="1">
-            <a:schemeClr val="accent1"/>
-          </a:lnRef>
-          <a:fillRef idx="0">
-            <a:schemeClr val="accent1"/>
-          </a:fillRef>
-          <a:effectRef idx="0">
-            <a:schemeClr val="accent1"/>
-          </a:effectRef>
-          <a:fontRef idx="minor">
-            <a:schemeClr val="tx1"/>
-          </a:fontRef>
-        </p:style>
-      </p:cxnSp>
-      <p:cxnSp>
-        <p:nvCxnSpPr>
-          <p:cNvPr id="30" name="Straight Arrow Connector 29"/>
-          <p:cNvCxnSpPr>
-            <a:cxnSpLocks/>
-            <a:stCxn id="25" idx="3"/>
-            <a:endCxn id="32" idx="1"/>
-          </p:cNvCxnSpPr>
-          <p:nvPr/>
-        </p:nvCxnSpPr>
-        <p:spPr>
-          <a:xfrm>
-            <a:off x="4307071" y="4996253"/>
-            <a:ext cx="607828" cy="0"/>
-          </a:xfrm>
-          <a:prstGeom prst="straightConnector1">
-            <a:avLst/>
-          </a:prstGeom>
-          <a:ln w="28575">
-            <a:tailEnd type="triangle"/>
-          </a:ln>
-        </p:spPr>
-        <p:style>
-          <a:lnRef idx="1">
-            <a:schemeClr val="accent1"/>
-          </a:lnRef>
-          <a:fillRef idx="0">
-            <a:schemeClr val="accent1"/>
-          </a:fillRef>
-          <a:effectRef idx="0">
-            <a:schemeClr val="accent1"/>
-          </a:effectRef>
-          <a:fontRef idx="minor">
-            <a:schemeClr val="tx1"/>
-          </a:fontRef>
-        </p:style>
-      </p:cxnSp>
-      <p:sp>
-        <p:nvSpPr>
-          <p:cNvPr id="32" name="Rectangle 31"/>
-          <p:cNvSpPr/>
-          <p:nvPr/>
-        </p:nvSpPr>
-        <p:spPr>
-          <a:xfrm>
-            <a:off x="4914899" y="4324183"/>
-            <a:ext cx="2362201" cy="1344140"/>
-          </a:xfrm>
-          <a:prstGeom prst="rect">
-            <a:avLst/>
-          </a:prstGeom>
-          <a:solidFill>
-            <a:srgbClr val="FFC000"/>
-          </a:solidFill>
-        </p:spPr>
-        <p:style>
-          <a:lnRef idx="2">
-            <a:schemeClr val="accent1">
-              <a:shade val="50000"/>
-            </a:schemeClr>
-          </a:lnRef>
-          <a:fillRef idx="1">
-            <a:schemeClr val="accent1"/>
-          </a:fillRef>
-          <a:effectRef idx="0">
-            <a:schemeClr val="accent1"/>
-          </a:effectRef>
-          <a:fontRef idx="minor">
-            <a:schemeClr val="lt1"/>
-          </a:fontRef>
-        </p:style>
-        <p:txBody>
-          <a:bodyPr rot="0" spcFirstLastPara="0" vertOverflow="overflow" horzOverflow="overflow" vert="horz" wrap="square" lIns="91440" tIns="45720" rIns="91440" bIns="45720" numCol="1" spcCol="0" rtlCol="0" fromWordArt="0" anchor="ctr" anchorCtr="0" forceAA="0" compatLnSpc="1">
-            <a:prstTxWarp prst="textNoShape">
-              <a:avLst/>
-            </a:prstTxWarp>
-            <a:noAutofit/>
-          </a:bodyPr>
-          <a:lstStyle/>
-          <a:p>
-            <a:r>
-              <a:rPr lang="en-US" dirty="0"/>
-              <a:t>roll (</a:t>
-            </a:r>
-            <a:r>
-              <a:rPr lang="el-GR" dirty="0"/>
-              <a:t>Ψ</a:t>
-            </a:r>
-            <a:r>
-              <a:rPr lang="en-US" dirty="0"/>
-              <a:t>)</a:t>
-            </a:r>
-            <a:r>
-              <a:rPr lang="en-US" dirty="0"/>
-              <a:t>= atan2(ay, </a:t>
-            </a:r>
-            <a:r>
-              <a:rPr lang="en-US" dirty="0" err="1"/>
-              <a:t>az</a:t>
-            </a:r>
-            <a:r>
-              <a:rPr lang="en-US" dirty="0"/>
-              <a:t>)</a:t>
-            </a:r>
-          </a:p>
-          <a:p>
-            <a:r>
-              <a:rPr lang="en-US" dirty="0"/>
-              <a:t>pitch(</a:t>
-            </a:r>
-            <a:r>
-              <a:rPr lang="el-GR" dirty="0"/>
-              <a:t>Θ</a:t>
-            </a:r>
-            <a:r>
-              <a:rPr lang="en-US" dirty="0"/>
-              <a:t>)</a:t>
-            </a:r>
-            <a:r>
-              <a:rPr lang="en-US" dirty="0"/>
-              <a:t> = -sin(ax)</a:t>
-            </a:r>
-          </a:p>
-        </p:txBody>
-      </p:sp>
-      <p:sp>
-        <p:nvSpPr>
-          <p:cNvPr id="39" name="TextBox 38"/>
-          <p:cNvSpPr txBox="1"/>
-          <p:nvPr/>
-        </p:nvSpPr>
-        <p:spPr>
-          <a:xfrm>
-            <a:off x="4307071" y="4769730"/>
-            <a:ext cx="477548" cy="276999"/>
-          </a:xfrm>
-          <a:prstGeom prst="rect">
-            <a:avLst/>
-          </a:prstGeom>
-          <a:noFill/>
-        </p:spPr>
-        <p:txBody>
-          <a:bodyPr wrap="square" rtlCol="0">
-            <a:spAutoFit/>
-          </a:bodyPr>
-          <a:lstStyle/>
-          <a:p>
-            <a:r>
-              <a:rPr lang="en-US" sz="1200" dirty="0"/>
-              <a:t>YES</a:t>
-            </a:r>
-          </a:p>
-        </p:txBody>
-      </p:sp>
-      <p:sp>
-        <p:nvSpPr>
-          <p:cNvPr id="41" name="TextBox 40"/>
-          <p:cNvSpPr txBox="1"/>
-          <p:nvPr/>
-        </p:nvSpPr>
-        <p:spPr>
-          <a:xfrm>
-            <a:off x="3590022" y="5553303"/>
-            <a:ext cx="477548" cy="276999"/>
-          </a:xfrm>
-          <a:prstGeom prst="rect">
-            <a:avLst/>
-          </a:prstGeom>
-          <a:noFill/>
-        </p:spPr>
-        <p:txBody>
-          <a:bodyPr wrap="square" rtlCol="0">
-            <a:spAutoFit/>
-          </a:bodyPr>
-          <a:lstStyle/>
-          <a:p>
-            <a:r>
-              <a:rPr lang="en-US" sz="1200" dirty="0"/>
-              <a:t>No</a:t>
-            </a:r>
-          </a:p>
-        </p:txBody>
-      </p:sp>
-      <p:sp>
-        <p:nvSpPr>
-          <p:cNvPr id="42" name="Rectangle 41"/>
-          <p:cNvSpPr/>
-          <p:nvPr/>
-        </p:nvSpPr>
-        <p:spPr>
-          <a:xfrm>
-            <a:off x="2644568" y="5861792"/>
-            <a:ext cx="1590475" cy="827787"/>
-          </a:xfrm>
-          <a:prstGeom prst="rect">
-            <a:avLst/>
-          </a:prstGeom>
-          <a:solidFill>
-            <a:srgbClr val="FFC000"/>
-          </a:solidFill>
-        </p:spPr>
-        <p:style>
-          <a:lnRef idx="2">
-            <a:schemeClr val="accent1">
-              <a:shade val="50000"/>
-            </a:schemeClr>
-          </a:lnRef>
-          <a:fillRef idx="1">
-            <a:schemeClr val="accent1"/>
-          </a:fillRef>
-          <a:effectRef idx="0">
-            <a:schemeClr val="accent1"/>
-          </a:effectRef>
-          <a:fontRef idx="minor">
-            <a:schemeClr val="lt1"/>
-          </a:fontRef>
-        </p:style>
-        <p:txBody>
-          <a:bodyPr rot="0" spcFirstLastPara="0" vertOverflow="overflow" horzOverflow="overflow" vert="horz" wrap="square" lIns="91440" tIns="45720" rIns="91440" bIns="45720" numCol="1" spcCol="0" rtlCol="0" fromWordArt="0" anchor="ctr" anchorCtr="0" forceAA="0" compatLnSpc="1">
-            <a:prstTxWarp prst="textNoShape">
-              <a:avLst/>
-            </a:prstTxWarp>
-            <a:noAutofit/>
-          </a:bodyPr>
-          <a:lstStyle/>
-          <a:p>
-            <a:r>
-              <a:rPr lang="en-US" dirty="0"/>
-              <a:t>No valid measurement</a:t>
-            </a:r>
-          </a:p>
-        </p:txBody>
-      </p:sp>
-      <p:cxnSp>
-        <p:nvCxnSpPr>
-          <p:cNvPr id="43" name="Straight Arrow Connector 42"/>
-          <p:cNvCxnSpPr>
-            <a:cxnSpLocks/>
-            <a:stCxn id="25" idx="2"/>
-            <a:endCxn id="42" idx="0"/>
-          </p:cNvCxnSpPr>
-          <p:nvPr/>
-        </p:nvCxnSpPr>
-        <p:spPr>
-          <a:xfrm flipH="1">
-            <a:off x="3439806" y="5512606"/>
-            <a:ext cx="1" cy="349186"/>
-          </a:xfrm>
-          <a:prstGeom prst="straightConnector1">
-            <a:avLst/>
-          </a:prstGeom>
-          <a:ln w="28575">
-            <a:tailEnd type="triangle"/>
-          </a:ln>
-        </p:spPr>
-        <p:style>
-          <a:lnRef idx="1">
-            <a:schemeClr val="accent1"/>
-          </a:lnRef>
-          <a:fillRef idx="0">
-            <a:schemeClr val="accent1"/>
-          </a:fillRef>
-          <a:effectRef idx="0">
-            <a:schemeClr val="accent1"/>
-          </a:effectRef>
-          <a:fontRef idx="minor">
-            <a:schemeClr val="tx1"/>
-          </a:fontRef>
-        </p:style>
-      </p:cxnSp>
-      <p:sp>
-        <p:nvSpPr>
-          <p:cNvPr id="47" name="TextBox 46"/>
-          <p:cNvSpPr txBox="1"/>
-          <p:nvPr/>
-        </p:nvSpPr>
-        <p:spPr>
-          <a:xfrm>
-            <a:off x="7960554" y="1966460"/>
-            <a:ext cx="2324100" cy="923330"/>
-          </a:xfrm>
-          <a:prstGeom prst="rect">
-            <a:avLst/>
-          </a:prstGeom>
-          <a:noFill/>
-        </p:spPr>
-        <p:txBody>
-          <a:bodyPr wrap="square" rtlCol="0">
-            <a:spAutoFit/>
-          </a:bodyPr>
-          <a:lstStyle/>
-          <a:p>
-            <a:r>
-              <a:rPr lang="en-US" dirty="0"/>
-              <a:t>Tends to drift, integrates bias in gyroscope</a:t>
-            </a:r>
-          </a:p>
-        </p:txBody>
-      </p:sp>
-      <p:sp>
-        <p:nvSpPr>
-          <p:cNvPr id="48" name="TextBox 47"/>
-          <p:cNvSpPr txBox="1"/>
-          <p:nvPr/>
-        </p:nvSpPr>
-        <p:spPr>
-          <a:xfrm>
-            <a:off x="7471748" y="4257589"/>
-            <a:ext cx="2324100" cy="1477328"/>
-          </a:xfrm>
-          <a:prstGeom prst="rect">
-            <a:avLst/>
-          </a:prstGeom>
-          <a:noFill/>
-        </p:spPr>
-        <p:txBody>
-          <a:bodyPr wrap="square" rtlCol="0">
-            <a:spAutoFit/>
-          </a:bodyPr>
-          <a:lstStyle/>
-          <a:p>
-            <a:r>
-              <a:rPr lang="en-US" dirty="0"/>
-              <a:t>Tends to be noisy and not always valid due to actual acceleration.  Only measures two orientation axes.  </a:t>
-            </a:r>
-          </a:p>
-        </p:txBody>
-      </p:sp>
-      <p:cxnSp>
-        <p:nvCxnSpPr>
-          <p:cNvPr id="50" name="Straight Arrow Connector 49"/>
-          <p:cNvCxnSpPr>
-            <a:cxnSpLocks/>
-            <a:stCxn id="6" idx="2"/>
-          </p:cNvCxnSpPr>
-          <p:nvPr/>
-        </p:nvCxnSpPr>
-        <p:spPr>
-          <a:xfrm>
-            <a:off x="5152191" y="2778608"/>
-            <a:ext cx="316509" cy="373953"/>
-          </a:xfrm>
-          <a:prstGeom prst="straightConnector1">
-            <a:avLst/>
-          </a:prstGeom>
-          <a:ln w="28575">
-            <a:tailEnd type="triangle"/>
-          </a:ln>
-        </p:spPr>
-        <p:style>
-          <a:lnRef idx="1">
-            <a:schemeClr val="accent1"/>
-          </a:lnRef>
-          <a:fillRef idx="0">
-            <a:schemeClr val="accent1"/>
-          </a:fillRef>
-          <a:effectRef idx="0">
-            <a:schemeClr val="accent1"/>
-          </a:effectRef>
-          <a:fontRef idx="minor">
-            <a:schemeClr val="tx1"/>
-          </a:fontRef>
-        </p:style>
-      </p:cxnSp>
-      <p:sp>
-        <p:nvSpPr>
-          <p:cNvPr id="53" name="Rectangle 52"/>
-          <p:cNvSpPr/>
-          <p:nvPr/>
-        </p:nvSpPr>
-        <p:spPr>
-          <a:xfrm>
-            <a:off x="5152191" y="3152561"/>
-            <a:ext cx="867609" cy="464829"/>
-          </a:xfrm>
-          <a:prstGeom prst="rect">
-            <a:avLst/>
-          </a:prstGeom>
-          <a:solidFill>
-            <a:srgbClr val="FFC000"/>
-          </a:solidFill>
-        </p:spPr>
-        <p:style>
-          <a:lnRef idx="2">
-            <a:schemeClr val="accent1">
-              <a:shade val="50000"/>
-            </a:schemeClr>
-          </a:lnRef>
-          <a:fillRef idx="1">
-            <a:schemeClr val="accent1"/>
-          </a:fillRef>
-          <a:effectRef idx="0">
-            <a:schemeClr val="accent1"/>
-          </a:effectRef>
-          <a:fontRef idx="minor">
-            <a:schemeClr val="lt1"/>
-          </a:fontRef>
-        </p:style>
-        <p:txBody>
-          <a:bodyPr rot="0" spcFirstLastPara="0" vertOverflow="overflow" horzOverflow="overflow" vert="horz" wrap="square" lIns="91440" tIns="45720" rIns="91440" bIns="45720" numCol="1" spcCol="0" rtlCol="0" fromWordArt="0" anchor="ctr" anchorCtr="0" forceAA="0" compatLnSpc="1">
-            <a:prstTxWarp prst="textNoShape">
-              <a:avLst/>
-            </a:prstTxWarp>
-            <a:noAutofit/>
-          </a:bodyPr>
-          <a:lstStyle/>
-          <a:p>
-            <a:pPr algn="ctr"/>
-            <a:r>
-              <a:rPr lang="en-US" dirty="0"/>
-              <a:t>Delay</a:t>
-            </a:r>
-          </a:p>
-        </p:txBody>
-      </p:sp>
-      <p:cxnSp>
-        <p:nvCxnSpPr>
-          <p:cNvPr id="54" name="Straight Arrow Connector 53"/>
-          <p:cNvCxnSpPr>
-            <a:cxnSpLocks/>
-            <a:stCxn id="53" idx="1"/>
-            <a:endCxn id="7" idx="3"/>
-          </p:cNvCxnSpPr>
-          <p:nvPr/>
-        </p:nvCxnSpPr>
-        <p:spPr>
-          <a:xfrm flipH="1">
-            <a:off x="4677863" y="3384976"/>
-            <a:ext cx="474328" cy="128727"/>
-          </a:xfrm>
-          <a:prstGeom prst="straightConnector1">
-            <a:avLst/>
-          </a:prstGeom>
-          <a:ln w="28575">
-            <a:tailEnd type="triangle"/>
-          </a:ln>
-        </p:spPr>
-        <p:style>
-          <a:lnRef idx="1">
-            <a:schemeClr val="accent1"/>
-          </a:lnRef>
-          <a:fillRef idx="0">
-            <a:schemeClr val="accent1"/>
-          </a:fillRef>
-          <a:effectRef idx="0">
-            <a:schemeClr val="accent1"/>
-          </a:effectRef>
-          <a:fontRef idx="minor">
-            <a:schemeClr val="tx1"/>
-          </a:fontRef>
-        </p:style>
-      </p:cxnSp>
+              <a:t> RLS – Recursive Least Squares, another adaptive filtering algorithm.  Has a faster convergence time than LMS but is more computationally intensive to update</a:t>
+            </a:r>
+          </a:p>
+        </p:txBody>
+      </p:sp>
     </p:spTree>
     <p:extLst>
       <p:ext uri="{BB962C8B-B14F-4D97-AF65-F5344CB8AC3E}">
-        <p14:creationId xmlns:p14="http://schemas.microsoft.com/office/powerpoint/2010/main" val="3123516063"/>
+        <p14:creationId xmlns:p14="http://schemas.microsoft.com/office/powerpoint/2010/main" val="1180570431"/>
       </p:ext>
     </p:extLst>
   </p:cSld>
@@ -4545,41 +3527,6 @@
           <a:chExt cx="0" cy="0"/>
         </a:xfrm>
       </p:grpSpPr>
-      <p:cxnSp>
-        <p:nvCxnSpPr>
-          <p:cNvPr id="58" name="Straight Arrow Connector 57"/>
-          <p:cNvCxnSpPr>
-            <a:cxnSpLocks/>
-          </p:cNvCxnSpPr>
-          <p:nvPr/>
-        </p:nvCxnSpPr>
-        <p:spPr>
-          <a:xfrm flipV="1">
-            <a:off x="7366421" y="3415005"/>
-            <a:ext cx="1021992" cy="1537995"/>
-          </a:xfrm>
-          <a:prstGeom prst="straightConnector1">
-            <a:avLst/>
-          </a:prstGeom>
-          <a:ln w="28575">
-            <a:tailEnd type="triangle"/>
-          </a:ln>
-        </p:spPr>
-        <p:style>
-          <a:lnRef idx="1">
-            <a:schemeClr val="accent1"/>
-          </a:lnRef>
-          <a:fillRef idx="0">
-            <a:schemeClr val="accent1"/>
-          </a:fillRef>
-          <a:effectRef idx="0">
-            <a:schemeClr val="accent1"/>
-          </a:effectRef>
-          <a:fontRef idx="minor">
-            <a:schemeClr val="tx1"/>
-          </a:fontRef>
-        </p:style>
-      </p:cxnSp>
       <p:sp>
         <p:nvSpPr>
           <p:cNvPr id="2" name="Title 1"/>
@@ -4590,19 +3537,14 @@
             <p:ph type="title"/>
           </p:nvPr>
         </p:nvSpPr>
-        <p:spPr>
-          <a:xfrm>
-            <a:off x="0" y="58927"/>
-            <a:ext cx="6531429" cy="1325563"/>
-          </a:xfrm>
-        </p:spPr>
+        <p:spPr/>
         <p:txBody>
           <a:bodyPr/>
           <a:lstStyle/>
           <a:p>
             <a:r>
               <a:rPr lang="en-US" dirty="0"/>
-              <a:t>Adaptive Data flow block Diagram</a:t>
+              <a:t>Basic Orientation Sensing (Tends to be noisy or drifts)</a:t>
             </a:r>
           </a:p>
         </p:txBody>
@@ -4615,7 +3557,7 @@
         </p:nvSpPr>
         <p:spPr>
           <a:xfrm>
-            <a:off x="320266" y="1583575"/>
+            <a:off x="411074" y="1729127"/>
             <a:ext cx="1451994" cy="1048624"/>
           </a:xfrm>
           <a:prstGeom prst="rect">
@@ -4668,7 +3610,7 @@
         </p:nvSpPr>
         <p:spPr>
           <a:xfrm>
-            <a:off x="3998293" y="1884608"/>
+            <a:off x="3635357" y="2055211"/>
             <a:ext cx="503339" cy="398171"/>
           </a:xfrm>
           <a:prstGeom prst="rect">
@@ -4714,12 +3656,101 @@
         </p:nvSpPr>
         <p:spPr>
           <a:xfrm>
-            <a:off x="6994658" y="433880"/>
-            <a:ext cx="697159" cy="1125095"/>
+            <a:off x="4426194" y="1729984"/>
+            <a:ext cx="1451994" cy="1048624"/>
           </a:xfrm>
           <a:prstGeom prst="rect">
             <a:avLst/>
           </a:prstGeom>
+        </p:spPr>
+        <p:style>
+          <a:lnRef idx="2">
+            <a:schemeClr val="accent1">
+              <a:shade val="50000"/>
+            </a:schemeClr>
+          </a:lnRef>
+          <a:fillRef idx="1">
+            <a:schemeClr val="accent1"/>
+          </a:fillRef>
+          <a:effectRef idx="0">
+            <a:schemeClr val="accent1"/>
+          </a:effectRef>
+          <a:fontRef idx="minor">
+            <a:schemeClr val="lt1"/>
+          </a:fontRef>
+        </p:style>
+        <p:txBody>
+          <a:bodyPr rtlCol="0" anchor="ctr"/>
+          <a:lstStyle/>
+          <a:p>
+            <a:pPr algn="ctr"/>
+            <a:r>
+              <a:rPr lang="en-US" dirty="0"/>
+              <a:t>New Attitude Est (3x3)</a:t>
+            </a:r>
+          </a:p>
+        </p:txBody>
+      </p:sp>
+      <p:sp>
+        <p:nvSpPr>
+          <p:cNvPr id="7" name="Rectangle 6"/>
+          <p:cNvSpPr/>
+          <p:nvPr/>
+        </p:nvSpPr>
+        <p:spPr>
+          <a:xfrm>
+            <a:off x="3096189" y="2862310"/>
+            <a:ext cx="1581674" cy="1302785"/>
+          </a:xfrm>
+          <a:prstGeom prst="rect">
+            <a:avLst/>
+          </a:prstGeom>
+        </p:spPr>
+        <p:style>
+          <a:lnRef idx="2">
+            <a:schemeClr val="accent1">
+              <a:shade val="50000"/>
+            </a:schemeClr>
+          </a:lnRef>
+          <a:fillRef idx="1">
+            <a:schemeClr val="accent1"/>
+          </a:fillRef>
+          <a:effectRef idx="0">
+            <a:schemeClr val="accent1"/>
+          </a:effectRef>
+          <a:fontRef idx="minor">
+            <a:schemeClr val="lt1"/>
+          </a:fontRef>
+        </p:style>
+        <p:txBody>
+          <a:bodyPr rtlCol="0" anchor="ctr"/>
+          <a:lstStyle/>
+          <a:p>
+            <a:pPr algn="ctr"/>
+            <a:r>
+              <a:rPr lang="en-US" dirty="0"/>
+              <a:t>Previous Attitude Est (3x3)</a:t>
+            </a:r>
+          </a:p>
+        </p:txBody>
+      </p:sp>
+      <p:sp>
+        <p:nvSpPr>
+          <p:cNvPr id="8" name="Rectangle 7"/>
+          <p:cNvSpPr/>
+          <p:nvPr/>
+        </p:nvSpPr>
+        <p:spPr>
+          <a:xfrm>
+            <a:off x="2150566" y="1803656"/>
+            <a:ext cx="1238338" cy="899566"/>
+          </a:xfrm>
+          <a:prstGeom prst="rect">
+            <a:avLst/>
+          </a:prstGeom>
+          <a:solidFill>
+            <a:srgbClr val="FFC000"/>
+          </a:solidFill>
         </p:spPr>
         <p:style>
           <a:lnRef idx="2">
@@ -4749,39 +3780,182 @@
             <a:pPr algn="ctr"/>
             <a:r>
               <a:rPr lang="en-US" dirty="0"/>
-              <a:t>[0</a:t>
+              <a:t>Convert to DCM</a:t>
             </a:r>
           </a:p>
           <a:p>
             <a:pPr algn="ctr"/>
             <a:r>
               <a:rPr lang="en-US" dirty="0"/>
-              <a:t>0</a:t>
-            </a:r>
-          </a:p>
-          <a:p>
-            <a:pPr algn="ctr"/>
-            <a:r>
-              <a:rPr lang="en-US" dirty="0"/>
-              <a:t>9.81]</a:t>
-            </a:r>
-          </a:p>
-        </p:txBody>
-      </p:sp>
-      <p:sp>
-        <p:nvSpPr>
-          <p:cNvPr id="7" name="Rectangle 6"/>
+              <a:t>(3x3)</a:t>
+            </a:r>
+          </a:p>
+        </p:txBody>
+      </p:sp>
+      <p:cxnSp>
+        <p:nvCxnSpPr>
+          <p:cNvPr id="9" name="Straight Arrow Connector 8"/>
+          <p:cNvCxnSpPr>
+            <a:stCxn id="4" idx="3"/>
+            <a:endCxn id="8" idx="1"/>
+          </p:cNvCxnSpPr>
+          <p:nvPr/>
+        </p:nvCxnSpPr>
+        <p:spPr>
+          <a:xfrm>
+            <a:off x="1863068" y="2253439"/>
+            <a:ext cx="287498" cy="0"/>
+          </a:xfrm>
+          <a:prstGeom prst="straightConnector1">
+            <a:avLst/>
+          </a:prstGeom>
+          <a:ln w="28575">
+            <a:tailEnd type="triangle"/>
+          </a:ln>
+        </p:spPr>
+        <p:style>
+          <a:lnRef idx="1">
+            <a:schemeClr val="accent1"/>
+          </a:lnRef>
+          <a:fillRef idx="0">
+            <a:schemeClr val="accent1"/>
+          </a:fillRef>
+          <a:effectRef idx="0">
+            <a:schemeClr val="accent1"/>
+          </a:effectRef>
+          <a:fontRef idx="minor">
+            <a:schemeClr val="tx1"/>
+          </a:fontRef>
+        </p:style>
+      </p:cxnSp>
+      <p:cxnSp>
+        <p:nvCxnSpPr>
+          <p:cNvPr id="10" name="Straight Arrow Connector 9"/>
+          <p:cNvCxnSpPr>
+            <a:cxnSpLocks/>
+            <a:stCxn id="8" idx="3"/>
+            <a:endCxn id="5" idx="1"/>
+          </p:cNvCxnSpPr>
+          <p:nvPr/>
+        </p:nvCxnSpPr>
+        <p:spPr>
+          <a:xfrm>
+            <a:off x="3388904" y="2253439"/>
+            <a:ext cx="246453" cy="858"/>
+          </a:xfrm>
+          <a:prstGeom prst="straightConnector1">
+            <a:avLst/>
+          </a:prstGeom>
+          <a:ln w="28575">
+            <a:tailEnd type="triangle"/>
+          </a:ln>
+        </p:spPr>
+        <p:style>
+          <a:lnRef idx="1">
+            <a:schemeClr val="accent1"/>
+          </a:lnRef>
+          <a:fillRef idx="0">
+            <a:schemeClr val="accent1"/>
+          </a:fillRef>
+          <a:effectRef idx="0">
+            <a:schemeClr val="accent1"/>
+          </a:effectRef>
+          <a:fontRef idx="minor">
+            <a:schemeClr val="tx1"/>
+          </a:fontRef>
+        </p:style>
+      </p:cxnSp>
+      <p:cxnSp>
+        <p:nvCxnSpPr>
+          <p:cNvPr id="11" name="Straight Arrow Connector 10"/>
+          <p:cNvCxnSpPr>
+            <a:cxnSpLocks/>
+            <a:stCxn id="5" idx="3"/>
+            <a:endCxn id="6" idx="1"/>
+          </p:cNvCxnSpPr>
+          <p:nvPr/>
+        </p:nvCxnSpPr>
+        <p:spPr>
+          <a:xfrm flipV="1">
+            <a:off x="4138696" y="2254296"/>
+            <a:ext cx="287498" cy="1"/>
+          </a:xfrm>
+          <a:prstGeom prst="straightConnector1">
+            <a:avLst/>
+          </a:prstGeom>
+          <a:ln w="28575">
+            <a:tailEnd type="triangle"/>
+          </a:ln>
+        </p:spPr>
+        <p:style>
+          <a:lnRef idx="1">
+            <a:schemeClr val="accent1"/>
+          </a:lnRef>
+          <a:fillRef idx="0">
+            <a:schemeClr val="accent1"/>
+          </a:fillRef>
+          <a:effectRef idx="0">
+            <a:schemeClr val="accent1"/>
+          </a:effectRef>
+          <a:fontRef idx="minor">
+            <a:schemeClr val="tx1"/>
+          </a:fontRef>
+        </p:style>
+      </p:cxnSp>
+      <p:cxnSp>
+        <p:nvCxnSpPr>
+          <p:cNvPr id="12" name="Straight Arrow Connector 11"/>
+          <p:cNvCxnSpPr>
+            <a:cxnSpLocks/>
+            <a:stCxn id="7" idx="0"/>
+            <a:endCxn id="5" idx="2"/>
+          </p:cNvCxnSpPr>
+          <p:nvPr/>
+        </p:nvCxnSpPr>
+        <p:spPr>
+          <a:xfrm flipV="1">
+            <a:off x="3887026" y="2453382"/>
+            <a:ext cx="1" cy="408928"/>
+          </a:xfrm>
+          <a:prstGeom prst="straightConnector1">
+            <a:avLst/>
+          </a:prstGeom>
+          <a:ln w="28575">
+            <a:tailEnd type="triangle"/>
+          </a:ln>
+        </p:spPr>
+        <p:style>
+          <a:lnRef idx="1">
+            <a:schemeClr val="accent1"/>
+          </a:lnRef>
+          <a:fillRef idx="0">
+            <a:schemeClr val="accent1"/>
+          </a:fillRef>
+          <a:effectRef idx="0">
+            <a:schemeClr val="accent1"/>
+          </a:effectRef>
+          <a:fontRef idx="minor">
+            <a:schemeClr val="tx1"/>
+          </a:fontRef>
+        </p:style>
+      </p:cxnSp>
+      <p:sp>
+        <p:nvSpPr>
+          <p:cNvPr id="22" name="Rectangle 21"/>
           <p:cNvSpPr/>
           <p:nvPr/>
         </p:nvSpPr>
         <p:spPr>
           <a:xfrm>
-            <a:off x="5061774" y="1559381"/>
-            <a:ext cx="1451994" cy="1048624"/>
+            <a:off x="598935" y="4413330"/>
+            <a:ext cx="1628835" cy="1165846"/>
           </a:xfrm>
           <a:prstGeom prst="rect">
             <a:avLst/>
           </a:prstGeom>
+          <a:solidFill>
+            <a:schemeClr val="accent2"/>
+          </a:solidFill>
         </p:spPr>
         <p:style>
           <a:lnRef idx="2">
@@ -4806,64 +3980,21 @@
             <a:pPr algn="ctr"/>
             <a:r>
               <a:rPr lang="en-US" dirty="0"/>
-              <a:t>New Attitude Est (3x3)</a:t>
-            </a:r>
-          </a:p>
-        </p:txBody>
-      </p:sp>
-      <p:sp>
-        <p:nvSpPr>
-          <p:cNvPr id="8" name="Rectangle 7"/>
+              <a:t>Accelerometer Data</a:t>
+            </a:r>
+          </a:p>
+        </p:txBody>
+      </p:sp>
+      <p:sp>
+        <p:nvSpPr>
+          <p:cNvPr id="23" name="Rectangle 22"/>
           <p:cNvSpPr/>
           <p:nvPr/>
         </p:nvSpPr>
         <p:spPr>
           <a:xfrm>
-            <a:off x="3464665" y="4032452"/>
-            <a:ext cx="1581674" cy="851371"/>
-          </a:xfrm>
-          <a:prstGeom prst="rect">
-            <a:avLst/>
-          </a:prstGeom>
-        </p:spPr>
-        <p:style>
-          <a:lnRef idx="2">
-            <a:schemeClr val="accent1">
-              <a:shade val="50000"/>
-            </a:schemeClr>
-          </a:lnRef>
-          <a:fillRef idx="1">
-            <a:schemeClr val="accent1"/>
-          </a:fillRef>
-          <a:effectRef idx="0">
-            <a:schemeClr val="accent1"/>
-          </a:effectRef>
-          <a:fontRef idx="minor">
-            <a:schemeClr val="lt1"/>
-          </a:fontRef>
-        </p:style>
-        <p:txBody>
-          <a:bodyPr rtlCol="0" anchor="ctr"/>
-          <a:lstStyle/>
-          <a:p>
-            <a:pPr algn="ctr"/>
-            <a:r>
-              <a:rPr lang="en-US" dirty="0"/>
-              <a:t>Current Attitude Est (3x3)</a:t>
-            </a:r>
-          </a:p>
-        </p:txBody>
-      </p:sp>
-      <p:sp>
-        <p:nvSpPr>
-          <p:cNvPr id="9" name="Rectangle 8"/>
-          <p:cNvSpPr/>
-          <p:nvPr/>
-        </p:nvSpPr>
-        <p:spPr>
-          <a:xfrm>
-            <a:off x="2290194" y="1658103"/>
-            <a:ext cx="1238338" cy="899566"/>
+            <a:off x="6096000" y="1693374"/>
+            <a:ext cx="1638956" cy="1168936"/>
           </a:xfrm>
           <a:prstGeom prst="rect">
             <a:avLst/>
@@ -4899,32 +4030,48 @@
           <a:p>
             <a:pPr algn="ctr"/>
             <a:r>
-              <a:rPr lang="en-US" dirty="0"/>
-              <a:t>Convert to DCM</a:t>
-            </a:r>
-          </a:p>
-          <a:p>
-            <a:pPr algn="ctr"/>
-            <a:r>
-              <a:rPr lang="en-US" dirty="0"/>
-              <a:t>(3x3)</a:t>
+              <a:rPr lang="en-US" sz="1400" dirty="0"/>
+              <a:t>Convert to Euler Angles (</a:t>
+            </a:r>
+            <a:r>
+              <a:rPr lang="el-GR" sz="1400" dirty="0"/>
+              <a:t>Ψ</a:t>
+            </a:r>
+            <a:r>
+              <a:rPr lang="en-US" sz="1400" dirty="0"/>
+              <a:t>,</a:t>
+            </a:r>
+            <a:r>
+              <a:rPr lang="el-GR" sz="1400" dirty="0"/>
+              <a:t>Θ</a:t>
+            </a:r>
+            <a:r>
+              <a:rPr lang="en-US" sz="1400" dirty="0"/>
+              <a:t>,</a:t>
+            </a:r>
+            <a:r>
+              <a:rPr lang="el-GR" sz="1400" dirty="0"/>
+              <a:t> Φ</a:t>
+            </a:r>
+            <a:r>
+              <a:rPr lang="en-US" sz="1400" dirty="0"/>
+              <a:t>), optional</a:t>
             </a:r>
           </a:p>
         </p:txBody>
       </p:sp>
       <p:cxnSp>
         <p:nvCxnSpPr>
-          <p:cNvPr id="11" name="Straight Arrow Connector 10"/>
+          <p:cNvPr id="24" name="Straight Arrow Connector 23"/>
           <p:cNvCxnSpPr>
-            <a:stCxn id="4" idx="3"/>
-            <a:endCxn id="9" idx="1"/>
+            <a:cxnSpLocks/>
           </p:cNvCxnSpPr>
           <p:nvPr/>
         </p:nvCxnSpPr>
         <p:spPr>
           <a:xfrm flipV="1">
-            <a:off x="1772260" y="2107886"/>
-            <a:ext cx="517934" cy="1"/>
+            <a:off x="5845495" y="2271085"/>
+            <a:ext cx="287498" cy="1"/>
           </a:xfrm>
           <a:prstGeom prst="straightConnector1">
             <a:avLst/>
@@ -4948,767 +4095,16 @@
           </a:fontRef>
         </p:style>
       </p:cxnSp>
-      <p:cxnSp>
-        <p:nvCxnSpPr>
-          <p:cNvPr id="13" name="Straight Arrow Connector 12"/>
-          <p:cNvCxnSpPr/>
-          <p:nvPr/>
-        </p:nvCxnSpPr>
-        <p:spPr>
-          <a:xfrm flipV="1">
-            <a:off x="3518132" y="2113415"/>
-            <a:ext cx="517934" cy="1"/>
-          </a:xfrm>
-          <a:prstGeom prst="straightConnector1">
-            <a:avLst/>
-          </a:prstGeom>
-          <a:ln w="28575">
-            <a:tailEnd type="triangle"/>
-          </a:ln>
-        </p:spPr>
-        <p:style>
-          <a:lnRef idx="1">
-            <a:schemeClr val="accent1"/>
-          </a:lnRef>
-          <a:fillRef idx="0">
-            <a:schemeClr val="accent1"/>
-          </a:fillRef>
-          <a:effectRef idx="0">
-            <a:schemeClr val="accent1"/>
-          </a:effectRef>
-          <a:fontRef idx="minor">
-            <a:schemeClr val="tx1"/>
-          </a:fontRef>
-        </p:style>
-      </p:cxnSp>
-      <p:cxnSp>
-        <p:nvCxnSpPr>
-          <p:cNvPr id="14" name="Straight Arrow Connector 13"/>
-          <p:cNvCxnSpPr>
-            <a:cxnSpLocks/>
-            <a:stCxn id="8" idx="0"/>
-            <a:endCxn id="108" idx="2"/>
-          </p:cNvCxnSpPr>
-          <p:nvPr/>
-        </p:nvCxnSpPr>
-        <p:spPr>
-          <a:xfrm flipV="1">
-            <a:off x="4255502" y="3855748"/>
-            <a:ext cx="2554" cy="176704"/>
-          </a:xfrm>
-          <a:prstGeom prst="straightConnector1">
-            <a:avLst/>
-          </a:prstGeom>
-          <a:ln w="28575">
-            <a:tailEnd type="triangle"/>
-          </a:ln>
-        </p:spPr>
-        <p:style>
-          <a:lnRef idx="1">
-            <a:schemeClr val="accent1"/>
-          </a:lnRef>
-          <a:fillRef idx="0">
-            <a:schemeClr val="accent1"/>
-          </a:fillRef>
-          <a:effectRef idx="0">
-            <a:schemeClr val="accent1"/>
-          </a:effectRef>
-          <a:fontRef idx="minor">
-            <a:schemeClr val="tx1"/>
-          </a:fontRef>
-        </p:style>
-      </p:cxnSp>
-      <p:cxnSp>
-        <p:nvCxnSpPr>
-          <p:cNvPr id="17" name="Straight Arrow Connector 16"/>
-          <p:cNvCxnSpPr>
-            <a:cxnSpLocks/>
-            <a:stCxn id="5" idx="3"/>
-            <a:endCxn id="7" idx="1"/>
-          </p:cNvCxnSpPr>
-          <p:nvPr/>
-        </p:nvCxnSpPr>
-        <p:spPr>
-          <a:xfrm flipV="1">
-            <a:off x="4501632" y="2083693"/>
-            <a:ext cx="560142" cy="1"/>
-          </a:xfrm>
-          <a:prstGeom prst="straightConnector1">
-            <a:avLst/>
-          </a:prstGeom>
-          <a:ln w="28575">
-            <a:tailEnd type="triangle"/>
-          </a:ln>
-        </p:spPr>
-        <p:style>
-          <a:lnRef idx="1">
-            <a:schemeClr val="accent1"/>
-          </a:lnRef>
-          <a:fillRef idx="0">
-            <a:schemeClr val="accent1"/>
-          </a:fillRef>
-          <a:effectRef idx="0">
-            <a:schemeClr val="accent1"/>
-          </a:effectRef>
-          <a:fontRef idx="minor">
-            <a:schemeClr val="tx1"/>
-          </a:fontRef>
-        </p:style>
-      </p:cxnSp>
-      <p:sp>
-        <p:nvSpPr>
-          <p:cNvPr id="20" name="Rectangle 19"/>
+      <p:sp>
+        <p:nvSpPr>
+          <p:cNvPr id="25" name="Rectangle 24"/>
           <p:cNvSpPr/>
           <p:nvPr/>
         </p:nvSpPr>
         <p:spPr>
           <a:xfrm>
-            <a:off x="7091569" y="1884404"/>
-            <a:ext cx="503339" cy="398171"/>
-          </a:xfrm>
-          <a:prstGeom prst="rect">
-            <a:avLst/>
-          </a:prstGeom>
-          <a:solidFill>
-            <a:srgbClr val="FFC000"/>
-          </a:solidFill>
-        </p:spPr>
-        <p:style>
-          <a:lnRef idx="2">
-            <a:schemeClr val="accent1">
-              <a:shade val="50000"/>
-            </a:schemeClr>
-          </a:lnRef>
-          <a:fillRef idx="1">
-            <a:schemeClr val="accent1"/>
-          </a:fillRef>
-          <a:effectRef idx="0">
-            <a:schemeClr val="accent1"/>
-          </a:effectRef>
-          <a:fontRef idx="minor">
-            <a:schemeClr val="lt1"/>
-          </a:fontRef>
-        </p:style>
-        <p:txBody>
-          <a:bodyPr rtlCol="0" anchor="ctr"/>
-          <a:lstStyle/>
-          <a:p>
-            <a:pPr algn="ctr"/>
-            <a:r>
-              <a:rPr lang="en-US" dirty="0"/>
-              <a:t>x</a:t>
-            </a:r>
-          </a:p>
-        </p:txBody>
-      </p:sp>
-      <p:cxnSp>
-        <p:nvCxnSpPr>
-          <p:cNvPr id="21" name="Straight Arrow Connector 20"/>
-          <p:cNvCxnSpPr>
-            <a:cxnSpLocks/>
-            <a:endCxn id="20" idx="1"/>
-          </p:cNvCxnSpPr>
-          <p:nvPr/>
-        </p:nvCxnSpPr>
-        <p:spPr>
-          <a:xfrm>
-            <a:off x="6216111" y="2083490"/>
-            <a:ext cx="875458" cy="0"/>
-          </a:xfrm>
-          <a:prstGeom prst="straightConnector1">
-            <a:avLst/>
-          </a:prstGeom>
-          <a:ln w="28575">
-            <a:tailEnd type="triangle"/>
-          </a:ln>
-        </p:spPr>
-        <p:style>
-          <a:lnRef idx="1">
-            <a:schemeClr val="accent1"/>
-          </a:lnRef>
-          <a:fillRef idx="0">
-            <a:schemeClr val="accent1"/>
-          </a:fillRef>
-          <a:effectRef idx="0">
-            <a:schemeClr val="accent1"/>
-          </a:effectRef>
-          <a:fontRef idx="minor">
-            <a:schemeClr val="tx1"/>
-          </a:fontRef>
-        </p:style>
-      </p:cxnSp>
-      <p:cxnSp>
-        <p:nvCxnSpPr>
-          <p:cNvPr id="23" name="Straight Arrow Connector 22"/>
-          <p:cNvCxnSpPr>
-            <a:cxnSpLocks/>
-            <a:stCxn id="6" idx="2"/>
-            <a:endCxn id="20" idx="0"/>
-          </p:cNvCxnSpPr>
-          <p:nvPr/>
-        </p:nvCxnSpPr>
-        <p:spPr>
-          <a:xfrm>
-            <a:off x="7343238" y="1558975"/>
-            <a:ext cx="1" cy="325429"/>
-          </a:xfrm>
-          <a:prstGeom prst="straightConnector1">
-            <a:avLst/>
-          </a:prstGeom>
-          <a:ln w="28575">
-            <a:tailEnd type="triangle"/>
-          </a:ln>
-        </p:spPr>
-        <p:style>
-          <a:lnRef idx="1">
-            <a:schemeClr val="accent1"/>
-          </a:lnRef>
-          <a:fillRef idx="0">
-            <a:schemeClr val="accent1"/>
-          </a:fillRef>
-          <a:effectRef idx="0">
-            <a:schemeClr val="accent1"/>
-          </a:effectRef>
-          <a:fontRef idx="minor">
-            <a:schemeClr val="tx1"/>
-          </a:fontRef>
-        </p:style>
-      </p:cxnSp>
-      <p:sp>
-        <p:nvSpPr>
-          <p:cNvPr id="29" name="TextBox 28"/>
-          <p:cNvSpPr txBox="1"/>
-          <p:nvPr/>
-        </p:nvSpPr>
-        <p:spPr>
-          <a:xfrm>
-            <a:off x="7857311" y="515852"/>
-            <a:ext cx="1710044" cy="646331"/>
-          </a:xfrm>
-          <a:prstGeom prst="rect">
-            <a:avLst/>
-          </a:prstGeom>
-          <a:noFill/>
-        </p:spPr>
-        <p:txBody>
-          <a:bodyPr wrap="square" rtlCol="0">
-            <a:spAutoFit/>
-          </a:bodyPr>
-          <a:lstStyle/>
-          <a:p>
-            <a:r>
-              <a:rPr lang="en-US" dirty="0"/>
-              <a:t>Gravity @Local level</a:t>
-            </a:r>
-          </a:p>
-        </p:txBody>
-      </p:sp>
-      <p:sp>
-        <p:nvSpPr>
-          <p:cNvPr id="31" name="Rectangle 30"/>
-          <p:cNvSpPr/>
-          <p:nvPr/>
-        </p:nvSpPr>
-        <p:spPr>
-          <a:xfrm>
-            <a:off x="8119714" y="1361268"/>
-            <a:ext cx="1854624" cy="1444442"/>
-          </a:xfrm>
-          <a:prstGeom prst="rect">
-            <a:avLst/>
-          </a:prstGeom>
-        </p:spPr>
-        <p:style>
-          <a:lnRef idx="2">
-            <a:schemeClr val="accent1">
-              <a:shade val="50000"/>
-            </a:schemeClr>
-          </a:lnRef>
-          <a:fillRef idx="1">
-            <a:schemeClr val="accent1"/>
-          </a:fillRef>
-          <a:effectRef idx="0">
-            <a:schemeClr val="accent1"/>
-          </a:effectRef>
-          <a:fontRef idx="minor">
-            <a:schemeClr val="lt1"/>
-          </a:fontRef>
-        </p:style>
-        <p:txBody>
-          <a:bodyPr rtlCol="0" anchor="ctr"/>
-          <a:lstStyle/>
-          <a:p>
-            <a:pPr algn="ctr"/>
-            <a:r>
-              <a:rPr lang="en-US" dirty="0"/>
-              <a:t>Accelerometer Output Estimate (assuming stationary) (3x1)</a:t>
-            </a:r>
-          </a:p>
-        </p:txBody>
-      </p:sp>
-      <p:cxnSp>
-        <p:nvCxnSpPr>
-          <p:cNvPr id="32" name="Straight Arrow Connector 31"/>
-          <p:cNvCxnSpPr>
-            <a:cxnSpLocks/>
-            <a:stCxn id="20" idx="3"/>
-            <a:endCxn id="31" idx="1"/>
-          </p:cNvCxnSpPr>
-          <p:nvPr/>
-        </p:nvCxnSpPr>
-        <p:spPr>
-          <a:xfrm flipV="1">
-            <a:off x="7594908" y="2083489"/>
-            <a:ext cx="524806" cy="1"/>
-          </a:xfrm>
-          <a:prstGeom prst="straightConnector1">
-            <a:avLst/>
-          </a:prstGeom>
-          <a:ln w="28575">
-            <a:tailEnd type="triangle"/>
-          </a:ln>
-        </p:spPr>
-        <p:style>
-          <a:lnRef idx="1">
-            <a:schemeClr val="accent1"/>
-          </a:lnRef>
-          <a:fillRef idx="0">
-            <a:schemeClr val="accent1"/>
-          </a:fillRef>
-          <a:effectRef idx="0">
-            <a:schemeClr val="accent1"/>
-          </a:effectRef>
-          <a:fontRef idx="minor">
-            <a:schemeClr val="tx1"/>
-          </a:fontRef>
-        </p:style>
-      </p:cxnSp>
-      <p:sp>
-        <p:nvSpPr>
-          <p:cNvPr id="36" name="Rectangle 35"/>
-          <p:cNvSpPr/>
-          <p:nvPr/>
-        </p:nvSpPr>
-        <p:spPr>
-          <a:xfrm>
-            <a:off x="5365823" y="5464940"/>
-            <a:ext cx="1628835" cy="1165846"/>
-          </a:xfrm>
-          <a:prstGeom prst="rect">
-            <a:avLst/>
-          </a:prstGeom>
-          <a:solidFill>
-            <a:schemeClr val="accent2"/>
-          </a:solidFill>
-        </p:spPr>
-        <p:style>
-          <a:lnRef idx="2">
-            <a:schemeClr val="accent1">
-              <a:shade val="50000"/>
-            </a:schemeClr>
-          </a:lnRef>
-          <a:fillRef idx="1">
-            <a:schemeClr val="accent1"/>
-          </a:fillRef>
-          <a:effectRef idx="0">
-            <a:schemeClr val="accent1"/>
-          </a:effectRef>
-          <a:fontRef idx="minor">
-            <a:schemeClr val="lt1"/>
-          </a:fontRef>
-        </p:style>
-        <p:txBody>
-          <a:bodyPr rtlCol="0" anchor="ctr"/>
-          <a:lstStyle/>
-          <a:p>
-            <a:pPr algn="ctr"/>
-            <a:r>
-              <a:rPr lang="en-US" dirty="0"/>
-              <a:t>Accelerometer Data</a:t>
-            </a:r>
-          </a:p>
-        </p:txBody>
-      </p:sp>
-      <p:cxnSp>
-        <p:nvCxnSpPr>
-          <p:cNvPr id="37" name="Straight Arrow Connector 36"/>
-          <p:cNvCxnSpPr>
-            <a:cxnSpLocks/>
-          </p:cNvCxnSpPr>
-          <p:nvPr/>
-        </p:nvCxnSpPr>
-        <p:spPr>
-          <a:xfrm>
-            <a:off x="9196316" y="2805710"/>
-            <a:ext cx="0" cy="1029172"/>
-          </a:xfrm>
-          <a:prstGeom prst="straightConnector1">
-            <a:avLst/>
-          </a:prstGeom>
-          <a:ln w="28575">
-            <a:tailEnd type="triangle"/>
-          </a:ln>
-        </p:spPr>
-        <p:style>
-          <a:lnRef idx="1">
-            <a:schemeClr val="accent1"/>
-          </a:lnRef>
-          <a:fillRef idx="0">
-            <a:schemeClr val="accent1"/>
-          </a:fillRef>
-          <a:effectRef idx="0">
-            <a:schemeClr val="accent1"/>
-          </a:effectRef>
-          <a:fontRef idx="minor">
-            <a:schemeClr val="tx1"/>
-          </a:fontRef>
-        </p:style>
-      </p:cxnSp>
-      <p:sp>
-        <p:nvSpPr>
-          <p:cNvPr id="40" name="Rectangle 39"/>
-          <p:cNvSpPr/>
-          <p:nvPr/>
-        </p:nvSpPr>
-        <p:spPr>
-          <a:xfrm>
-            <a:off x="7476555" y="3593828"/>
-            <a:ext cx="1042294" cy="877248"/>
-          </a:xfrm>
-          <a:prstGeom prst="rect">
-            <a:avLst/>
-          </a:prstGeom>
-          <a:solidFill>
-            <a:srgbClr val="FFC000"/>
-          </a:solidFill>
-        </p:spPr>
-        <p:style>
-          <a:lnRef idx="2">
-            <a:schemeClr val="accent1">
-              <a:shade val="50000"/>
-            </a:schemeClr>
-          </a:lnRef>
-          <a:fillRef idx="1">
-            <a:schemeClr val="accent1"/>
-          </a:fillRef>
-          <a:effectRef idx="0">
-            <a:schemeClr val="accent1"/>
-          </a:effectRef>
-          <a:fontRef idx="minor">
-            <a:schemeClr val="lt1"/>
-          </a:fontRef>
-        </p:style>
-        <p:txBody>
-          <a:bodyPr rtlCol="0" anchor="ctr"/>
-          <a:lstStyle/>
-          <a:p>
-            <a:pPr algn="ctr"/>
-            <a:r>
-              <a:rPr lang="en-US" dirty="0"/>
-              <a:t>Adaptive filter</a:t>
-            </a:r>
-          </a:p>
-        </p:txBody>
-      </p:sp>
-      <p:cxnSp>
-        <p:nvCxnSpPr>
-          <p:cNvPr id="41" name="Straight Arrow Connector 40"/>
-          <p:cNvCxnSpPr>
-            <a:cxnSpLocks/>
-            <a:stCxn id="36" idx="0"/>
-            <a:endCxn id="40" idx="1"/>
-          </p:cNvCxnSpPr>
-          <p:nvPr/>
-        </p:nvCxnSpPr>
-        <p:spPr>
-          <a:xfrm flipV="1">
-            <a:off x="6180241" y="4032452"/>
-            <a:ext cx="1296314" cy="1432488"/>
-          </a:xfrm>
-          <a:prstGeom prst="straightConnector1">
-            <a:avLst/>
-          </a:prstGeom>
-          <a:ln w="28575">
-            <a:tailEnd type="triangle"/>
-          </a:ln>
-        </p:spPr>
-        <p:style>
-          <a:lnRef idx="1">
-            <a:schemeClr val="accent1"/>
-          </a:lnRef>
-          <a:fillRef idx="0">
-            <a:schemeClr val="accent1"/>
-          </a:fillRef>
-          <a:effectRef idx="0">
-            <a:schemeClr val="accent1"/>
-          </a:effectRef>
-          <a:fontRef idx="minor">
-            <a:schemeClr val="tx1"/>
-          </a:fontRef>
-        </p:style>
-      </p:cxnSp>
-      <p:cxnSp>
-        <p:nvCxnSpPr>
-          <p:cNvPr id="48" name="Straight Arrow Connector 47"/>
-          <p:cNvCxnSpPr>
-            <a:cxnSpLocks/>
-            <a:stCxn id="40" idx="3"/>
-          </p:cNvCxnSpPr>
-          <p:nvPr/>
-        </p:nvCxnSpPr>
-        <p:spPr>
-          <a:xfrm>
-            <a:off x="8518849" y="4032452"/>
-            <a:ext cx="429208" cy="0"/>
-          </a:xfrm>
-          <a:prstGeom prst="straightConnector1">
-            <a:avLst/>
-          </a:prstGeom>
-          <a:ln w="28575">
-            <a:tailEnd type="triangle"/>
-          </a:ln>
-        </p:spPr>
-        <p:style>
-          <a:lnRef idx="1">
-            <a:schemeClr val="accent1"/>
-          </a:lnRef>
-          <a:fillRef idx="0">
-            <a:schemeClr val="accent1"/>
-          </a:fillRef>
-          <a:effectRef idx="0">
-            <a:schemeClr val="accent1"/>
-          </a:effectRef>
-          <a:fontRef idx="minor">
-            <a:schemeClr val="tx1"/>
-          </a:fontRef>
-        </p:style>
-      </p:cxnSp>
-      <p:sp>
-        <p:nvSpPr>
-          <p:cNvPr id="51" name="Oval 50"/>
-          <p:cNvSpPr/>
-          <p:nvPr/>
-        </p:nvSpPr>
-        <p:spPr>
-          <a:xfrm>
-            <a:off x="8948057" y="3830275"/>
-            <a:ext cx="513184" cy="531845"/>
-          </a:xfrm>
-          <a:prstGeom prst="ellipse">
-            <a:avLst/>
-          </a:prstGeom>
-          <a:solidFill>
-            <a:srgbClr val="FFC000"/>
-          </a:solidFill>
-        </p:spPr>
-        <p:style>
-          <a:lnRef idx="2">
-            <a:schemeClr val="accent1">
-              <a:shade val="50000"/>
-            </a:schemeClr>
-          </a:lnRef>
-          <a:fillRef idx="1">
-            <a:schemeClr val="accent1"/>
-          </a:fillRef>
-          <a:effectRef idx="0">
-            <a:schemeClr val="accent1"/>
-          </a:effectRef>
-          <a:fontRef idx="minor">
-            <a:schemeClr val="lt1"/>
-          </a:fontRef>
-        </p:style>
-        <p:txBody>
-          <a:bodyPr rtlCol="0" anchor="ctr"/>
-          <a:lstStyle/>
-          <a:p>
-            <a:pPr algn="ctr"/>
-            <a:r>
-              <a:rPr lang="el-GR" dirty="0"/>
-              <a:t>Σ</a:t>
-            </a:r>
-            <a:endParaRPr lang="en-US" dirty="0"/>
-          </a:p>
-        </p:txBody>
-      </p:sp>
-      <p:sp>
-        <p:nvSpPr>
-          <p:cNvPr id="52" name="TextBox 51"/>
-          <p:cNvSpPr txBox="1"/>
-          <p:nvPr/>
-        </p:nvSpPr>
-        <p:spPr>
-          <a:xfrm>
-            <a:off x="9217561" y="3514129"/>
-            <a:ext cx="457200" cy="369332"/>
-          </a:xfrm>
-          <a:prstGeom prst="rect">
-            <a:avLst/>
-          </a:prstGeom>
-          <a:noFill/>
-        </p:spPr>
-        <p:txBody>
-          <a:bodyPr wrap="square" rtlCol="0">
-            <a:spAutoFit/>
-          </a:bodyPr>
-          <a:lstStyle/>
-          <a:p>
-            <a:r>
-              <a:rPr lang="en-US" dirty="0"/>
-              <a:t>+</a:t>
-            </a:r>
-          </a:p>
-        </p:txBody>
-      </p:sp>
-      <p:sp>
-        <p:nvSpPr>
-          <p:cNvPr id="53" name="TextBox 52"/>
-          <p:cNvSpPr txBox="1"/>
-          <p:nvPr/>
-        </p:nvSpPr>
-        <p:spPr>
-          <a:xfrm>
-            <a:off x="8715293" y="3710910"/>
-            <a:ext cx="457200" cy="369332"/>
-          </a:xfrm>
-          <a:prstGeom prst="rect">
-            <a:avLst/>
-          </a:prstGeom>
-          <a:noFill/>
-        </p:spPr>
-        <p:txBody>
-          <a:bodyPr wrap="square" rtlCol="0">
-            <a:spAutoFit/>
-          </a:bodyPr>
-          <a:lstStyle/>
-          <a:p>
-            <a:r>
-              <a:rPr lang="en-US" dirty="0"/>
-              <a:t>-</a:t>
-            </a:r>
-          </a:p>
-        </p:txBody>
-      </p:sp>
-      <p:cxnSp>
-        <p:nvCxnSpPr>
-          <p:cNvPr id="54" name="Straight Arrow Connector 53"/>
-          <p:cNvCxnSpPr>
-            <a:cxnSpLocks/>
-          </p:cNvCxnSpPr>
-          <p:nvPr/>
-        </p:nvCxnSpPr>
-        <p:spPr>
-          <a:xfrm>
-            <a:off x="9196317" y="4363754"/>
-            <a:ext cx="8332" cy="617871"/>
-          </a:xfrm>
-          <a:prstGeom prst="straightConnector1">
-            <a:avLst/>
-          </a:prstGeom>
-          <a:ln w="28575">
-            <a:tailEnd type="none"/>
-          </a:ln>
-        </p:spPr>
-        <p:style>
-          <a:lnRef idx="1">
-            <a:schemeClr val="accent1"/>
-          </a:lnRef>
-          <a:fillRef idx="0">
-            <a:schemeClr val="accent1"/>
-          </a:fillRef>
-          <a:effectRef idx="0">
-            <a:schemeClr val="accent1"/>
-          </a:effectRef>
-          <a:fontRef idx="minor">
-            <a:schemeClr val="tx1"/>
-          </a:fontRef>
-        </p:style>
-      </p:cxnSp>
-      <p:cxnSp>
-        <p:nvCxnSpPr>
-          <p:cNvPr id="56" name="Straight Arrow Connector 55"/>
-          <p:cNvCxnSpPr>
-            <a:cxnSpLocks/>
-          </p:cNvCxnSpPr>
-          <p:nvPr/>
-        </p:nvCxnSpPr>
-        <p:spPr>
-          <a:xfrm flipH="1">
-            <a:off x="7366422" y="4967312"/>
-            <a:ext cx="1838227" cy="0"/>
-          </a:xfrm>
-          <a:prstGeom prst="straightConnector1">
-            <a:avLst/>
-          </a:prstGeom>
-          <a:ln w="28575">
-            <a:tailEnd type="none"/>
-          </a:ln>
-        </p:spPr>
-        <p:style>
-          <a:lnRef idx="1">
-            <a:schemeClr val="accent1"/>
-          </a:lnRef>
-          <a:fillRef idx="0">
-            <a:schemeClr val="accent1"/>
-          </a:fillRef>
-          <a:effectRef idx="0">
-            <a:schemeClr val="accent1"/>
-          </a:effectRef>
-          <a:fontRef idx="minor">
-            <a:schemeClr val="tx1"/>
-          </a:fontRef>
-        </p:style>
-      </p:cxnSp>
-      <p:cxnSp>
-        <p:nvCxnSpPr>
-          <p:cNvPr id="71" name="Connector: Elbow 70"/>
-          <p:cNvCxnSpPr>
-            <a:cxnSpLocks/>
-            <a:stCxn id="40" idx="3"/>
-            <a:endCxn id="77" idx="3"/>
-          </p:cNvCxnSpPr>
-          <p:nvPr/>
-        </p:nvCxnSpPr>
-        <p:spPr>
-          <a:xfrm flipH="1">
-            <a:off x="6602788" y="4032452"/>
-            <a:ext cx="1916061" cy="403148"/>
-          </a:xfrm>
-          <a:prstGeom prst="bentConnector5">
-            <a:avLst>
-              <a:gd name="adj1" fmla="val -11931"/>
-              <a:gd name="adj2" fmla="val -231422"/>
-              <a:gd name="adj3" fmla="val 77199"/>
-            </a:avLst>
-          </a:prstGeom>
-          <a:ln w="28575">
-            <a:tailEnd type="triangle"/>
-          </a:ln>
-        </p:spPr>
-        <p:style>
-          <a:lnRef idx="1">
-            <a:schemeClr val="accent1"/>
-          </a:lnRef>
-          <a:fillRef idx="0">
-            <a:schemeClr val="accent1"/>
-          </a:fillRef>
-          <a:effectRef idx="0">
-            <a:schemeClr val="accent1"/>
-          </a:effectRef>
-          <a:fontRef idx="minor">
-            <a:schemeClr val="tx1"/>
-          </a:fontRef>
-        </p:style>
-      </p:cxnSp>
-      <p:sp>
-        <p:nvSpPr>
-          <p:cNvPr id="77" name="Rectangle 76"/>
-          <p:cNvSpPr/>
-          <p:nvPr/>
-        </p:nvSpPr>
-        <p:spPr>
-          <a:xfrm>
-            <a:off x="5294041" y="3987376"/>
-            <a:ext cx="1308747" cy="896447"/>
+            <a:off x="2572542" y="4479900"/>
+            <a:ext cx="1734529" cy="1032706"/>
           </a:xfrm>
           <a:prstGeom prst="rect">
             <a:avLst/>
@@ -5745,25 +4141,25 @@
             <a:pPr algn="ctr"/>
             <a:r>
               <a:rPr lang="en-US" dirty="0"/>
-              <a:t>Combine these in some way</a:t>
+              <a:t>Is total acceleration magnitude ~1G?</a:t>
             </a:r>
           </a:p>
         </p:txBody>
       </p:sp>
       <p:cxnSp>
         <p:nvCxnSpPr>
-          <p:cNvPr id="82" name="Straight Arrow Connector 81"/>
+          <p:cNvPr id="26" name="Straight Arrow Connector 25"/>
           <p:cNvCxnSpPr>
             <a:cxnSpLocks/>
-            <a:stCxn id="7" idx="2"/>
-            <a:endCxn id="77" idx="0"/>
+            <a:stCxn id="22" idx="3"/>
+            <a:endCxn id="25" idx="1"/>
           </p:cNvCxnSpPr>
           <p:nvPr/>
         </p:nvCxnSpPr>
         <p:spPr>
           <a:xfrm>
-            <a:off x="5787771" y="2608005"/>
-            <a:ext cx="160644" cy="1379371"/>
+            <a:off x="2227770" y="4996253"/>
+            <a:ext cx="344772" cy="0"/>
           </a:xfrm>
           <a:prstGeom prst="straightConnector1">
             <a:avLst/>
@@ -5789,18 +4185,18 @@
       </p:cxnSp>
       <p:cxnSp>
         <p:nvCxnSpPr>
-          <p:cNvPr id="85" name="Straight Arrow Connector 84"/>
+          <p:cNvPr id="30" name="Straight Arrow Connector 29"/>
           <p:cNvCxnSpPr>
             <a:cxnSpLocks/>
-            <a:stCxn id="77" idx="1"/>
-            <a:endCxn id="8" idx="3"/>
+            <a:stCxn id="25" idx="3"/>
+            <a:endCxn id="32" idx="1"/>
           </p:cNvCxnSpPr>
           <p:nvPr/>
         </p:nvCxnSpPr>
         <p:spPr>
-          <a:xfrm flipH="1">
-            <a:off x="5046339" y="4435600"/>
-            <a:ext cx="247702" cy="22538"/>
+          <a:xfrm>
+            <a:off x="4307071" y="4996253"/>
+            <a:ext cx="607828" cy="0"/>
           </a:xfrm>
           <a:prstGeom prst="straightConnector1">
             <a:avLst/>
@@ -5826,18 +4222,21 @@
       </p:cxnSp>
       <p:sp>
         <p:nvSpPr>
-          <p:cNvPr id="97" name="Rectangle 96"/>
+          <p:cNvPr id="32" name="Rectangle 31"/>
           <p:cNvSpPr/>
           <p:nvPr/>
         </p:nvSpPr>
         <p:spPr>
           <a:xfrm>
-            <a:off x="3538113" y="2449946"/>
-            <a:ext cx="1463061" cy="830927"/>
+            <a:off x="4914899" y="4324183"/>
+            <a:ext cx="2362201" cy="1344140"/>
           </a:xfrm>
           <a:prstGeom prst="rect">
             <a:avLst/>
           </a:prstGeom>
+          <a:solidFill>
+            <a:srgbClr val="FFC000"/>
+          </a:solidFill>
         </p:spPr>
         <p:style>
           <a:lnRef idx="2">
@@ -5856,27 +4255,119 @@
           </a:fontRef>
         </p:style>
         <p:txBody>
-          <a:bodyPr rtlCol="0" anchor="ctr"/>
-          <a:lstStyle/>
-          <a:p>
-            <a:pPr algn="ctr"/>
+          <a:bodyPr rot="0" spcFirstLastPara="0" vertOverflow="overflow" horzOverflow="overflow" vert="horz" wrap="square" lIns="91440" tIns="45720" rIns="91440" bIns="45720" numCol="1" spcCol="0" rtlCol="0" fromWordArt="0" anchor="ctr" anchorCtr="0" forceAA="0" compatLnSpc="1">
+            <a:prstTxWarp prst="textNoShape">
+              <a:avLst/>
+            </a:prstTxWarp>
+            <a:noAutofit/>
+          </a:bodyPr>
+          <a:lstStyle/>
+          <a:p>
             <a:r>
               <a:rPr lang="en-US" dirty="0"/>
-              <a:t>Previous Attitude Est (3x3)</a:t>
-            </a:r>
-          </a:p>
-        </p:txBody>
-      </p:sp>
-      <p:sp>
-        <p:nvSpPr>
-          <p:cNvPr id="108" name="Rectangle 107"/>
+              <a:t>roll (</a:t>
+            </a:r>
+            <a:r>
+              <a:rPr lang="el-GR" dirty="0"/>
+              <a:t>Ψ</a:t>
+            </a:r>
+            <a:r>
+              <a:rPr lang="en-US" dirty="0"/>
+              <a:t>)= atan2(ay, </a:t>
+            </a:r>
+            <a:r>
+              <a:rPr lang="en-US" dirty="0" err="1"/>
+              <a:t>az</a:t>
+            </a:r>
+            <a:r>
+              <a:rPr lang="en-US" dirty="0"/>
+              <a:t>)</a:t>
+            </a:r>
+          </a:p>
+          <a:p>
+            <a:r>
+              <a:rPr lang="en-US" dirty="0"/>
+              <a:t>pitch(</a:t>
+            </a:r>
+            <a:r>
+              <a:rPr lang="el-GR" dirty="0"/>
+              <a:t>Θ</a:t>
+            </a:r>
+            <a:r>
+              <a:rPr lang="en-US" dirty="0"/>
+              <a:t>) = -sin(ax)</a:t>
+            </a:r>
+          </a:p>
+        </p:txBody>
+      </p:sp>
+      <p:sp>
+        <p:nvSpPr>
+          <p:cNvPr id="39" name="TextBox 38"/>
+          <p:cNvSpPr txBox="1"/>
+          <p:nvPr/>
+        </p:nvSpPr>
+        <p:spPr>
+          <a:xfrm>
+            <a:off x="4307071" y="4769730"/>
+            <a:ext cx="477548" cy="276999"/>
+          </a:xfrm>
+          <a:prstGeom prst="rect">
+            <a:avLst/>
+          </a:prstGeom>
+          <a:noFill/>
+        </p:spPr>
+        <p:txBody>
+          <a:bodyPr wrap="square" rtlCol="0">
+            <a:spAutoFit/>
+          </a:bodyPr>
+          <a:lstStyle/>
+          <a:p>
+            <a:r>
+              <a:rPr lang="en-US" sz="1200" dirty="0"/>
+              <a:t>YES</a:t>
+            </a:r>
+          </a:p>
+        </p:txBody>
+      </p:sp>
+      <p:sp>
+        <p:nvSpPr>
+          <p:cNvPr id="41" name="TextBox 40"/>
+          <p:cNvSpPr txBox="1"/>
+          <p:nvPr/>
+        </p:nvSpPr>
+        <p:spPr>
+          <a:xfrm>
+            <a:off x="3590022" y="5553303"/>
+            <a:ext cx="477548" cy="276999"/>
+          </a:xfrm>
+          <a:prstGeom prst="rect">
+            <a:avLst/>
+          </a:prstGeom>
+          <a:noFill/>
+        </p:spPr>
+        <p:txBody>
+          <a:bodyPr wrap="square" rtlCol="0">
+            <a:spAutoFit/>
+          </a:bodyPr>
+          <a:lstStyle/>
+          <a:p>
+            <a:r>
+              <a:rPr lang="en-US" sz="1200" dirty="0"/>
+              <a:t>No</a:t>
+            </a:r>
+          </a:p>
+        </p:txBody>
+      </p:sp>
+      <p:sp>
+        <p:nvSpPr>
+          <p:cNvPr id="42" name="Rectangle 41"/>
           <p:cNvSpPr/>
           <p:nvPr/>
         </p:nvSpPr>
         <p:spPr>
           <a:xfrm>
-            <a:off x="3777099" y="3457577"/>
-            <a:ext cx="961913" cy="398171"/>
+            <a:off x="2644568" y="5861792"/>
+            <a:ext cx="1590475" cy="827787"/>
           </a:xfrm>
           <a:prstGeom prst="rect">
             <a:avLst/>
@@ -5902,31 +4393,35 @@
           </a:fontRef>
         </p:style>
         <p:txBody>
-          <a:bodyPr rtlCol="0" anchor="ctr"/>
-          <a:lstStyle/>
-          <a:p>
-            <a:pPr algn="ctr"/>
+          <a:bodyPr rot="0" spcFirstLastPara="0" vertOverflow="overflow" horzOverflow="overflow" vert="horz" wrap="square" lIns="91440" tIns="45720" rIns="91440" bIns="45720" numCol="1" spcCol="0" rtlCol="0" fromWordArt="0" anchor="ctr" anchorCtr="0" forceAA="0" compatLnSpc="1">
+            <a:prstTxWarp prst="textNoShape">
+              <a:avLst/>
+            </a:prstTxWarp>
+            <a:noAutofit/>
+          </a:bodyPr>
+          <a:lstStyle/>
+          <a:p>
             <a:r>
               <a:rPr lang="en-US" dirty="0"/>
-              <a:t>Delay</a:t>
+              <a:t>No valid measurement</a:t>
             </a:r>
           </a:p>
         </p:txBody>
       </p:sp>
       <p:cxnSp>
         <p:nvCxnSpPr>
-          <p:cNvPr id="111" name="Straight Arrow Connector 110"/>
+          <p:cNvPr id="43" name="Straight Arrow Connector 42"/>
           <p:cNvCxnSpPr>
             <a:cxnSpLocks/>
-            <a:stCxn id="108" idx="0"/>
-            <a:endCxn id="97" idx="2"/>
+            <a:stCxn id="25" idx="2"/>
+            <a:endCxn id="42" idx="0"/>
           </p:cNvCxnSpPr>
           <p:nvPr/>
         </p:nvCxnSpPr>
         <p:spPr>
-          <a:xfrm flipV="1">
-            <a:off x="4258056" y="3280873"/>
-            <a:ext cx="11588" cy="176704"/>
+          <a:xfrm flipH="1">
+            <a:off x="3439806" y="5512606"/>
+            <a:ext cx="1" cy="349186"/>
           </a:xfrm>
           <a:prstGeom prst="straightConnector1">
             <a:avLst/>
@@ -5950,20 +4445,165 @@
           </a:fontRef>
         </p:style>
       </p:cxnSp>
+      <p:sp>
+        <p:nvSpPr>
+          <p:cNvPr id="47" name="TextBox 46"/>
+          <p:cNvSpPr txBox="1"/>
+          <p:nvPr/>
+        </p:nvSpPr>
+        <p:spPr>
+          <a:xfrm>
+            <a:off x="7960554" y="1966460"/>
+            <a:ext cx="2324100" cy="923330"/>
+          </a:xfrm>
+          <a:prstGeom prst="rect">
+            <a:avLst/>
+          </a:prstGeom>
+          <a:noFill/>
+        </p:spPr>
+        <p:txBody>
+          <a:bodyPr wrap="square" rtlCol="0">
+            <a:spAutoFit/>
+          </a:bodyPr>
+          <a:lstStyle/>
+          <a:p>
+            <a:r>
+              <a:rPr lang="en-US" dirty="0"/>
+              <a:t>Tends to drift, integrates bias in gyroscope</a:t>
+            </a:r>
+          </a:p>
+        </p:txBody>
+      </p:sp>
+      <p:sp>
+        <p:nvSpPr>
+          <p:cNvPr id="48" name="TextBox 47"/>
+          <p:cNvSpPr txBox="1"/>
+          <p:nvPr/>
+        </p:nvSpPr>
+        <p:spPr>
+          <a:xfrm>
+            <a:off x="7471748" y="4257589"/>
+            <a:ext cx="2324100" cy="1477328"/>
+          </a:xfrm>
+          <a:prstGeom prst="rect">
+            <a:avLst/>
+          </a:prstGeom>
+          <a:noFill/>
+        </p:spPr>
+        <p:txBody>
+          <a:bodyPr wrap="square" rtlCol="0">
+            <a:spAutoFit/>
+          </a:bodyPr>
+          <a:lstStyle/>
+          <a:p>
+            <a:r>
+              <a:rPr lang="en-US" dirty="0"/>
+              <a:t>Tends to be noisy and not always valid due to actual acceleration.  Only measures two orientation axes.  </a:t>
+            </a:r>
+          </a:p>
+        </p:txBody>
+      </p:sp>
       <p:cxnSp>
         <p:nvCxnSpPr>
-          <p:cNvPr id="115" name="Straight Arrow Connector 114"/>
+          <p:cNvPr id="50" name="Straight Arrow Connector 49"/>
           <p:cNvCxnSpPr>
             <a:cxnSpLocks/>
-            <a:stCxn id="97" idx="0"/>
-            <a:endCxn id="5" idx="2"/>
+            <a:stCxn id="6" idx="2"/>
           </p:cNvCxnSpPr>
           <p:nvPr/>
         </p:nvCxnSpPr>
         <p:spPr>
-          <a:xfrm flipH="1" flipV="1">
-            <a:off x="4249963" y="2282779"/>
-            <a:ext cx="19681" cy="167167"/>
+          <a:xfrm>
+            <a:off x="5152191" y="2778608"/>
+            <a:ext cx="316509" cy="373953"/>
+          </a:xfrm>
+          <a:prstGeom prst="straightConnector1">
+            <a:avLst/>
+          </a:prstGeom>
+          <a:ln w="28575">
+            <a:tailEnd type="triangle"/>
+          </a:ln>
+        </p:spPr>
+        <p:style>
+          <a:lnRef idx="1">
+            <a:schemeClr val="accent1"/>
+          </a:lnRef>
+          <a:fillRef idx="0">
+            <a:schemeClr val="accent1"/>
+          </a:fillRef>
+          <a:effectRef idx="0">
+            <a:schemeClr val="accent1"/>
+          </a:effectRef>
+          <a:fontRef idx="minor">
+            <a:schemeClr val="tx1"/>
+          </a:fontRef>
+        </p:style>
+      </p:cxnSp>
+      <p:sp>
+        <p:nvSpPr>
+          <p:cNvPr id="53" name="Rectangle 52"/>
+          <p:cNvSpPr/>
+          <p:nvPr/>
+        </p:nvSpPr>
+        <p:spPr>
+          <a:xfrm>
+            <a:off x="5152191" y="3152561"/>
+            <a:ext cx="867609" cy="464829"/>
+          </a:xfrm>
+          <a:prstGeom prst="rect">
+            <a:avLst/>
+          </a:prstGeom>
+          <a:solidFill>
+            <a:srgbClr val="FFC000"/>
+          </a:solidFill>
+        </p:spPr>
+        <p:style>
+          <a:lnRef idx="2">
+            <a:schemeClr val="accent1">
+              <a:shade val="50000"/>
+            </a:schemeClr>
+          </a:lnRef>
+          <a:fillRef idx="1">
+            <a:schemeClr val="accent1"/>
+          </a:fillRef>
+          <a:effectRef idx="0">
+            <a:schemeClr val="accent1"/>
+          </a:effectRef>
+          <a:fontRef idx="minor">
+            <a:schemeClr val="lt1"/>
+          </a:fontRef>
+        </p:style>
+        <p:txBody>
+          <a:bodyPr rot="0" spcFirstLastPara="0" vertOverflow="overflow" horzOverflow="overflow" vert="horz" wrap="square" lIns="91440" tIns="45720" rIns="91440" bIns="45720" numCol="1" spcCol="0" rtlCol="0" fromWordArt="0" anchor="ctr" anchorCtr="0" forceAA="0" compatLnSpc="1">
+            <a:prstTxWarp prst="textNoShape">
+              <a:avLst/>
+            </a:prstTxWarp>
+            <a:noAutofit/>
+          </a:bodyPr>
+          <a:lstStyle/>
+          <a:p>
+            <a:pPr algn="ctr"/>
+            <a:r>
+              <a:rPr lang="en-US" dirty="0"/>
+              <a:t>Delay</a:t>
+            </a:r>
+          </a:p>
+        </p:txBody>
+      </p:sp>
+      <p:cxnSp>
+        <p:nvCxnSpPr>
+          <p:cNvPr id="54" name="Straight Arrow Connector 53"/>
+          <p:cNvCxnSpPr>
+            <a:cxnSpLocks/>
+            <a:stCxn id="53" idx="1"/>
+            <a:endCxn id="7" idx="3"/>
+          </p:cNvCxnSpPr>
+          <p:nvPr/>
+        </p:nvCxnSpPr>
+        <p:spPr>
+          <a:xfrm flipH="1">
+            <a:off x="4677863" y="3384976"/>
+            <a:ext cx="474328" cy="128727"/>
           </a:xfrm>
           <a:prstGeom prst="straightConnector1">
             <a:avLst/>
@@ -5990,7 +4630,7 @@
     </p:spTree>
     <p:extLst>
       <p:ext uri="{BB962C8B-B14F-4D97-AF65-F5344CB8AC3E}">
-        <p14:creationId xmlns:p14="http://schemas.microsoft.com/office/powerpoint/2010/main" val="3464578239"/>
+        <p14:creationId xmlns:p14="http://schemas.microsoft.com/office/powerpoint/2010/main" val="3123516063"/>
       </p:ext>
     </p:extLst>
   </p:cSld>
@@ -6019,7 +4659,7 @@
       </p:grpSpPr>
       <p:cxnSp>
         <p:nvCxnSpPr>
-          <p:cNvPr id="108" name="Straight Arrow Connector 107"/>
+          <p:cNvPr id="58" name="Straight Arrow Connector 57"/>
           <p:cNvCxnSpPr>
             <a:cxnSpLocks/>
           </p:cNvCxnSpPr>
@@ -6027,41 +4667,8 @@
         </p:nvCxnSpPr>
         <p:spPr>
           <a:xfrm flipV="1">
-            <a:off x="2838933" y="881618"/>
-            <a:ext cx="559109" cy="1311950"/>
-          </a:xfrm>
-          <a:prstGeom prst="straightConnector1">
-            <a:avLst/>
-          </a:prstGeom>
-          <a:ln w="28575">
-            <a:tailEnd type="triangle"/>
-          </a:ln>
-        </p:spPr>
-        <p:style>
-          <a:lnRef idx="1">
-            <a:schemeClr val="accent1"/>
-          </a:lnRef>
-          <a:fillRef idx="0">
-            <a:schemeClr val="accent1"/>
-          </a:fillRef>
-          <a:effectRef idx="0">
-            <a:schemeClr val="accent1"/>
-          </a:effectRef>
-          <a:fontRef idx="minor">
-            <a:schemeClr val="tx1"/>
-          </a:fontRef>
-        </p:style>
-      </p:cxnSp>
-      <p:cxnSp>
-        <p:nvCxnSpPr>
-          <p:cNvPr id="109" name="Straight Arrow Connector 108"/>
-          <p:cNvCxnSpPr/>
-          <p:nvPr/>
-        </p:nvCxnSpPr>
-        <p:spPr>
-          <a:xfrm flipV="1">
-            <a:off x="2242461" y="815701"/>
-            <a:ext cx="619169" cy="1363143"/>
+            <a:off x="7366421" y="3415005"/>
+            <a:ext cx="1021992" cy="1537995"/>
           </a:xfrm>
           <a:prstGeom prst="straightConnector1">
             <a:avLst/>
@@ -6097,8 +4704,8 @@
         </p:nvSpPr>
         <p:spPr>
           <a:xfrm>
-            <a:off x="110413" y="-261310"/>
-            <a:ext cx="10515600" cy="1325563"/>
+            <a:off x="0" y="58927"/>
+            <a:ext cx="6531429" cy="1325563"/>
           </a:xfrm>
         </p:spPr>
         <p:txBody>
@@ -6107,20 +4714,20 @@
           <a:p>
             <a:r>
               <a:rPr lang="en-US" dirty="0"/>
-              <a:t>Another Possible Approach</a:t>
-            </a:r>
-          </a:p>
-        </p:txBody>
-      </p:sp>
-      <p:sp>
-        <p:nvSpPr>
-          <p:cNvPr id="37" name="Rectangle 36"/>
+              <a:t>Adaptive Data flow block Diagram</a:t>
+            </a:r>
+          </a:p>
+        </p:txBody>
+      </p:sp>
+      <p:sp>
+        <p:nvSpPr>
+          <p:cNvPr id="4" name="Rectangle 3"/>
           <p:cNvSpPr/>
           <p:nvPr/>
         </p:nvSpPr>
         <p:spPr>
           <a:xfrm>
-            <a:off x="449174" y="929432"/>
+            <a:off x="320266" y="1583575"/>
             <a:ext cx="1451994" cy="1048624"/>
           </a:xfrm>
           <a:prstGeom prst="rect">
@@ -6167,13 +4774,13 @@
       </p:sp>
       <p:sp>
         <p:nvSpPr>
-          <p:cNvPr id="38" name="Rectangle 37"/>
+          <p:cNvPr id="5" name="Rectangle 4"/>
           <p:cNvSpPr/>
           <p:nvPr/>
         </p:nvSpPr>
         <p:spPr>
           <a:xfrm>
-            <a:off x="5315644" y="1338728"/>
+            <a:off x="3998293" y="1884608"/>
             <a:ext cx="503339" cy="398171"/>
           </a:xfrm>
           <a:prstGeom prst="rect">
@@ -6213,107 +4820,18 @@
       </p:sp>
       <p:sp>
         <p:nvSpPr>
-          <p:cNvPr id="39" name="Rectangle 38"/>
+          <p:cNvPr id="6" name="Rectangle 5"/>
           <p:cNvSpPr/>
           <p:nvPr/>
         </p:nvSpPr>
         <p:spPr>
           <a:xfrm>
-            <a:off x="6106481" y="1013501"/>
-            <a:ext cx="1451994" cy="1048624"/>
+            <a:off x="6994658" y="433880"/>
+            <a:ext cx="697159" cy="1125095"/>
           </a:xfrm>
           <a:prstGeom prst="rect">
             <a:avLst/>
           </a:prstGeom>
-        </p:spPr>
-        <p:style>
-          <a:lnRef idx="2">
-            <a:schemeClr val="accent1">
-              <a:shade val="50000"/>
-            </a:schemeClr>
-          </a:lnRef>
-          <a:fillRef idx="1">
-            <a:schemeClr val="accent1"/>
-          </a:fillRef>
-          <a:effectRef idx="0">
-            <a:schemeClr val="accent1"/>
-          </a:effectRef>
-          <a:fontRef idx="minor">
-            <a:schemeClr val="lt1"/>
-          </a:fontRef>
-        </p:style>
-        <p:txBody>
-          <a:bodyPr rtlCol="0" anchor="ctr"/>
-          <a:lstStyle/>
-          <a:p>
-            <a:pPr algn="ctr"/>
-            <a:r>
-              <a:rPr lang="en-US" dirty="0"/>
-              <a:t>New Attitude Est (3x3)</a:t>
-            </a:r>
-          </a:p>
-        </p:txBody>
-      </p:sp>
-      <p:sp>
-        <p:nvSpPr>
-          <p:cNvPr id="40" name="Rectangle 39"/>
-          <p:cNvSpPr/>
-          <p:nvPr/>
-        </p:nvSpPr>
-        <p:spPr>
-          <a:xfrm>
-            <a:off x="4776476" y="2130515"/>
-            <a:ext cx="1581674" cy="1302785"/>
-          </a:xfrm>
-          <a:prstGeom prst="rect">
-            <a:avLst/>
-          </a:prstGeom>
-        </p:spPr>
-        <p:style>
-          <a:lnRef idx="2">
-            <a:schemeClr val="accent1">
-              <a:shade val="50000"/>
-            </a:schemeClr>
-          </a:lnRef>
-          <a:fillRef idx="1">
-            <a:schemeClr val="accent1"/>
-          </a:fillRef>
-          <a:effectRef idx="0">
-            <a:schemeClr val="accent1"/>
-          </a:effectRef>
-          <a:fontRef idx="minor">
-            <a:schemeClr val="lt1"/>
-          </a:fontRef>
-        </p:style>
-        <p:txBody>
-          <a:bodyPr rtlCol="0" anchor="ctr"/>
-          <a:lstStyle/>
-          <a:p>
-            <a:pPr algn="ctr"/>
-            <a:r>
-              <a:rPr lang="en-US" dirty="0"/>
-              <a:t>Current Attitude Est (3x3)</a:t>
-            </a:r>
-          </a:p>
-        </p:txBody>
-      </p:sp>
-      <p:sp>
-        <p:nvSpPr>
-          <p:cNvPr id="41" name="Rectangle 40"/>
-          <p:cNvSpPr/>
-          <p:nvPr/>
-        </p:nvSpPr>
-        <p:spPr>
-          <a:xfrm>
-            <a:off x="3830853" y="1087173"/>
-            <a:ext cx="1238338" cy="899566"/>
-          </a:xfrm>
-          <a:prstGeom prst="rect">
-            <a:avLst/>
-          </a:prstGeom>
-          <a:solidFill>
-            <a:srgbClr val="FFC000"/>
-          </a:solidFill>
         </p:spPr>
         <p:style>
           <a:lnRef idx="2">
@@ -6343,145 +4861,39 @@
             <a:pPr algn="ctr"/>
             <a:r>
               <a:rPr lang="en-US" dirty="0"/>
-              <a:t>Convert to DCM</a:t>
+              <a:t>[0</a:t>
             </a:r>
           </a:p>
           <a:p>
             <a:pPr algn="ctr"/>
             <a:r>
               <a:rPr lang="en-US" dirty="0"/>
-              <a:t>(3x3)</a:t>
-            </a:r>
-          </a:p>
-        </p:txBody>
-      </p:sp>
-      <p:cxnSp>
-        <p:nvCxnSpPr>
-          <p:cNvPr id="43" name="Straight Arrow Connector 42"/>
-          <p:cNvCxnSpPr>
-            <a:cxnSpLocks/>
-            <a:stCxn id="41" idx="3"/>
-            <a:endCxn id="38" idx="1"/>
-          </p:cNvCxnSpPr>
-          <p:nvPr/>
-        </p:nvCxnSpPr>
-        <p:spPr>
-          <a:xfrm>
-            <a:off x="5069191" y="1536956"/>
-            <a:ext cx="246453" cy="858"/>
-          </a:xfrm>
-          <a:prstGeom prst="straightConnector1">
-            <a:avLst/>
-          </a:prstGeom>
-          <a:ln w="28575">
-            <a:tailEnd type="triangle"/>
-          </a:ln>
-        </p:spPr>
-        <p:style>
-          <a:lnRef idx="1">
-            <a:schemeClr val="accent1"/>
-          </a:lnRef>
-          <a:fillRef idx="0">
-            <a:schemeClr val="accent1"/>
-          </a:fillRef>
-          <a:effectRef idx="0">
-            <a:schemeClr val="accent1"/>
-          </a:effectRef>
-          <a:fontRef idx="minor">
-            <a:schemeClr val="tx1"/>
-          </a:fontRef>
-        </p:style>
-      </p:cxnSp>
-      <p:cxnSp>
-        <p:nvCxnSpPr>
-          <p:cNvPr id="44" name="Straight Arrow Connector 43"/>
-          <p:cNvCxnSpPr>
-            <a:cxnSpLocks/>
-            <a:stCxn id="38" idx="3"/>
-            <a:endCxn id="39" idx="1"/>
-          </p:cNvCxnSpPr>
-          <p:nvPr/>
-        </p:nvCxnSpPr>
-        <p:spPr>
-          <a:xfrm flipV="1">
-            <a:off x="5818983" y="1537813"/>
-            <a:ext cx="287498" cy="1"/>
-          </a:xfrm>
-          <a:prstGeom prst="straightConnector1">
-            <a:avLst/>
-          </a:prstGeom>
-          <a:ln w="28575">
-            <a:tailEnd type="triangle"/>
-          </a:ln>
-        </p:spPr>
-        <p:style>
-          <a:lnRef idx="1">
-            <a:schemeClr val="accent1"/>
-          </a:lnRef>
-          <a:fillRef idx="0">
-            <a:schemeClr val="accent1"/>
-          </a:fillRef>
-          <a:effectRef idx="0">
-            <a:schemeClr val="accent1"/>
-          </a:effectRef>
-          <a:fontRef idx="minor">
-            <a:schemeClr val="tx1"/>
-          </a:fontRef>
-        </p:style>
-      </p:cxnSp>
-      <p:cxnSp>
-        <p:nvCxnSpPr>
-          <p:cNvPr id="45" name="Straight Arrow Connector 44"/>
-          <p:cNvCxnSpPr>
-            <a:cxnSpLocks/>
-            <a:endCxn id="38" idx="2"/>
-          </p:cNvCxnSpPr>
-          <p:nvPr/>
-        </p:nvCxnSpPr>
-        <p:spPr>
-          <a:xfrm flipV="1">
-            <a:off x="5567313" y="1736899"/>
-            <a:ext cx="1" cy="408928"/>
-          </a:xfrm>
-          <a:prstGeom prst="straightConnector1">
-            <a:avLst/>
-          </a:prstGeom>
-          <a:ln w="28575">
-            <a:tailEnd type="triangle"/>
-          </a:ln>
-        </p:spPr>
-        <p:style>
-          <a:lnRef idx="1">
-            <a:schemeClr val="accent1"/>
-          </a:lnRef>
-          <a:fillRef idx="0">
-            <a:schemeClr val="accent1"/>
-          </a:fillRef>
-          <a:effectRef idx="0">
-            <a:schemeClr val="accent1"/>
-          </a:effectRef>
-          <a:fontRef idx="minor">
-            <a:schemeClr val="tx1"/>
-          </a:fontRef>
-        </p:style>
-      </p:cxnSp>
-      <p:sp>
-        <p:nvSpPr>
-          <p:cNvPr id="46" name="Rectangle 45"/>
+              <a:t>0</a:t>
+            </a:r>
+          </a:p>
+          <a:p>
+            <a:pPr algn="ctr"/>
+            <a:r>
+              <a:rPr lang="en-US" dirty="0"/>
+              <a:t>9.81]</a:t>
+            </a:r>
+          </a:p>
+        </p:txBody>
+      </p:sp>
+      <p:sp>
+        <p:nvSpPr>
+          <p:cNvPr id="7" name="Rectangle 6"/>
           <p:cNvSpPr/>
           <p:nvPr/>
         </p:nvSpPr>
         <p:spPr>
           <a:xfrm>
-            <a:off x="590929" y="4448305"/>
-            <a:ext cx="1628835" cy="1165846"/>
+            <a:off x="5061774" y="1559381"/>
+            <a:ext cx="1451994" cy="1048624"/>
           </a:xfrm>
           <a:prstGeom prst="rect">
             <a:avLst/>
           </a:prstGeom>
-          <a:solidFill>
-            <a:schemeClr val="accent2"/>
-          </a:solidFill>
         </p:spPr>
         <p:style>
           <a:lnRef idx="2">
@@ -6506,21 +4918,64 @@
             <a:pPr algn="ctr"/>
             <a:r>
               <a:rPr lang="en-US" dirty="0"/>
-              <a:t>Accelerometer Data</a:t>
-            </a:r>
-          </a:p>
-        </p:txBody>
-      </p:sp>
-      <p:sp>
-        <p:nvSpPr>
-          <p:cNvPr id="47" name="Rectangle 46"/>
+              <a:t>New Attitude Est (3x3)</a:t>
+            </a:r>
+          </a:p>
+        </p:txBody>
+      </p:sp>
+      <p:sp>
+        <p:nvSpPr>
+          <p:cNvPr id="8" name="Rectangle 7"/>
           <p:cNvSpPr/>
           <p:nvPr/>
         </p:nvSpPr>
         <p:spPr>
           <a:xfrm>
-            <a:off x="7776287" y="976891"/>
-            <a:ext cx="1638956" cy="1168936"/>
+            <a:off x="3464665" y="4032452"/>
+            <a:ext cx="1581674" cy="851371"/>
+          </a:xfrm>
+          <a:prstGeom prst="rect">
+            <a:avLst/>
+          </a:prstGeom>
+        </p:spPr>
+        <p:style>
+          <a:lnRef idx="2">
+            <a:schemeClr val="accent1">
+              <a:shade val="50000"/>
+            </a:schemeClr>
+          </a:lnRef>
+          <a:fillRef idx="1">
+            <a:schemeClr val="accent1"/>
+          </a:fillRef>
+          <a:effectRef idx="0">
+            <a:schemeClr val="accent1"/>
+          </a:effectRef>
+          <a:fontRef idx="minor">
+            <a:schemeClr val="lt1"/>
+          </a:fontRef>
+        </p:style>
+        <p:txBody>
+          <a:bodyPr rtlCol="0" anchor="ctr"/>
+          <a:lstStyle/>
+          <a:p>
+            <a:pPr algn="ctr"/>
+            <a:r>
+              <a:rPr lang="en-US" dirty="0"/>
+              <a:t>Current Attitude Est (3x3)</a:t>
+            </a:r>
+          </a:p>
+        </p:txBody>
+      </p:sp>
+      <p:sp>
+        <p:nvSpPr>
+          <p:cNvPr id="9" name="Rectangle 8"/>
+          <p:cNvSpPr/>
+          <p:nvPr/>
+        </p:nvSpPr>
+        <p:spPr>
+          <a:xfrm>
+            <a:off x="2290194" y="1658103"/>
+            <a:ext cx="1238338" cy="899566"/>
           </a:xfrm>
           <a:prstGeom prst="rect">
             <a:avLst/>
@@ -6556,48 +5011,567 @@
           <a:p>
             <a:pPr algn="ctr"/>
             <a:r>
-              <a:rPr lang="en-US" sz="1400" dirty="0"/>
-              <a:t>Convert to Euler Angles (</a:t>
-            </a:r>
-            <a:r>
-              <a:rPr lang="el-GR" sz="1400" dirty="0"/>
-              <a:t>Ψ</a:t>
-            </a:r>
-            <a:r>
-              <a:rPr lang="en-US" sz="1400" dirty="0"/>
-              <a:t>,</a:t>
-            </a:r>
-            <a:r>
-              <a:rPr lang="el-GR" sz="1400" dirty="0"/>
-              <a:t>Θ</a:t>
-            </a:r>
-            <a:r>
-              <a:rPr lang="en-US" sz="1400" dirty="0"/>
-              <a:t>,</a:t>
-            </a:r>
-            <a:r>
-              <a:rPr lang="el-GR" sz="1400" dirty="0"/>
-              <a:t> Φ</a:t>
-            </a:r>
-            <a:r>
-              <a:rPr lang="en-US" sz="1400" dirty="0"/>
-              <a:t>)</a:t>
-            </a:r>
-          </a:p>
-        </p:txBody>
-      </p:sp>
+              <a:rPr lang="en-US" dirty="0"/>
+              <a:t>Convert to DCM</a:t>
+            </a:r>
+          </a:p>
+          <a:p>
+            <a:pPr algn="ctr"/>
+            <a:r>
+              <a:rPr lang="en-US" dirty="0"/>
+              <a:t>(3x3)</a:t>
+            </a:r>
+          </a:p>
+        </p:txBody>
+      </p:sp>
+      <p:cxnSp>
+        <p:nvCxnSpPr>
+          <p:cNvPr id="11" name="Straight Arrow Connector 10"/>
+          <p:cNvCxnSpPr>
+            <a:stCxn id="4" idx="3"/>
+            <a:endCxn id="9" idx="1"/>
+          </p:cNvCxnSpPr>
+          <p:nvPr/>
+        </p:nvCxnSpPr>
+        <p:spPr>
+          <a:xfrm flipV="1">
+            <a:off x="1772260" y="2107886"/>
+            <a:ext cx="517934" cy="1"/>
+          </a:xfrm>
+          <a:prstGeom prst="straightConnector1">
+            <a:avLst/>
+          </a:prstGeom>
+          <a:ln w="28575">
+            <a:tailEnd type="triangle"/>
+          </a:ln>
+        </p:spPr>
+        <p:style>
+          <a:lnRef idx="1">
+            <a:schemeClr val="accent1"/>
+          </a:lnRef>
+          <a:fillRef idx="0">
+            <a:schemeClr val="accent1"/>
+          </a:fillRef>
+          <a:effectRef idx="0">
+            <a:schemeClr val="accent1"/>
+          </a:effectRef>
+          <a:fontRef idx="minor">
+            <a:schemeClr val="tx1"/>
+          </a:fontRef>
+        </p:style>
+      </p:cxnSp>
+      <p:cxnSp>
+        <p:nvCxnSpPr>
+          <p:cNvPr id="13" name="Straight Arrow Connector 12"/>
+          <p:cNvCxnSpPr/>
+          <p:nvPr/>
+        </p:nvCxnSpPr>
+        <p:spPr>
+          <a:xfrm flipV="1">
+            <a:off x="3518132" y="2113415"/>
+            <a:ext cx="517934" cy="1"/>
+          </a:xfrm>
+          <a:prstGeom prst="straightConnector1">
+            <a:avLst/>
+          </a:prstGeom>
+          <a:ln w="28575">
+            <a:tailEnd type="triangle"/>
+          </a:ln>
+        </p:spPr>
+        <p:style>
+          <a:lnRef idx="1">
+            <a:schemeClr val="accent1"/>
+          </a:lnRef>
+          <a:fillRef idx="0">
+            <a:schemeClr val="accent1"/>
+          </a:fillRef>
+          <a:effectRef idx="0">
+            <a:schemeClr val="accent1"/>
+          </a:effectRef>
+          <a:fontRef idx="minor">
+            <a:schemeClr val="tx1"/>
+          </a:fontRef>
+        </p:style>
+      </p:cxnSp>
+      <p:cxnSp>
+        <p:nvCxnSpPr>
+          <p:cNvPr id="14" name="Straight Arrow Connector 13"/>
+          <p:cNvCxnSpPr>
+            <a:cxnSpLocks/>
+            <a:stCxn id="8" idx="0"/>
+            <a:endCxn id="108" idx="2"/>
+          </p:cNvCxnSpPr>
+          <p:nvPr/>
+        </p:nvCxnSpPr>
+        <p:spPr>
+          <a:xfrm flipV="1">
+            <a:off x="4255502" y="3855748"/>
+            <a:ext cx="2554" cy="176704"/>
+          </a:xfrm>
+          <a:prstGeom prst="straightConnector1">
+            <a:avLst/>
+          </a:prstGeom>
+          <a:ln w="28575">
+            <a:tailEnd type="triangle"/>
+          </a:ln>
+        </p:spPr>
+        <p:style>
+          <a:lnRef idx="1">
+            <a:schemeClr val="accent1"/>
+          </a:lnRef>
+          <a:fillRef idx="0">
+            <a:schemeClr val="accent1"/>
+          </a:fillRef>
+          <a:effectRef idx="0">
+            <a:schemeClr val="accent1"/>
+          </a:effectRef>
+          <a:fontRef idx="minor">
+            <a:schemeClr val="tx1"/>
+          </a:fontRef>
+        </p:style>
+      </p:cxnSp>
+      <p:cxnSp>
+        <p:nvCxnSpPr>
+          <p:cNvPr id="17" name="Straight Arrow Connector 16"/>
+          <p:cNvCxnSpPr>
+            <a:cxnSpLocks/>
+            <a:stCxn id="5" idx="3"/>
+            <a:endCxn id="7" idx="1"/>
+          </p:cNvCxnSpPr>
+          <p:nvPr/>
+        </p:nvCxnSpPr>
+        <p:spPr>
+          <a:xfrm flipV="1">
+            <a:off x="4501632" y="2083693"/>
+            <a:ext cx="560142" cy="1"/>
+          </a:xfrm>
+          <a:prstGeom prst="straightConnector1">
+            <a:avLst/>
+          </a:prstGeom>
+          <a:ln w="28575">
+            <a:tailEnd type="triangle"/>
+          </a:ln>
+        </p:spPr>
+        <p:style>
+          <a:lnRef idx="1">
+            <a:schemeClr val="accent1"/>
+          </a:lnRef>
+          <a:fillRef idx="0">
+            <a:schemeClr val="accent1"/>
+          </a:fillRef>
+          <a:effectRef idx="0">
+            <a:schemeClr val="accent1"/>
+          </a:effectRef>
+          <a:fontRef idx="minor">
+            <a:schemeClr val="tx1"/>
+          </a:fontRef>
+        </p:style>
+      </p:cxnSp>
+      <p:sp>
+        <p:nvSpPr>
+          <p:cNvPr id="20" name="Rectangle 19"/>
+          <p:cNvSpPr/>
+          <p:nvPr/>
+        </p:nvSpPr>
+        <p:spPr>
+          <a:xfrm>
+            <a:off x="7091569" y="1884404"/>
+            <a:ext cx="503339" cy="398171"/>
+          </a:xfrm>
+          <a:prstGeom prst="rect">
+            <a:avLst/>
+          </a:prstGeom>
+          <a:solidFill>
+            <a:srgbClr val="FFC000"/>
+          </a:solidFill>
+        </p:spPr>
+        <p:style>
+          <a:lnRef idx="2">
+            <a:schemeClr val="accent1">
+              <a:shade val="50000"/>
+            </a:schemeClr>
+          </a:lnRef>
+          <a:fillRef idx="1">
+            <a:schemeClr val="accent1"/>
+          </a:fillRef>
+          <a:effectRef idx="0">
+            <a:schemeClr val="accent1"/>
+          </a:effectRef>
+          <a:fontRef idx="minor">
+            <a:schemeClr val="lt1"/>
+          </a:fontRef>
+        </p:style>
+        <p:txBody>
+          <a:bodyPr rtlCol="0" anchor="ctr"/>
+          <a:lstStyle/>
+          <a:p>
+            <a:pPr algn="ctr"/>
+            <a:r>
+              <a:rPr lang="en-US" dirty="0"/>
+              <a:t>x</a:t>
+            </a:r>
+          </a:p>
+        </p:txBody>
+      </p:sp>
+      <p:cxnSp>
+        <p:nvCxnSpPr>
+          <p:cNvPr id="21" name="Straight Arrow Connector 20"/>
+          <p:cNvCxnSpPr>
+            <a:cxnSpLocks/>
+            <a:endCxn id="20" idx="1"/>
+          </p:cNvCxnSpPr>
+          <p:nvPr/>
+        </p:nvCxnSpPr>
+        <p:spPr>
+          <a:xfrm>
+            <a:off x="6216111" y="2083490"/>
+            <a:ext cx="875458" cy="0"/>
+          </a:xfrm>
+          <a:prstGeom prst="straightConnector1">
+            <a:avLst/>
+          </a:prstGeom>
+          <a:ln w="28575">
+            <a:tailEnd type="triangle"/>
+          </a:ln>
+        </p:spPr>
+        <p:style>
+          <a:lnRef idx="1">
+            <a:schemeClr val="accent1"/>
+          </a:lnRef>
+          <a:fillRef idx="0">
+            <a:schemeClr val="accent1"/>
+          </a:fillRef>
+          <a:effectRef idx="0">
+            <a:schemeClr val="accent1"/>
+          </a:effectRef>
+          <a:fontRef idx="minor">
+            <a:schemeClr val="tx1"/>
+          </a:fontRef>
+        </p:style>
+      </p:cxnSp>
+      <p:cxnSp>
+        <p:nvCxnSpPr>
+          <p:cNvPr id="23" name="Straight Arrow Connector 22"/>
+          <p:cNvCxnSpPr>
+            <a:cxnSpLocks/>
+            <a:stCxn id="6" idx="2"/>
+            <a:endCxn id="20" idx="0"/>
+          </p:cNvCxnSpPr>
+          <p:nvPr/>
+        </p:nvCxnSpPr>
+        <p:spPr>
+          <a:xfrm>
+            <a:off x="7343238" y="1558975"/>
+            <a:ext cx="1" cy="325429"/>
+          </a:xfrm>
+          <a:prstGeom prst="straightConnector1">
+            <a:avLst/>
+          </a:prstGeom>
+          <a:ln w="28575">
+            <a:tailEnd type="triangle"/>
+          </a:ln>
+        </p:spPr>
+        <p:style>
+          <a:lnRef idx="1">
+            <a:schemeClr val="accent1"/>
+          </a:lnRef>
+          <a:fillRef idx="0">
+            <a:schemeClr val="accent1"/>
+          </a:fillRef>
+          <a:effectRef idx="0">
+            <a:schemeClr val="accent1"/>
+          </a:effectRef>
+          <a:fontRef idx="minor">
+            <a:schemeClr val="tx1"/>
+          </a:fontRef>
+        </p:style>
+      </p:cxnSp>
+      <p:sp>
+        <p:nvSpPr>
+          <p:cNvPr id="29" name="TextBox 28"/>
+          <p:cNvSpPr txBox="1"/>
+          <p:nvPr/>
+        </p:nvSpPr>
+        <p:spPr>
+          <a:xfrm>
+            <a:off x="7857311" y="515852"/>
+            <a:ext cx="1710044" cy="646331"/>
+          </a:xfrm>
+          <a:prstGeom prst="rect">
+            <a:avLst/>
+          </a:prstGeom>
+          <a:noFill/>
+        </p:spPr>
+        <p:txBody>
+          <a:bodyPr wrap="square" rtlCol="0">
+            <a:spAutoFit/>
+          </a:bodyPr>
+          <a:lstStyle/>
+          <a:p>
+            <a:r>
+              <a:rPr lang="en-US" dirty="0"/>
+              <a:t>Gravity @Local level</a:t>
+            </a:r>
+          </a:p>
+        </p:txBody>
+      </p:sp>
+      <p:sp>
+        <p:nvSpPr>
+          <p:cNvPr id="31" name="Rectangle 30"/>
+          <p:cNvSpPr/>
+          <p:nvPr/>
+        </p:nvSpPr>
+        <p:spPr>
+          <a:xfrm>
+            <a:off x="8119714" y="1361268"/>
+            <a:ext cx="1854624" cy="1444442"/>
+          </a:xfrm>
+          <a:prstGeom prst="rect">
+            <a:avLst/>
+          </a:prstGeom>
+        </p:spPr>
+        <p:style>
+          <a:lnRef idx="2">
+            <a:schemeClr val="accent1">
+              <a:shade val="50000"/>
+            </a:schemeClr>
+          </a:lnRef>
+          <a:fillRef idx="1">
+            <a:schemeClr val="accent1"/>
+          </a:fillRef>
+          <a:effectRef idx="0">
+            <a:schemeClr val="accent1"/>
+          </a:effectRef>
+          <a:fontRef idx="minor">
+            <a:schemeClr val="lt1"/>
+          </a:fontRef>
+        </p:style>
+        <p:txBody>
+          <a:bodyPr rtlCol="0" anchor="ctr"/>
+          <a:lstStyle/>
+          <a:p>
+            <a:pPr algn="ctr"/>
+            <a:r>
+              <a:rPr lang="en-US" dirty="0"/>
+              <a:t>Accelerometer Output Estimate (assuming stationary) (3x1)</a:t>
+            </a:r>
+          </a:p>
+        </p:txBody>
+      </p:sp>
+      <p:cxnSp>
+        <p:nvCxnSpPr>
+          <p:cNvPr id="32" name="Straight Arrow Connector 31"/>
+          <p:cNvCxnSpPr>
+            <a:cxnSpLocks/>
+            <a:stCxn id="20" idx="3"/>
+            <a:endCxn id="31" idx="1"/>
+          </p:cNvCxnSpPr>
+          <p:nvPr/>
+        </p:nvCxnSpPr>
+        <p:spPr>
+          <a:xfrm flipV="1">
+            <a:off x="7594908" y="2083489"/>
+            <a:ext cx="524806" cy="1"/>
+          </a:xfrm>
+          <a:prstGeom prst="straightConnector1">
+            <a:avLst/>
+          </a:prstGeom>
+          <a:ln w="28575">
+            <a:tailEnd type="triangle"/>
+          </a:ln>
+        </p:spPr>
+        <p:style>
+          <a:lnRef idx="1">
+            <a:schemeClr val="accent1"/>
+          </a:lnRef>
+          <a:fillRef idx="0">
+            <a:schemeClr val="accent1"/>
+          </a:fillRef>
+          <a:effectRef idx="0">
+            <a:schemeClr val="accent1"/>
+          </a:effectRef>
+          <a:fontRef idx="minor">
+            <a:schemeClr val="tx1"/>
+          </a:fontRef>
+        </p:style>
+      </p:cxnSp>
+      <p:sp>
+        <p:nvSpPr>
+          <p:cNvPr id="36" name="Rectangle 35"/>
+          <p:cNvSpPr/>
+          <p:nvPr/>
+        </p:nvSpPr>
+        <p:spPr>
+          <a:xfrm>
+            <a:off x="5365823" y="5464940"/>
+            <a:ext cx="1628835" cy="1165846"/>
+          </a:xfrm>
+          <a:prstGeom prst="rect">
+            <a:avLst/>
+          </a:prstGeom>
+          <a:solidFill>
+            <a:schemeClr val="accent2"/>
+          </a:solidFill>
+        </p:spPr>
+        <p:style>
+          <a:lnRef idx="2">
+            <a:schemeClr val="accent1">
+              <a:shade val="50000"/>
+            </a:schemeClr>
+          </a:lnRef>
+          <a:fillRef idx="1">
+            <a:schemeClr val="accent1"/>
+          </a:fillRef>
+          <a:effectRef idx="0">
+            <a:schemeClr val="accent1"/>
+          </a:effectRef>
+          <a:fontRef idx="minor">
+            <a:schemeClr val="lt1"/>
+          </a:fontRef>
+        </p:style>
+        <p:txBody>
+          <a:bodyPr rtlCol="0" anchor="ctr"/>
+          <a:lstStyle/>
+          <a:p>
+            <a:pPr algn="ctr"/>
+            <a:r>
+              <a:rPr lang="en-US" dirty="0"/>
+              <a:t>Accelerometer Data</a:t>
+            </a:r>
+          </a:p>
+        </p:txBody>
+      </p:sp>
+      <p:cxnSp>
+        <p:nvCxnSpPr>
+          <p:cNvPr id="37" name="Straight Arrow Connector 36"/>
+          <p:cNvCxnSpPr>
+            <a:cxnSpLocks/>
+          </p:cNvCxnSpPr>
+          <p:nvPr/>
+        </p:nvCxnSpPr>
+        <p:spPr>
+          <a:xfrm>
+            <a:off x="9196316" y="2805710"/>
+            <a:ext cx="0" cy="1029172"/>
+          </a:xfrm>
+          <a:prstGeom prst="straightConnector1">
+            <a:avLst/>
+          </a:prstGeom>
+          <a:ln w="28575">
+            <a:tailEnd type="triangle"/>
+          </a:ln>
+        </p:spPr>
+        <p:style>
+          <a:lnRef idx="1">
+            <a:schemeClr val="accent1"/>
+          </a:lnRef>
+          <a:fillRef idx="0">
+            <a:schemeClr val="accent1"/>
+          </a:fillRef>
+          <a:effectRef idx="0">
+            <a:schemeClr val="accent1"/>
+          </a:effectRef>
+          <a:fontRef idx="minor">
+            <a:schemeClr val="tx1"/>
+          </a:fontRef>
+        </p:style>
+      </p:cxnSp>
+      <p:sp>
+        <p:nvSpPr>
+          <p:cNvPr id="40" name="Rectangle 39"/>
+          <p:cNvSpPr/>
+          <p:nvPr/>
+        </p:nvSpPr>
+        <p:spPr>
+          <a:xfrm>
+            <a:off x="7476555" y="3593828"/>
+            <a:ext cx="1042294" cy="877248"/>
+          </a:xfrm>
+          <a:prstGeom prst="rect">
+            <a:avLst/>
+          </a:prstGeom>
+          <a:solidFill>
+            <a:srgbClr val="FFC000"/>
+          </a:solidFill>
+        </p:spPr>
+        <p:style>
+          <a:lnRef idx="2">
+            <a:schemeClr val="accent1">
+              <a:shade val="50000"/>
+            </a:schemeClr>
+          </a:lnRef>
+          <a:fillRef idx="1">
+            <a:schemeClr val="accent1"/>
+          </a:fillRef>
+          <a:effectRef idx="0">
+            <a:schemeClr val="accent1"/>
+          </a:effectRef>
+          <a:fontRef idx="minor">
+            <a:schemeClr val="lt1"/>
+          </a:fontRef>
+        </p:style>
+        <p:txBody>
+          <a:bodyPr rtlCol="0" anchor="ctr"/>
+          <a:lstStyle/>
+          <a:p>
+            <a:pPr algn="ctr"/>
+            <a:r>
+              <a:rPr lang="en-US" dirty="0"/>
+              <a:t>Adaptive filter</a:t>
+            </a:r>
+          </a:p>
+        </p:txBody>
+      </p:sp>
+      <p:cxnSp>
+        <p:nvCxnSpPr>
+          <p:cNvPr id="41" name="Straight Arrow Connector 40"/>
+          <p:cNvCxnSpPr>
+            <a:cxnSpLocks/>
+            <a:stCxn id="36" idx="0"/>
+            <a:endCxn id="40" idx="1"/>
+          </p:cNvCxnSpPr>
+          <p:nvPr/>
+        </p:nvCxnSpPr>
+        <p:spPr>
+          <a:xfrm flipV="1">
+            <a:off x="6180241" y="4032452"/>
+            <a:ext cx="1296314" cy="1432488"/>
+          </a:xfrm>
+          <a:prstGeom prst="straightConnector1">
+            <a:avLst/>
+          </a:prstGeom>
+          <a:ln w="28575">
+            <a:tailEnd type="triangle"/>
+          </a:ln>
+        </p:spPr>
+        <p:style>
+          <a:lnRef idx="1">
+            <a:schemeClr val="accent1"/>
+          </a:lnRef>
+          <a:fillRef idx="0">
+            <a:schemeClr val="accent1"/>
+          </a:fillRef>
+          <a:effectRef idx="0">
+            <a:schemeClr val="accent1"/>
+          </a:effectRef>
+          <a:fontRef idx="minor">
+            <a:schemeClr val="tx1"/>
+          </a:fontRef>
+        </p:style>
+      </p:cxnSp>
       <p:cxnSp>
         <p:nvCxnSpPr>
           <p:cNvPr id="48" name="Straight Arrow Connector 47"/>
           <p:cNvCxnSpPr>
             <a:cxnSpLocks/>
+            <a:stCxn id="40" idx="3"/>
           </p:cNvCxnSpPr>
           <p:nvPr/>
         </p:nvCxnSpPr>
         <p:spPr>
-          <a:xfrm flipV="1">
-            <a:off x="7525782" y="1554602"/>
-            <a:ext cx="287498" cy="1"/>
+          <a:xfrm>
+            <a:off x="8518849" y="4032452"/>
+            <a:ext cx="429208" cy="0"/>
           </a:xfrm>
           <a:prstGeom prst="straightConnector1">
             <a:avLst/>
@@ -6623,14 +5597,230 @@
       </p:cxnSp>
       <p:sp>
         <p:nvSpPr>
-          <p:cNvPr id="49" name="Rectangle 48"/>
+          <p:cNvPr id="51" name="Oval 50"/>
           <p:cNvSpPr/>
           <p:nvPr/>
         </p:nvSpPr>
         <p:spPr>
           <a:xfrm>
-            <a:off x="2564536" y="4514875"/>
-            <a:ext cx="1734529" cy="1032706"/>
+            <a:off x="8948057" y="3830275"/>
+            <a:ext cx="513184" cy="531845"/>
+          </a:xfrm>
+          <a:prstGeom prst="ellipse">
+            <a:avLst/>
+          </a:prstGeom>
+          <a:solidFill>
+            <a:srgbClr val="FFC000"/>
+          </a:solidFill>
+        </p:spPr>
+        <p:style>
+          <a:lnRef idx="2">
+            <a:schemeClr val="accent1">
+              <a:shade val="50000"/>
+            </a:schemeClr>
+          </a:lnRef>
+          <a:fillRef idx="1">
+            <a:schemeClr val="accent1"/>
+          </a:fillRef>
+          <a:effectRef idx="0">
+            <a:schemeClr val="accent1"/>
+          </a:effectRef>
+          <a:fontRef idx="minor">
+            <a:schemeClr val="lt1"/>
+          </a:fontRef>
+        </p:style>
+        <p:txBody>
+          <a:bodyPr rtlCol="0" anchor="ctr"/>
+          <a:lstStyle/>
+          <a:p>
+            <a:pPr algn="ctr"/>
+            <a:r>
+              <a:rPr lang="el-GR" dirty="0"/>
+              <a:t>Σ</a:t>
+            </a:r>
+            <a:endParaRPr lang="en-US" dirty="0"/>
+          </a:p>
+        </p:txBody>
+      </p:sp>
+      <p:sp>
+        <p:nvSpPr>
+          <p:cNvPr id="52" name="TextBox 51"/>
+          <p:cNvSpPr txBox="1"/>
+          <p:nvPr/>
+        </p:nvSpPr>
+        <p:spPr>
+          <a:xfrm>
+            <a:off x="9217561" y="3514129"/>
+            <a:ext cx="457200" cy="369332"/>
+          </a:xfrm>
+          <a:prstGeom prst="rect">
+            <a:avLst/>
+          </a:prstGeom>
+          <a:noFill/>
+        </p:spPr>
+        <p:txBody>
+          <a:bodyPr wrap="square" rtlCol="0">
+            <a:spAutoFit/>
+          </a:bodyPr>
+          <a:lstStyle/>
+          <a:p>
+            <a:r>
+              <a:rPr lang="en-US" dirty="0"/>
+              <a:t>+</a:t>
+            </a:r>
+          </a:p>
+        </p:txBody>
+      </p:sp>
+      <p:sp>
+        <p:nvSpPr>
+          <p:cNvPr id="53" name="TextBox 52"/>
+          <p:cNvSpPr txBox="1"/>
+          <p:nvPr/>
+        </p:nvSpPr>
+        <p:spPr>
+          <a:xfrm>
+            <a:off x="8715293" y="3710910"/>
+            <a:ext cx="457200" cy="369332"/>
+          </a:xfrm>
+          <a:prstGeom prst="rect">
+            <a:avLst/>
+          </a:prstGeom>
+          <a:noFill/>
+        </p:spPr>
+        <p:txBody>
+          <a:bodyPr wrap="square" rtlCol="0">
+            <a:spAutoFit/>
+          </a:bodyPr>
+          <a:lstStyle/>
+          <a:p>
+            <a:r>
+              <a:rPr lang="en-US" dirty="0"/>
+              <a:t>-</a:t>
+            </a:r>
+          </a:p>
+        </p:txBody>
+      </p:sp>
+      <p:cxnSp>
+        <p:nvCxnSpPr>
+          <p:cNvPr id="54" name="Straight Arrow Connector 53"/>
+          <p:cNvCxnSpPr>
+            <a:cxnSpLocks/>
+          </p:cNvCxnSpPr>
+          <p:nvPr/>
+        </p:nvCxnSpPr>
+        <p:spPr>
+          <a:xfrm>
+            <a:off x="9196317" y="4363754"/>
+            <a:ext cx="8332" cy="617871"/>
+          </a:xfrm>
+          <a:prstGeom prst="straightConnector1">
+            <a:avLst/>
+          </a:prstGeom>
+          <a:ln w="28575">
+            <a:tailEnd type="none"/>
+          </a:ln>
+        </p:spPr>
+        <p:style>
+          <a:lnRef idx="1">
+            <a:schemeClr val="accent1"/>
+          </a:lnRef>
+          <a:fillRef idx="0">
+            <a:schemeClr val="accent1"/>
+          </a:fillRef>
+          <a:effectRef idx="0">
+            <a:schemeClr val="accent1"/>
+          </a:effectRef>
+          <a:fontRef idx="minor">
+            <a:schemeClr val="tx1"/>
+          </a:fontRef>
+        </p:style>
+      </p:cxnSp>
+      <p:cxnSp>
+        <p:nvCxnSpPr>
+          <p:cNvPr id="56" name="Straight Arrow Connector 55"/>
+          <p:cNvCxnSpPr>
+            <a:cxnSpLocks/>
+          </p:cNvCxnSpPr>
+          <p:nvPr/>
+        </p:nvCxnSpPr>
+        <p:spPr>
+          <a:xfrm flipH="1">
+            <a:off x="7366422" y="4967312"/>
+            <a:ext cx="1838227" cy="0"/>
+          </a:xfrm>
+          <a:prstGeom prst="straightConnector1">
+            <a:avLst/>
+          </a:prstGeom>
+          <a:ln w="28575">
+            <a:tailEnd type="none"/>
+          </a:ln>
+        </p:spPr>
+        <p:style>
+          <a:lnRef idx="1">
+            <a:schemeClr val="accent1"/>
+          </a:lnRef>
+          <a:fillRef idx="0">
+            <a:schemeClr val="accent1"/>
+          </a:fillRef>
+          <a:effectRef idx="0">
+            <a:schemeClr val="accent1"/>
+          </a:effectRef>
+          <a:fontRef idx="minor">
+            <a:schemeClr val="tx1"/>
+          </a:fontRef>
+        </p:style>
+      </p:cxnSp>
+      <p:cxnSp>
+        <p:nvCxnSpPr>
+          <p:cNvPr id="71" name="Connector: Elbow 70"/>
+          <p:cNvCxnSpPr>
+            <a:cxnSpLocks/>
+            <a:stCxn id="40" idx="3"/>
+            <a:endCxn id="77" idx="3"/>
+          </p:cNvCxnSpPr>
+          <p:nvPr/>
+        </p:nvCxnSpPr>
+        <p:spPr>
+          <a:xfrm flipH="1">
+            <a:off x="6602788" y="4032452"/>
+            <a:ext cx="1916061" cy="403148"/>
+          </a:xfrm>
+          <a:prstGeom prst="bentConnector5">
+            <a:avLst>
+              <a:gd name="adj1" fmla="val -11931"/>
+              <a:gd name="adj2" fmla="val -231422"/>
+              <a:gd name="adj3" fmla="val 77199"/>
+            </a:avLst>
+          </a:prstGeom>
+          <a:ln w="28575">
+            <a:tailEnd type="triangle"/>
+          </a:ln>
+        </p:spPr>
+        <p:style>
+          <a:lnRef idx="1">
+            <a:schemeClr val="accent1"/>
+          </a:lnRef>
+          <a:fillRef idx="0">
+            <a:schemeClr val="accent1"/>
+          </a:fillRef>
+          <a:effectRef idx="0">
+            <a:schemeClr val="accent1"/>
+          </a:effectRef>
+          <a:fontRef idx="minor">
+            <a:schemeClr val="tx1"/>
+          </a:fontRef>
+        </p:style>
+      </p:cxnSp>
+      <p:sp>
+        <p:nvSpPr>
+          <p:cNvPr id="77" name="Rectangle 76"/>
+          <p:cNvSpPr/>
+          <p:nvPr/>
+        </p:nvSpPr>
+        <p:spPr>
+          <a:xfrm>
+            <a:off x="5294041" y="3987376"/>
+            <a:ext cx="1308747" cy="896447"/>
           </a:xfrm>
           <a:prstGeom prst="rect">
             <a:avLst/>
@@ -6667,25 +5857,25 @@
             <a:pPr algn="ctr"/>
             <a:r>
               <a:rPr lang="en-US" dirty="0"/>
-              <a:t>Is total acceleration magnitude ~1G?</a:t>
+              <a:t>Combine these in some way</a:t>
             </a:r>
           </a:p>
         </p:txBody>
       </p:sp>
       <p:cxnSp>
         <p:nvCxnSpPr>
-          <p:cNvPr id="50" name="Straight Arrow Connector 49"/>
+          <p:cNvPr id="82" name="Straight Arrow Connector 81"/>
           <p:cNvCxnSpPr>
             <a:cxnSpLocks/>
-            <a:stCxn id="46" idx="3"/>
-            <a:endCxn id="49" idx="1"/>
+            <a:stCxn id="7" idx="2"/>
+            <a:endCxn id="77" idx="0"/>
           </p:cNvCxnSpPr>
           <p:nvPr/>
         </p:nvCxnSpPr>
         <p:spPr>
           <a:xfrm>
-            <a:off x="2219764" y="5031228"/>
-            <a:ext cx="344772" cy="0"/>
+            <a:off x="5787771" y="2608005"/>
+            <a:ext cx="160644" cy="1379371"/>
           </a:xfrm>
           <a:prstGeom prst="straightConnector1">
             <a:avLst/>
@@ -6711,18 +5901,18 @@
       </p:cxnSp>
       <p:cxnSp>
         <p:nvCxnSpPr>
-          <p:cNvPr id="51" name="Straight Arrow Connector 50"/>
+          <p:cNvPr id="85" name="Straight Arrow Connector 84"/>
           <p:cNvCxnSpPr>
             <a:cxnSpLocks/>
-            <a:stCxn id="49" idx="3"/>
-            <a:endCxn id="52" idx="1"/>
+            <a:stCxn id="77" idx="1"/>
+            <a:endCxn id="8" idx="3"/>
           </p:cNvCxnSpPr>
           <p:nvPr/>
         </p:nvCxnSpPr>
         <p:spPr>
-          <a:xfrm>
-            <a:off x="4299065" y="5031228"/>
-            <a:ext cx="607828" cy="0"/>
+          <a:xfrm flipH="1">
+            <a:off x="5046339" y="4435600"/>
+            <a:ext cx="247702" cy="22538"/>
           </a:xfrm>
           <a:prstGeom prst="straightConnector1">
             <a:avLst/>
@@ -6748,21 +5938,18 @@
       </p:cxnSp>
       <p:sp>
         <p:nvSpPr>
-          <p:cNvPr id="52" name="Rectangle 51"/>
+          <p:cNvPr id="97" name="Rectangle 96"/>
           <p:cNvSpPr/>
           <p:nvPr/>
         </p:nvSpPr>
         <p:spPr>
           <a:xfrm>
-            <a:off x="4906893" y="4359158"/>
-            <a:ext cx="2362201" cy="1344140"/>
+            <a:off x="3538113" y="2449946"/>
+            <a:ext cx="1463061" cy="830927"/>
           </a:xfrm>
           <a:prstGeom prst="rect">
             <a:avLst/>
           </a:prstGeom>
-          <a:solidFill>
-            <a:srgbClr val="FFC000"/>
-          </a:solidFill>
         </p:spPr>
         <p:style>
           <a:lnRef idx="2">
@@ -6781,127 +5968,27 @@
           </a:fontRef>
         </p:style>
         <p:txBody>
-          <a:bodyPr rot="0" spcFirstLastPara="0" vertOverflow="overflow" horzOverflow="overflow" vert="horz" wrap="square" lIns="91440" tIns="45720" rIns="91440" bIns="45720" numCol="1" spcCol="0" rtlCol="0" fromWordArt="0" anchor="ctr" anchorCtr="0" forceAA="0" compatLnSpc="1">
-            <a:prstTxWarp prst="textNoShape">
-              <a:avLst/>
-            </a:prstTxWarp>
-            <a:noAutofit/>
-          </a:bodyPr>
-          <a:lstStyle/>
-          <a:p>
+          <a:bodyPr rtlCol="0" anchor="ctr"/>
+          <a:lstStyle/>
+          <a:p>
+            <a:pPr algn="ctr"/>
             <a:r>
               <a:rPr lang="en-US" dirty="0"/>
-              <a:t>roll (</a:t>
-            </a:r>
-            <a:r>
-              <a:rPr lang="el-GR" dirty="0"/>
-              <a:t>Ψ</a:t>
-            </a:r>
-            <a:r>
-              <a:rPr lang="en-US" dirty="0"/>
-              <a:t>)</a:t>
-            </a:r>
-            <a:r>
-              <a:rPr lang="en-US" dirty="0"/>
-              <a:t>= atan2(ay, </a:t>
-            </a:r>
-            <a:r>
-              <a:rPr lang="en-US" dirty="0" err="1"/>
-              <a:t>az</a:t>
-            </a:r>
-            <a:r>
-              <a:rPr lang="en-US" dirty="0"/>
-              <a:t>)</a:t>
-            </a:r>
-          </a:p>
-          <a:p>
-            <a:r>
-              <a:rPr lang="en-US" dirty="0"/>
-              <a:t>pitch(</a:t>
-            </a:r>
-            <a:r>
-              <a:rPr lang="el-GR" dirty="0"/>
-              <a:t>Θ</a:t>
-            </a:r>
-            <a:r>
-              <a:rPr lang="en-US" dirty="0"/>
-              <a:t>)</a:t>
-            </a:r>
-            <a:r>
-              <a:rPr lang="en-US" dirty="0"/>
-              <a:t> = -sin(ax)</a:t>
-            </a:r>
-          </a:p>
-        </p:txBody>
-      </p:sp>
-      <p:sp>
-        <p:nvSpPr>
-          <p:cNvPr id="53" name="TextBox 52"/>
-          <p:cNvSpPr txBox="1"/>
-          <p:nvPr/>
-        </p:nvSpPr>
-        <p:spPr>
-          <a:xfrm>
-            <a:off x="4299065" y="4804705"/>
-            <a:ext cx="477548" cy="276999"/>
-          </a:xfrm>
-          <a:prstGeom prst="rect">
-            <a:avLst/>
-          </a:prstGeom>
-          <a:noFill/>
-        </p:spPr>
-        <p:txBody>
-          <a:bodyPr wrap="square" rtlCol="0">
-            <a:spAutoFit/>
-          </a:bodyPr>
-          <a:lstStyle/>
-          <a:p>
-            <a:r>
-              <a:rPr lang="en-US" sz="1200" dirty="0"/>
-              <a:t>YES</a:t>
-            </a:r>
-          </a:p>
-        </p:txBody>
-      </p:sp>
-      <p:sp>
-        <p:nvSpPr>
-          <p:cNvPr id="54" name="TextBox 53"/>
-          <p:cNvSpPr txBox="1"/>
-          <p:nvPr/>
-        </p:nvSpPr>
-        <p:spPr>
-          <a:xfrm>
-            <a:off x="3582016" y="5588278"/>
-            <a:ext cx="477548" cy="276999"/>
-          </a:xfrm>
-          <a:prstGeom prst="rect">
-            <a:avLst/>
-          </a:prstGeom>
-          <a:noFill/>
-        </p:spPr>
-        <p:txBody>
-          <a:bodyPr wrap="square" rtlCol="0">
-            <a:spAutoFit/>
-          </a:bodyPr>
-          <a:lstStyle/>
-          <a:p>
-            <a:r>
-              <a:rPr lang="en-US" sz="1200" dirty="0"/>
-              <a:t>No</a:t>
-            </a:r>
-          </a:p>
-        </p:txBody>
-      </p:sp>
-      <p:sp>
-        <p:nvSpPr>
-          <p:cNvPr id="55" name="Rectangle 54"/>
+              <a:t>Previous Attitude Est (3x3)</a:t>
+            </a:r>
+          </a:p>
+        </p:txBody>
+      </p:sp>
+      <p:sp>
+        <p:nvSpPr>
+          <p:cNvPr id="108" name="Rectangle 107"/>
           <p:cNvSpPr/>
           <p:nvPr/>
         </p:nvSpPr>
         <p:spPr>
           <a:xfrm>
-            <a:off x="2636562" y="5896767"/>
-            <a:ext cx="1590475" cy="827787"/>
+            <a:off x="3777099" y="3457577"/>
+            <a:ext cx="961913" cy="398171"/>
           </a:xfrm>
           <a:prstGeom prst="rect">
             <a:avLst/>
@@ -6927,876 +6014,36 @@
           </a:fontRef>
         </p:style>
         <p:txBody>
-          <a:bodyPr rot="0" spcFirstLastPara="0" vertOverflow="overflow" horzOverflow="overflow" vert="horz" wrap="square" lIns="91440" tIns="45720" rIns="91440" bIns="45720" numCol="1" spcCol="0" rtlCol="0" fromWordArt="0" anchor="ctr" anchorCtr="0" forceAA="0" compatLnSpc="1">
-            <a:prstTxWarp prst="textNoShape">
-              <a:avLst/>
-            </a:prstTxWarp>
-            <a:noAutofit/>
-          </a:bodyPr>
-          <a:lstStyle/>
-          <a:p>
+          <a:bodyPr rtlCol="0" anchor="ctr"/>
+          <a:lstStyle/>
+          <a:p>
+            <a:pPr algn="ctr"/>
             <a:r>
               <a:rPr lang="en-US" dirty="0"/>
-              <a:t>No valid measurement</a:t>
+              <a:t>Delay</a:t>
             </a:r>
           </a:p>
         </p:txBody>
       </p:sp>
       <p:cxnSp>
         <p:nvCxnSpPr>
-          <p:cNvPr id="56" name="Straight Arrow Connector 55"/>
+          <p:cNvPr id="111" name="Straight Arrow Connector 110"/>
           <p:cNvCxnSpPr>
             <a:cxnSpLocks/>
-            <a:stCxn id="49" idx="2"/>
-            <a:endCxn id="55" idx="0"/>
+            <a:stCxn id="108" idx="0"/>
+            <a:endCxn id="97" idx="2"/>
           </p:cNvCxnSpPr>
           <p:nvPr/>
         </p:nvCxnSpPr>
         <p:spPr>
-          <a:xfrm flipH="1">
-            <a:off x="3431800" y="5547581"/>
-            <a:ext cx="1" cy="349186"/>
+          <a:xfrm flipV="1">
+            <a:off x="4258056" y="3280873"/>
+            <a:ext cx="11588" cy="176704"/>
           </a:xfrm>
           <a:prstGeom prst="straightConnector1">
             <a:avLst/>
           </a:prstGeom>
           <a:ln w="28575">
-            <a:tailEnd type="triangle"/>
-          </a:ln>
-        </p:spPr>
-        <p:style>
-          <a:lnRef idx="1">
-            <a:schemeClr val="accent1"/>
-          </a:lnRef>
-          <a:fillRef idx="0">
-            <a:schemeClr val="accent1"/>
-          </a:fillRef>
-          <a:effectRef idx="0">
-            <a:schemeClr val="accent1"/>
-          </a:effectRef>
-          <a:fontRef idx="minor">
-            <a:schemeClr val="tx1"/>
-          </a:fontRef>
-        </p:style>
-      </p:cxnSp>
-      <p:cxnSp>
-        <p:nvCxnSpPr>
-          <p:cNvPr id="59" name="Straight Arrow Connector 58"/>
-          <p:cNvCxnSpPr>
-            <a:cxnSpLocks/>
-          </p:cNvCxnSpPr>
-          <p:nvPr/>
-        </p:nvCxnSpPr>
-        <p:spPr>
-          <a:xfrm>
-            <a:off x="7291491" y="5445355"/>
-            <a:ext cx="324928" cy="0"/>
-          </a:xfrm>
-          <a:prstGeom prst="straightConnector1">
-            <a:avLst/>
-          </a:prstGeom>
-          <a:ln w="28575">
-            <a:tailEnd type="triangle"/>
-          </a:ln>
-        </p:spPr>
-        <p:style>
-          <a:lnRef idx="1">
-            <a:schemeClr val="accent1"/>
-          </a:lnRef>
-          <a:fillRef idx="0">
-            <a:schemeClr val="accent1"/>
-          </a:fillRef>
-          <a:effectRef idx="0">
-            <a:schemeClr val="accent1"/>
-          </a:effectRef>
-          <a:fontRef idx="minor">
-            <a:schemeClr val="tx1"/>
-          </a:fontRef>
-        </p:style>
-      </p:cxnSp>
-      <p:sp>
-        <p:nvSpPr>
-          <p:cNvPr id="70" name="Rectangle 69"/>
-          <p:cNvSpPr/>
-          <p:nvPr/>
-        </p:nvSpPr>
-        <p:spPr>
-          <a:xfrm>
-            <a:off x="9793639" y="1047553"/>
-            <a:ext cx="516551" cy="442952"/>
-          </a:xfrm>
-          <a:prstGeom prst="rect">
-            <a:avLst/>
-          </a:prstGeom>
-        </p:spPr>
-        <p:style>
-          <a:lnRef idx="2">
-            <a:schemeClr val="accent1">
-              <a:shade val="50000"/>
-            </a:schemeClr>
-          </a:lnRef>
-          <a:fillRef idx="1">
-            <a:schemeClr val="accent1"/>
-          </a:fillRef>
-          <a:effectRef idx="0">
-            <a:schemeClr val="accent1"/>
-          </a:effectRef>
-          <a:fontRef idx="minor">
-            <a:schemeClr val="lt1"/>
-          </a:fontRef>
-        </p:style>
-        <p:txBody>
-          <a:bodyPr rtlCol="0" anchor="ctr"/>
-          <a:lstStyle/>
-          <a:p>
-            <a:pPr algn="ctr"/>
-            <a:r>
-              <a:rPr lang="el-GR" dirty="0"/>
-              <a:t>Ψ</a:t>
-            </a:r>
-            <a:endParaRPr lang="en-US" dirty="0"/>
-          </a:p>
-        </p:txBody>
-      </p:sp>
-      <p:sp>
-        <p:nvSpPr>
-          <p:cNvPr id="71" name="Rectangle 70"/>
-          <p:cNvSpPr/>
-          <p:nvPr/>
-        </p:nvSpPr>
-        <p:spPr>
-          <a:xfrm>
-            <a:off x="9793639" y="1612702"/>
-            <a:ext cx="516551" cy="442952"/>
-          </a:xfrm>
-          <a:prstGeom prst="rect">
-            <a:avLst/>
-          </a:prstGeom>
-        </p:spPr>
-        <p:style>
-          <a:lnRef idx="2">
-            <a:schemeClr val="accent1">
-              <a:shade val="50000"/>
-            </a:schemeClr>
-          </a:lnRef>
-          <a:fillRef idx="1">
-            <a:schemeClr val="accent1"/>
-          </a:fillRef>
-          <a:effectRef idx="0">
-            <a:schemeClr val="accent1"/>
-          </a:effectRef>
-          <a:fontRef idx="minor">
-            <a:schemeClr val="lt1"/>
-          </a:fontRef>
-        </p:style>
-        <p:txBody>
-          <a:bodyPr rtlCol="0" anchor="ctr"/>
-          <a:lstStyle/>
-          <a:p>
-            <a:pPr algn="ctr"/>
-            <a:r>
-              <a:rPr lang="el-GR" dirty="0"/>
-              <a:t>Θ</a:t>
-            </a:r>
-            <a:endParaRPr lang="en-US" dirty="0"/>
-          </a:p>
-        </p:txBody>
-      </p:sp>
-      <p:sp>
-        <p:nvSpPr>
-          <p:cNvPr id="72" name="Rectangle 71"/>
-          <p:cNvSpPr/>
-          <p:nvPr/>
-        </p:nvSpPr>
-        <p:spPr>
-          <a:xfrm>
-            <a:off x="7636072" y="4473900"/>
-            <a:ext cx="516551" cy="442952"/>
-          </a:xfrm>
-          <a:prstGeom prst="rect">
-            <a:avLst/>
-          </a:prstGeom>
-        </p:spPr>
-        <p:style>
-          <a:lnRef idx="2">
-            <a:schemeClr val="accent1">
-              <a:shade val="50000"/>
-            </a:schemeClr>
-          </a:lnRef>
-          <a:fillRef idx="1">
-            <a:schemeClr val="accent1"/>
-          </a:fillRef>
-          <a:effectRef idx="0">
-            <a:schemeClr val="accent1"/>
-          </a:effectRef>
-          <a:fontRef idx="minor">
-            <a:schemeClr val="lt1"/>
-          </a:fontRef>
-        </p:style>
-        <p:txBody>
-          <a:bodyPr rtlCol="0" anchor="ctr"/>
-          <a:lstStyle/>
-          <a:p>
-            <a:pPr algn="ctr"/>
-            <a:r>
-              <a:rPr lang="el-GR" dirty="0"/>
-              <a:t>Ψ</a:t>
-            </a:r>
-            <a:endParaRPr lang="en-US" dirty="0"/>
-          </a:p>
-        </p:txBody>
-      </p:sp>
-      <p:sp>
-        <p:nvSpPr>
-          <p:cNvPr id="73" name="Rectangle 72"/>
-          <p:cNvSpPr/>
-          <p:nvPr/>
-        </p:nvSpPr>
-        <p:spPr>
-          <a:xfrm>
-            <a:off x="7599872" y="5223879"/>
-            <a:ext cx="516551" cy="442952"/>
-          </a:xfrm>
-          <a:prstGeom prst="rect">
-            <a:avLst/>
-          </a:prstGeom>
-        </p:spPr>
-        <p:style>
-          <a:lnRef idx="2">
-            <a:schemeClr val="accent1">
-              <a:shade val="50000"/>
-            </a:schemeClr>
-          </a:lnRef>
-          <a:fillRef idx="1">
-            <a:schemeClr val="accent1"/>
-          </a:fillRef>
-          <a:effectRef idx="0">
-            <a:schemeClr val="accent1"/>
-          </a:effectRef>
-          <a:fontRef idx="minor">
-            <a:schemeClr val="lt1"/>
-          </a:fontRef>
-        </p:style>
-        <p:txBody>
-          <a:bodyPr rtlCol="0" anchor="ctr"/>
-          <a:lstStyle/>
-          <a:p>
-            <a:pPr algn="ctr"/>
-            <a:r>
-              <a:rPr lang="el-GR" dirty="0"/>
-              <a:t>Θ</a:t>
-            </a:r>
-            <a:endParaRPr lang="en-US" dirty="0"/>
-          </a:p>
-        </p:txBody>
-      </p:sp>
-      <p:sp>
-        <p:nvSpPr>
-          <p:cNvPr id="75" name="Rectangle 74"/>
-          <p:cNvSpPr/>
-          <p:nvPr/>
-        </p:nvSpPr>
-        <p:spPr>
-          <a:xfrm>
-            <a:off x="2219764" y="1081905"/>
-            <a:ext cx="1238338" cy="899566"/>
-          </a:xfrm>
-          <a:prstGeom prst="rect">
-            <a:avLst/>
-          </a:prstGeom>
-          <a:solidFill>
-            <a:srgbClr val="FFC000"/>
-          </a:solidFill>
-        </p:spPr>
-        <p:style>
-          <a:lnRef idx="2">
-            <a:schemeClr val="accent1">
-              <a:shade val="50000"/>
-            </a:schemeClr>
-          </a:lnRef>
-          <a:fillRef idx="1">
-            <a:schemeClr val="accent1"/>
-          </a:fillRef>
-          <a:effectRef idx="0">
-            <a:schemeClr val="accent1"/>
-          </a:effectRef>
-          <a:fontRef idx="minor">
-            <a:schemeClr val="lt1"/>
-          </a:fontRef>
-        </p:style>
-        <p:txBody>
-          <a:bodyPr rot="0" spcFirstLastPara="0" vertOverflow="overflow" horzOverflow="overflow" vert="horz" wrap="square" lIns="91440" tIns="45720" rIns="91440" bIns="45720" numCol="1" spcCol="0" rtlCol="0" fromWordArt="0" anchor="ctr" anchorCtr="0" forceAA="0" compatLnSpc="1">
-            <a:prstTxWarp prst="textNoShape">
-              <a:avLst/>
-            </a:prstTxWarp>
-            <a:noAutofit/>
-          </a:bodyPr>
-          <a:lstStyle/>
-          <a:p>
-            <a:pPr algn="ctr"/>
-            <a:r>
-              <a:rPr lang="en-US" dirty="0"/>
-              <a:t>Adaptive Filter</a:t>
-            </a:r>
-          </a:p>
-        </p:txBody>
-      </p:sp>
-      <p:sp>
-        <p:nvSpPr>
-          <p:cNvPr id="76" name="Oval 75"/>
-          <p:cNvSpPr/>
-          <p:nvPr/>
-        </p:nvSpPr>
-        <p:spPr>
-          <a:xfrm>
-            <a:off x="8971120" y="2852183"/>
-            <a:ext cx="513184" cy="531845"/>
-          </a:xfrm>
-          <a:prstGeom prst="ellipse">
-            <a:avLst/>
-          </a:prstGeom>
-          <a:solidFill>
-            <a:srgbClr val="FFC000"/>
-          </a:solidFill>
-        </p:spPr>
-        <p:style>
-          <a:lnRef idx="2">
-            <a:schemeClr val="accent1">
-              <a:shade val="50000"/>
-            </a:schemeClr>
-          </a:lnRef>
-          <a:fillRef idx="1">
-            <a:schemeClr val="accent1"/>
-          </a:fillRef>
-          <a:effectRef idx="0">
-            <a:schemeClr val="accent1"/>
-          </a:effectRef>
-          <a:fontRef idx="minor">
-            <a:schemeClr val="lt1"/>
-          </a:fontRef>
-        </p:style>
-        <p:txBody>
-          <a:bodyPr rtlCol="0" anchor="ctr"/>
-          <a:lstStyle/>
-          <a:p>
-            <a:pPr algn="ctr"/>
-            <a:r>
-              <a:rPr lang="el-GR" dirty="0"/>
-              <a:t>Σ</a:t>
-            </a:r>
-            <a:endParaRPr lang="en-US" dirty="0"/>
-          </a:p>
-        </p:txBody>
-      </p:sp>
-      <p:sp>
-        <p:nvSpPr>
-          <p:cNvPr id="77" name="Oval 76"/>
-          <p:cNvSpPr/>
-          <p:nvPr/>
-        </p:nvSpPr>
-        <p:spPr>
-          <a:xfrm>
-            <a:off x="9854649" y="3498073"/>
-            <a:ext cx="513184" cy="531845"/>
-          </a:xfrm>
-          <a:prstGeom prst="ellipse">
-            <a:avLst/>
-          </a:prstGeom>
-          <a:solidFill>
-            <a:srgbClr val="FFC000"/>
-          </a:solidFill>
-        </p:spPr>
-        <p:style>
-          <a:lnRef idx="2">
-            <a:schemeClr val="accent1">
-              <a:shade val="50000"/>
-            </a:schemeClr>
-          </a:lnRef>
-          <a:fillRef idx="1">
-            <a:schemeClr val="accent1"/>
-          </a:fillRef>
-          <a:effectRef idx="0">
-            <a:schemeClr val="accent1"/>
-          </a:effectRef>
-          <a:fontRef idx="minor">
-            <a:schemeClr val="lt1"/>
-          </a:fontRef>
-        </p:style>
-        <p:txBody>
-          <a:bodyPr rtlCol="0" anchor="ctr"/>
-          <a:lstStyle/>
-          <a:p>
-            <a:pPr algn="ctr"/>
-            <a:r>
-              <a:rPr lang="el-GR" dirty="0"/>
-              <a:t>Σ</a:t>
-            </a:r>
-            <a:endParaRPr lang="en-US" dirty="0"/>
-          </a:p>
-        </p:txBody>
-      </p:sp>
-      <p:cxnSp>
-        <p:nvCxnSpPr>
-          <p:cNvPr id="78" name="Straight Arrow Connector 77"/>
-          <p:cNvCxnSpPr>
-            <a:cxnSpLocks/>
-            <a:endCxn id="70" idx="1"/>
-          </p:cNvCxnSpPr>
-          <p:nvPr/>
-        </p:nvCxnSpPr>
-        <p:spPr>
-          <a:xfrm>
-            <a:off x="9429405" y="1265433"/>
-            <a:ext cx="364234" cy="3596"/>
-          </a:xfrm>
-          <a:prstGeom prst="straightConnector1">
-            <a:avLst/>
-          </a:prstGeom>
-          <a:ln w="28575">
-            <a:tailEnd type="triangle"/>
-          </a:ln>
-        </p:spPr>
-        <p:style>
-          <a:lnRef idx="1">
-            <a:schemeClr val="accent1"/>
-          </a:lnRef>
-          <a:fillRef idx="0">
-            <a:schemeClr val="accent1"/>
-          </a:fillRef>
-          <a:effectRef idx="0">
-            <a:schemeClr val="accent1"/>
-          </a:effectRef>
-          <a:fontRef idx="minor">
-            <a:schemeClr val="tx1"/>
-          </a:fontRef>
-        </p:style>
-      </p:cxnSp>
-      <p:cxnSp>
-        <p:nvCxnSpPr>
-          <p:cNvPr id="80" name="Straight Arrow Connector 79"/>
-          <p:cNvCxnSpPr>
-            <a:cxnSpLocks/>
-          </p:cNvCxnSpPr>
-          <p:nvPr/>
-        </p:nvCxnSpPr>
-        <p:spPr>
-          <a:xfrm>
-            <a:off x="9422324" y="1807492"/>
-            <a:ext cx="364234" cy="3596"/>
-          </a:xfrm>
-          <a:prstGeom prst="straightConnector1">
-            <a:avLst/>
-          </a:prstGeom>
-          <a:ln w="28575">
-            <a:tailEnd type="triangle"/>
-          </a:ln>
-        </p:spPr>
-        <p:style>
-          <a:lnRef idx="1">
-            <a:schemeClr val="accent1"/>
-          </a:lnRef>
-          <a:fillRef idx="0">
-            <a:schemeClr val="accent1"/>
-          </a:fillRef>
-          <a:effectRef idx="0">
-            <a:schemeClr val="accent1"/>
-          </a:effectRef>
-          <a:fontRef idx="minor">
-            <a:schemeClr val="tx1"/>
-          </a:fontRef>
-        </p:style>
-      </p:cxnSp>
-      <p:cxnSp>
-        <p:nvCxnSpPr>
-          <p:cNvPr id="81" name="Straight Arrow Connector 80"/>
-          <p:cNvCxnSpPr>
-            <a:cxnSpLocks/>
-          </p:cNvCxnSpPr>
-          <p:nvPr/>
-        </p:nvCxnSpPr>
-        <p:spPr>
-          <a:xfrm>
-            <a:off x="7271838" y="4666185"/>
-            <a:ext cx="364234" cy="3596"/>
-          </a:xfrm>
-          <a:prstGeom prst="straightConnector1">
-            <a:avLst/>
-          </a:prstGeom>
-          <a:ln w="28575">
-            <a:tailEnd type="triangle"/>
-          </a:ln>
-        </p:spPr>
-        <p:style>
-          <a:lnRef idx="1">
-            <a:schemeClr val="accent1"/>
-          </a:lnRef>
-          <a:fillRef idx="0">
-            <a:schemeClr val="accent1"/>
-          </a:fillRef>
-          <a:effectRef idx="0">
-            <a:schemeClr val="accent1"/>
-          </a:effectRef>
-          <a:fontRef idx="minor">
-            <a:schemeClr val="tx1"/>
-          </a:fontRef>
-        </p:style>
-      </p:cxnSp>
-      <p:cxnSp>
-        <p:nvCxnSpPr>
-          <p:cNvPr id="83" name="Connector: Elbow 82"/>
-          <p:cNvCxnSpPr>
-            <a:stCxn id="71" idx="3"/>
-            <a:endCxn id="77" idx="2"/>
-          </p:cNvCxnSpPr>
-          <p:nvPr/>
-        </p:nvCxnSpPr>
-        <p:spPr>
-          <a:xfrm flipH="1">
-            <a:off x="9854649" y="1834178"/>
-            <a:ext cx="455541" cy="1929818"/>
-          </a:xfrm>
-          <a:prstGeom prst="bentConnector5">
-            <a:avLst>
-              <a:gd name="adj1" fmla="val -50182"/>
-              <a:gd name="adj2" fmla="val 48848"/>
-              <a:gd name="adj3" fmla="val 150182"/>
-            </a:avLst>
-          </a:prstGeom>
-          <a:ln w="31750">
-            <a:tailEnd type="triangle"/>
-          </a:ln>
-        </p:spPr>
-        <p:style>
-          <a:lnRef idx="1">
-            <a:schemeClr val="accent1"/>
-          </a:lnRef>
-          <a:fillRef idx="0">
-            <a:schemeClr val="accent1"/>
-          </a:fillRef>
-          <a:effectRef idx="0">
-            <a:schemeClr val="accent1"/>
-          </a:effectRef>
-          <a:fontRef idx="minor">
-            <a:schemeClr val="tx1"/>
-          </a:fontRef>
-        </p:style>
-      </p:cxnSp>
-      <p:cxnSp>
-        <p:nvCxnSpPr>
-          <p:cNvPr id="85" name="Connector: Elbow 84"/>
-          <p:cNvCxnSpPr>
-            <a:stCxn id="70" idx="3"/>
-            <a:endCxn id="76" idx="2"/>
-          </p:cNvCxnSpPr>
-          <p:nvPr/>
-        </p:nvCxnSpPr>
-        <p:spPr>
-          <a:xfrm flipH="1">
-            <a:off x="8971120" y="1269029"/>
-            <a:ext cx="1339070" cy="1849077"/>
-          </a:xfrm>
-          <a:prstGeom prst="bentConnector5">
-            <a:avLst>
-              <a:gd name="adj1" fmla="val -35886"/>
-              <a:gd name="adj2" fmla="val 59899"/>
-              <a:gd name="adj3" fmla="val 137279"/>
-            </a:avLst>
-          </a:prstGeom>
-          <a:ln w="31750">
-            <a:solidFill>
-              <a:schemeClr val="accent2">
-                <a:lumMod val="75000"/>
-              </a:schemeClr>
-            </a:solidFill>
-            <a:tailEnd type="triangle"/>
-          </a:ln>
-        </p:spPr>
-        <p:style>
-          <a:lnRef idx="1">
-            <a:schemeClr val="accent1"/>
-          </a:lnRef>
-          <a:fillRef idx="0">
-            <a:schemeClr val="accent1"/>
-          </a:fillRef>
-          <a:effectRef idx="0">
-            <a:schemeClr val="accent1"/>
-          </a:effectRef>
-          <a:fontRef idx="minor">
-            <a:schemeClr val="tx1"/>
-          </a:fontRef>
-        </p:style>
-      </p:cxnSp>
-      <p:cxnSp>
-        <p:nvCxnSpPr>
-          <p:cNvPr id="91" name="Connector: Elbow 90"/>
-          <p:cNvCxnSpPr>
-            <a:cxnSpLocks/>
-            <a:stCxn id="73" idx="3"/>
-            <a:endCxn id="77" idx="4"/>
-          </p:cNvCxnSpPr>
-          <p:nvPr/>
-        </p:nvCxnSpPr>
-        <p:spPr>
-          <a:xfrm flipV="1">
-            <a:off x="8116423" y="4029918"/>
-            <a:ext cx="1994818" cy="1415437"/>
-          </a:xfrm>
-          <a:prstGeom prst="bentConnector2">
-            <a:avLst/>
-          </a:prstGeom>
-          <a:ln w="31750">
-            <a:tailEnd type="triangle"/>
-          </a:ln>
-        </p:spPr>
-        <p:style>
-          <a:lnRef idx="1">
-            <a:schemeClr val="accent1"/>
-          </a:lnRef>
-          <a:fillRef idx="0">
-            <a:schemeClr val="accent1"/>
-          </a:fillRef>
-          <a:effectRef idx="0">
-            <a:schemeClr val="accent1"/>
-          </a:effectRef>
-          <a:fontRef idx="minor">
-            <a:schemeClr val="tx1"/>
-          </a:fontRef>
-        </p:style>
-      </p:cxnSp>
-      <p:cxnSp>
-        <p:nvCxnSpPr>
-          <p:cNvPr id="96" name="Connector: Elbow 95"/>
-          <p:cNvCxnSpPr>
-            <a:cxnSpLocks/>
-            <a:stCxn id="72" idx="3"/>
-            <a:endCxn id="76" idx="4"/>
-          </p:cNvCxnSpPr>
-          <p:nvPr/>
-        </p:nvCxnSpPr>
-        <p:spPr>
-          <a:xfrm flipV="1">
-            <a:off x="8152623" y="3384028"/>
-            <a:ext cx="1075089" cy="1311348"/>
-          </a:xfrm>
-          <a:prstGeom prst="bentConnector2">
-            <a:avLst/>
-          </a:prstGeom>
-          <a:ln w="31750">
-            <a:solidFill>
-              <a:schemeClr val="accent2">
-                <a:lumMod val="75000"/>
-              </a:schemeClr>
-            </a:solidFill>
-            <a:tailEnd type="triangle"/>
-          </a:ln>
-        </p:spPr>
-        <p:style>
-          <a:lnRef idx="1">
-            <a:schemeClr val="accent1"/>
-          </a:lnRef>
-          <a:fillRef idx="0">
-            <a:schemeClr val="accent1"/>
-          </a:fillRef>
-          <a:effectRef idx="0">
-            <a:schemeClr val="accent1"/>
-          </a:effectRef>
-          <a:fontRef idx="minor">
-            <a:schemeClr val="tx1"/>
-          </a:fontRef>
-        </p:style>
-      </p:cxnSp>
-      <p:sp>
-        <p:nvSpPr>
-          <p:cNvPr id="103" name="TextBox 102"/>
-          <p:cNvSpPr txBox="1"/>
-          <p:nvPr/>
-        </p:nvSpPr>
-        <p:spPr>
-          <a:xfrm>
-            <a:off x="10130400" y="3975235"/>
-            <a:ext cx="457200" cy="369332"/>
-          </a:xfrm>
-          <a:prstGeom prst="rect">
-            <a:avLst/>
-          </a:prstGeom>
-          <a:noFill/>
-        </p:spPr>
-        <p:txBody>
-          <a:bodyPr wrap="square" rtlCol="0">
-            <a:spAutoFit/>
-          </a:bodyPr>
-          <a:lstStyle/>
-          <a:p>
-            <a:r>
-              <a:rPr lang="en-US" dirty="0"/>
-              <a:t>+</a:t>
-            </a:r>
-          </a:p>
-        </p:txBody>
-      </p:sp>
-      <p:sp>
-        <p:nvSpPr>
-          <p:cNvPr id="104" name="TextBox 103"/>
-          <p:cNvSpPr txBox="1"/>
-          <p:nvPr/>
-        </p:nvSpPr>
-        <p:spPr>
-          <a:xfrm>
-            <a:off x="9639284" y="3374596"/>
-            <a:ext cx="457200" cy="369332"/>
-          </a:xfrm>
-          <a:prstGeom prst="rect">
-            <a:avLst/>
-          </a:prstGeom>
-          <a:noFill/>
-        </p:spPr>
-        <p:txBody>
-          <a:bodyPr wrap="square" rtlCol="0">
-            <a:spAutoFit/>
-          </a:bodyPr>
-          <a:lstStyle/>
-          <a:p>
-            <a:r>
-              <a:rPr lang="en-US" dirty="0"/>
-              <a:t>-</a:t>
-            </a:r>
-          </a:p>
-        </p:txBody>
-      </p:sp>
-      <p:sp>
-        <p:nvSpPr>
-          <p:cNvPr id="105" name="TextBox 104"/>
-          <p:cNvSpPr txBox="1"/>
-          <p:nvPr/>
-        </p:nvSpPr>
-        <p:spPr>
-          <a:xfrm>
-            <a:off x="8921425" y="3279939"/>
-            <a:ext cx="457200" cy="369332"/>
-          </a:xfrm>
-          <a:prstGeom prst="rect">
-            <a:avLst/>
-          </a:prstGeom>
-          <a:noFill/>
-        </p:spPr>
-        <p:txBody>
-          <a:bodyPr wrap="square" rtlCol="0">
-            <a:spAutoFit/>
-          </a:bodyPr>
-          <a:lstStyle/>
-          <a:p>
-            <a:r>
-              <a:rPr lang="en-US" dirty="0"/>
-              <a:t>+</a:t>
-            </a:r>
-          </a:p>
-        </p:txBody>
-      </p:sp>
-      <p:sp>
-        <p:nvSpPr>
-          <p:cNvPr id="106" name="TextBox 105"/>
-          <p:cNvSpPr txBox="1"/>
-          <p:nvPr/>
-        </p:nvSpPr>
-        <p:spPr>
-          <a:xfrm>
-            <a:off x="8656632" y="2781907"/>
-            <a:ext cx="457200" cy="369332"/>
-          </a:xfrm>
-          <a:prstGeom prst="rect">
-            <a:avLst/>
-          </a:prstGeom>
-          <a:noFill/>
-        </p:spPr>
-        <p:txBody>
-          <a:bodyPr wrap="square" rtlCol="0">
-            <a:spAutoFit/>
-          </a:bodyPr>
-          <a:lstStyle/>
-          <a:p>
-            <a:r>
-              <a:rPr lang="en-US" dirty="0"/>
-              <a:t>-</a:t>
-            </a:r>
-          </a:p>
-        </p:txBody>
-      </p:sp>
-      <p:sp>
-        <p:nvSpPr>
-          <p:cNvPr id="110" name="Rectangle 109"/>
-          <p:cNvSpPr/>
-          <p:nvPr/>
-        </p:nvSpPr>
-        <p:spPr>
-          <a:xfrm>
-            <a:off x="10715867" y="2985143"/>
-            <a:ext cx="1381407" cy="990091"/>
-          </a:xfrm>
-          <a:prstGeom prst="rect">
-            <a:avLst/>
-          </a:prstGeom>
-        </p:spPr>
-        <p:style>
-          <a:lnRef idx="2">
-            <a:schemeClr val="accent1">
-              <a:shade val="50000"/>
-            </a:schemeClr>
-          </a:lnRef>
-          <a:fillRef idx="1">
-            <a:schemeClr val="accent1"/>
-          </a:fillRef>
-          <a:effectRef idx="0">
-            <a:schemeClr val="accent1"/>
-          </a:effectRef>
-          <a:fontRef idx="minor">
-            <a:schemeClr val="lt1"/>
-          </a:fontRef>
-        </p:style>
-        <p:txBody>
-          <a:bodyPr rtlCol="0" anchor="ctr"/>
-          <a:lstStyle/>
-          <a:p>
-            <a:pPr algn="ctr"/>
-            <a:r>
-              <a:rPr lang="el-GR" dirty="0"/>
-              <a:t>εΨ</a:t>
-            </a:r>
-            <a:r>
-              <a:rPr lang="en-US" dirty="0"/>
-              <a:t>, </a:t>
-            </a:r>
-            <a:r>
-              <a:rPr lang="el-GR" dirty="0"/>
-              <a:t>ε</a:t>
-            </a:r>
-            <a:r>
-              <a:rPr lang="el-GR" dirty="0"/>
-              <a:t>Θ</a:t>
-            </a:r>
-            <a:endParaRPr lang="en-US" dirty="0"/>
-          </a:p>
-        </p:txBody>
-      </p:sp>
-      <p:cxnSp>
-        <p:nvCxnSpPr>
-          <p:cNvPr id="113" name="Straight Arrow Connector 112"/>
-          <p:cNvCxnSpPr>
-            <a:cxnSpLocks/>
-          </p:cNvCxnSpPr>
-          <p:nvPr/>
-        </p:nvCxnSpPr>
-        <p:spPr>
-          <a:xfrm flipV="1">
-            <a:off x="9490415" y="3108674"/>
-            <a:ext cx="1225452" cy="1137"/>
-          </a:xfrm>
-          <a:prstGeom prst="straightConnector1">
-            <a:avLst/>
-          </a:prstGeom>
-          <a:ln w="28575">
-            <a:solidFill>
-              <a:schemeClr val="accent2"/>
-            </a:solidFill>
             <a:tailEnd type="triangle"/>
           </a:ln>
         </p:spPr>
@@ -7820,141 +6067,15 @@
           <p:cNvPr id="115" name="Straight Arrow Connector 114"/>
           <p:cNvCxnSpPr>
             <a:cxnSpLocks/>
+            <a:stCxn id="97" idx="0"/>
+            <a:endCxn id="5" idx="2"/>
           </p:cNvCxnSpPr>
           <p:nvPr/>
         </p:nvCxnSpPr>
         <p:spPr>
-          <a:xfrm>
-            <a:off x="10343438" y="3763995"/>
-            <a:ext cx="364234" cy="3596"/>
-          </a:xfrm>
-          <a:prstGeom prst="straightConnector1">
-            <a:avLst/>
-          </a:prstGeom>
-          <a:ln w="28575">
-            <a:tailEnd type="triangle"/>
-          </a:ln>
-        </p:spPr>
-        <p:style>
-          <a:lnRef idx="1">
-            <a:schemeClr val="accent1"/>
-          </a:lnRef>
-          <a:fillRef idx="0">
-            <a:schemeClr val="accent1"/>
-          </a:fillRef>
-          <a:effectRef idx="0">
-            <a:schemeClr val="accent1"/>
-          </a:effectRef>
-          <a:fontRef idx="minor">
-            <a:schemeClr val="tx1"/>
-          </a:fontRef>
-        </p:style>
-      </p:cxnSp>
-      <p:sp>
-        <p:nvSpPr>
-          <p:cNvPr id="117" name="Rectangle 116"/>
-          <p:cNvSpPr/>
-          <p:nvPr/>
-        </p:nvSpPr>
-        <p:spPr>
-          <a:xfrm>
-            <a:off x="1878033" y="2182506"/>
-            <a:ext cx="1381407" cy="990091"/>
-          </a:xfrm>
-          <a:prstGeom prst="rect">
-            <a:avLst/>
-          </a:prstGeom>
-        </p:spPr>
-        <p:style>
-          <a:lnRef idx="2">
-            <a:schemeClr val="accent1">
-              <a:shade val="50000"/>
-            </a:schemeClr>
-          </a:lnRef>
-          <a:fillRef idx="1">
-            <a:schemeClr val="accent1"/>
-          </a:fillRef>
-          <a:effectRef idx="0">
-            <a:schemeClr val="accent1"/>
-          </a:effectRef>
-          <a:fontRef idx="minor">
-            <a:schemeClr val="lt1"/>
-          </a:fontRef>
-        </p:style>
-        <p:txBody>
-          <a:bodyPr rtlCol="0" anchor="ctr"/>
-          <a:lstStyle/>
-          <a:p>
-            <a:pPr algn="ctr"/>
-            <a:r>
-              <a:rPr lang="el-GR" dirty="0"/>
-              <a:t>εΨ</a:t>
-            </a:r>
-            <a:r>
-              <a:rPr lang="en-US" dirty="0"/>
-              <a:t>, </a:t>
-            </a:r>
-            <a:r>
-              <a:rPr lang="el-GR" dirty="0"/>
-              <a:t>ε</a:t>
-            </a:r>
-            <a:r>
-              <a:rPr lang="el-GR" dirty="0"/>
-              <a:t>Θ</a:t>
-            </a:r>
-            <a:endParaRPr lang="en-US" dirty="0"/>
-          </a:p>
-        </p:txBody>
-      </p:sp>
-      <p:cxnSp>
-        <p:nvCxnSpPr>
-          <p:cNvPr id="119" name="Straight Arrow Connector 118"/>
-          <p:cNvCxnSpPr>
-            <a:cxnSpLocks/>
-          </p:cNvCxnSpPr>
-          <p:nvPr/>
-        </p:nvCxnSpPr>
-        <p:spPr>
-          <a:xfrm>
-            <a:off x="1901168" y="1490505"/>
-            <a:ext cx="344772" cy="0"/>
-          </a:xfrm>
-          <a:prstGeom prst="straightConnector1">
-            <a:avLst/>
-          </a:prstGeom>
-          <a:ln w="28575">
-            <a:tailEnd type="triangle"/>
-          </a:ln>
-        </p:spPr>
-        <p:style>
-          <a:lnRef idx="1">
-            <a:schemeClr val="accent1"/>
-          </a:lnRef>
-          <a:fillRef idx="0">
-            <a:schemeClr val="accent1"/>
-          </a:fillRef>
-          <a:effectRef idx="0">
-            <a:schemeClr val="accent1"/>
-          </a:effectRef>
-          <a:fontRef idx="minor">
-            <a:schemeClr val="tx1"/>
-          </a:fontRef>
-        </p:style>
-      </p:cxnSp>
-      <p:cxnSp>
-        <p:nvCxnSpPr>
-          <p:cNvPr id="120" name="Straight Arrow Connector 119"/>
-          <p:cNvCxnSpPr>
-            <a:cxnSpLocks/>
-            <a:stCxn id="75" idx="3"/>
-            <a:endCxn id="41" idx="1"/>
-          </p:cNvCxnSpPr>
-          <p:nvPr/>
-        </p:nvCxnSpPr>
-        <p:spPr>
-          <a:xfrm>
-            <a:off x="3458102" y="1531688"/>
-            <a:ext cx="372751" cy="5268"/>
+          <a:xfrm flipH="1" flipV="1">
+            <a:off x="4249963" y="2282779"/>
+            <a:ext cx="19681" cy="167167"/>
           </a:xfrm>
           <a:prstGeom prst="straightConnector1">
             <a:avLst/>
@@ -7981,7 +6102,7 @@
     </p:spTree>
     <p:extLst>
       <p:ext uri="{BB962C8B-B14F-4D97-AF65-F5344CB8AC3E}">
-        <p14:creationId xmlns:p14="http://schemas.microsoft.com/office/powerpoint/2010/main" val="1848328802"/>
+        <p14:creationId xmlns:p14="http://schemas.microsoft.com/office/powerpoint/2010/main" val="3464578239"/>
       </p:ext>
     </p:extLst>
   </p:cSld>
@@ -8008,6 +6129,1981 @@
           <a:chExt cx="0" cy="0"/>
         </a:xfrm>
       </p:grpSpPr>
+      <p:cxnSp>
+        <p:nvCxnSpPr>
+          <p:cNvPr id="108" name="Straight Arrow Connector 107"/>
+          <p:cNvCxnSpPr>
+            <a:cxnSpLocks/>
+          </p:cNvCxnSpPr>
+          <p:nvPr/>
+        </p:nvCxnSpPr>
+        <p:spPr>
+          <a:xfrm flipV="1">
+            <a:off x="2838933" y="881618"/>
+            <a:ext cx="559109" cy="1311950"/>
+          </a:xfrm>
+          <a:prstGeom prst="straightConnector1">
+            <a:avLst/>
+          </a:prstGeom>
+          <a:ln w="28575">
+            <a:tailEnd type="triangle"/>
+          </a:ln>
+        </p:spPr>
+        <p:style>
+          <a:lnRef idx="1">
+            <a:schemeClr val="accent1"/>
+          </a:lnRef>
+          <a:fillRef idx="0">
+            <a:schemeClr val="accent1"/>
+          </a:fillRef>
+          <a:effectRef idx="0">
+            <a:schemeClr val="accent1"/>
+          </a:effectRef>
+          <a:fontRef idx="minor">
+            <a:schemeClr val="tx1"/>
+          </a:fontRef>
+        </p:style>
+      </p:cxnSp>
+      <p:cxnSp>
+        <p:nvCxnSpPr>
+          <p:cNvPr id="109" name="Straight Arrow Connector 108"/>
+          <p:cNvCxnSpPr/>
+          <p:nvPr/>
+        </p:nvCxnSpPr>
+        <p:spPr>
+          <a:xfrm flipV="1">
+            <a:off x="2242461" y="815701"/>
+            <a:ext cx="619169" cy="1363143"/>
+          </a:xfrm>
+          <a:prstGeom prst="straightConnector1">
+            <a:avLst/>
+          </a:prstGeom>
+          <a:ln w="28575">
+            <a:tailEnd type="triangle"/>
+          </a:ln>
+        </p:spPr>
+        <p:style>
+          <a:lnRef idx="1">
+            <a:schemeClr val="accent1"/>
+          </a:lnRef>
+          <a:fillRef idx="0">
+            <a:schemeClr val="accent1"/>
+          </a:fillRef>
+          <a:effectRef idx="0">
+            <a:schemeClr val="accent1"/>
+          </a:effectRef>
+          <a:fontRef idx="minor">
+            <a:schemeClr val="tx1"/>
+          </a:fontRef>
+        </p:style>
+      </p:cxnSp>
+      <p:sp>
+        <p:nvSpPr>
+          <p:cNvPr id="2" name="Title 1"/>
+          <p:cNvSpPr>
+            <a:spLocks noGrp="1"/>
+          </p:cNvSpPr>
+          <p:nvPr>
+            <p:ph type="title"/>
+          </p:nvPr>
+        </p:nvSpPr>
+        <p:spPr>
+          <a:xfrm>
+            <a:off x="110413" y="-261310"/>
+            <a:ext cx="10515600" cy="1325563"/>
+          </a:xfrm>
+        </p:spPr>
+        <p:txBody>
+          <a:bodyPr/>
+          <a:lstStyle/>
+          <a:p>
+            <a:r>
+              <a:rPr lang="en-US" dirty="0"/>
+              <a:t>Another Possible Approach</a:t>
+            </a:r>
+          </a:p>
+        </p:txBody>
+      </p:sp>
+      <p:sp>
+        <p:nvSpPr>
+          <p:cNvPr id="37" name="Rectangle 36"/>
+          <p:cNvSpPr/>
+          <p:nvPr/>
+        </p:nvSpPr>
+        <p:spPr>
+          <a:xfrm>
+            <a:off x="449174" y="929432"/>
+            <a:ext cx="1451994" cy="1048624"/>
+          </a:xfrm>
+          <a:prstGeom prst="rect">
+            <a:avLst/>
+          </a:prstGeom>
+          <a:solidFill>
+            <a:schemeClr val="accent2"/>
+          </a:solidFill>
+        </p:spPr>
+        <p:style>
+          <a:lnRef idx="2">
+            <a:schemeClr val="accent1">
+              <a:shade val="50000"/>
+            </a:schemeClr>
+          </a:lnRef>
+          <a:fillRef idx="1">
+            <a:schemeClr val="accent1"/>
+          </a:fillRef>
+          <a:effectRef idx="0">
+            <a:schemeClr val="accent1"/>
+          </a:effectRef>
+          <a:fontRef idx="minor">
+            <a:schemeClr val="lt1"/>
+          </a:fontRef>
+        </p:style>
+        <p:txBody>
+          <a:bodyPr rtlCol="0" anchor="ctr"/>
+          <a:lstStyle/>
+          <a:p>
+            <a:pPr algn="ctr"/>
+            <a:r>
+              <a:rPr lang="en-US" dirty="0"/>
+              <a:t>Gyro Data (XYZ)</a:t>
+            </a:r>
+          </a:p>
+          <a:p>
+            <a:pPr algn="ctr"/>
+            <a:r>
+              <a:rPr lang="en-US" dirty="0"/>
+              <a:t>Angular Rate</a:t>
+            </a:r>
+          </a:p>
+        </p:txBody>
+      </p:sp>
+      <p:sp>
+        <p:nvSpPr>
+          <p:cNvPr id="38" name="Rectangle 37"/>
+          <p:cNvSpPr/>
+          <p:nvPr/>
+        </p:nvSpPr>
+        <p:spPr>
+          <a:xfrm>
+            <a:off x="5315644" y="1338728"/>
+            <a:ext cx="503339" cy="398171"/>
+          </a:xfrm>
+          <a:prstGeom prst="rect">
+            <a:avLst/>
+          </a:prstGeom>
+          <a:solidFill>
+            <a:srgbClr val="FFC000"/>
+          </a:solidFill>
+        </p:spPr>
+        <p:style>
+          <a:lnRef idx="2">
+            <a:schemeClr val="accent1">
+              <a:shade val="50000"/>
+            </a:schemeClr>
+          </a:lnRef>
+          <a:fillRef idx="1">
+            <a:schemeClr val="accent1"/>
+          </a:fillRef>
+          <a:effectRef idx="0">
+            <a:schemeClr val="accent1"/>
+          </a:effectRef>
+          <a:fontRef idx="minor">
+            <a:schemeClr val="lt1"/>
+          </a:fontRef>
+        </p:style>
+        <p:txBody>
+          <a:bodyPr rtlCol="0" anchor="ctr"/>
+          <a:lstStyle/>
+          <a:p>
+            <a:pPr algn="ctr"/>
+            <a:r>
+              <a:rPr lang="en-US" dirty="0"/>
+              <a:t>x</a:t>
+            </a:r>
+          </a:p>
+        </p:txBody>
+      </p:sp>
+      <p:sp>
+        <p:nvSpPr>
+          <p:cNvPr id="39" name="Rectangle 38"/>
+          <p:cNvSpPr/>
+          <p:nvPr/>
+        </p:nvSpPr>
+        <p:spPr>
+          <a:xfrm>
+            <a:off x="6106481" y="1013501"/>
+            <a:ext cx="1451994" cy="1048624"/>
+          </a:xfrm>
+          <a:prstGeom prst="rect">
+            <a:avLst/>
+          </a:prstGeom>
+        </p:spPr>
+        <p:style>
+          <a:lnRef idx="2">
+            <a:schemeClr val="accent1">
+              <a:shade val="50000"/>
+            </a:schemeClr>
+          </a:lnRef>
+          <a:fillRef idx="1">
+            <a:schemeClr val="accent1"/>
+          </a:fillRef>
+          <a:effectRef idx="0">
+            <a:schemeClr val="accent1"/>
+          </a:effectRef>
+          <a:fontRef idx="minor">
+            <a:schemeClr val="lt1"/>
+          </a:fontRef>
+        </p:style>
+        <p:txBody>
+          <a:bodyPr rtlCol="0" anchor="ctr"/>
+          <a:lstStyle/>
+          <a:p>
+            <a:pPr algn="ctr"/>
+            <a:r>
+              <a:rPr lang="en-US" dirty="0"/>
+              <a:t>New Attitude Est (3x3)</a:t>
+            </a:r>
+          </a:p>
+        </p:txBody>
+      </p:sp>
+      <p:sp>
+        <p:nvSpPr>
+          <p:cNvPr id="40" name="Rectangle 39"/>
+          <p:cNvSpPr/>
+          <p:nvPr/>
+        </p:nvSpPr>
+        <p:spPr>
+          <a:xfrm>
+            <a:off x="4776476" y="2130515"/>
+            <a:ext cx="1581674" cy="1302785"/>
+          </a:xfrm>
+          <a:prstGeom prst="rect">
+            <a:avLst/>
+          </a:prstGeom>
+        </p:spPr>
+        <p:style>
+          <a:lnRef idx="2">
+            <a:schemeClr val="accent1">
+              <a:shade val="50000"/>
+            </a:schemeClr>
+          </a:lnRef>
+          <a:fillRef idx="1">
+            <a:schemeClr val="accent1"/>
+          </a:fillRef>
+          <a:effectRef idx="0">
+            <a:schemeClr val="accent1"/>
+          </a:effectRef>
+          <a:fontRef idx="minor">
+            <a:schemeClr val="lt1"/>
+          </a:fontRef>
+        </p:style>
+        <p:txBody>
+          <a:bodyPr rtlCol="0" anchor="ctr"/>
+          <a:lstStyle/>
+          <a:p>
+            <a:pPr algn="ctr"/>
+            <a:r>
+              <a:rPr lang="en-US" dirty="0"/>
+              <a:t>Current Attitude Est (3x3)</a:t>
+            </a:r>
+          </a:p>
+        </p:txBody>
+      </p:sp>
+      <p:sp>
+        <p:nvSpPr>
+          <p:cNvPr id="41" name="Rectangle 40"/>
+          <p:cNvSpPr/>
+          <p:nvPr/>
+        </p:nvSpPr>
+        <p:spPr>
+          <a:xfrm>
+            <a:off x="3830853" y="1087173"/>
+            <a:ext cx="1238338" cy="899566"/>
+          </a:xfrm>
+          <a:prstGeom prst="rect">
+            <a:avLst/>
+          </a:prstGeom>
+          <a:solidFill>
+            <a:srgbClr val="FFC000"/>
+          </a:solidFill>
+        </p:spPr>
+        <p:style>
+          <a:lnRef idx="2">
+            <a:schemeClr val="accent1">
+              <a:shade val="50000"/>
+            </a:schemeClr>
+          </a:lnRef>
+          <a:fillRef idx="1">
+            <a:schemeClr val="accent1"/>
+          </a:fillRef>
+          <a:effectRef idx="0">
+            <a:schemeClr val="accent1"/>
+          </a:effectRef>
+          <a:fontRef idx="minor">
+            <a:schemeClr val="lt1"/>
+          </a:fontRef>
+        </p:style>
+        <p:txBody>
+          <a:bodyPr rot="0" spcFirstLastPara="0" vertOverflow="overflow" horzOverflow="overflow" vert="horz" wrap="square" lIns="91440" tIns="45720" rIns="91440" bIns="45720" numCol="1" spcCol="0" rtlCol="0" fromWordArt="0" anchor="ctr" anchorCtr="0" forceAA="0" compatLnSpc="1">
+            <a:prstTxWarp prst="textNoShape">
+              <a:avLst/>
+            </a:prstTxWarp>
+            <a:noAutofit/>
+          </a:bodyPr>
+          <a:lstStyle/>
+          <a:p>
+            <a:pPr algn="ctr"/>
+            <a:r>
+              <a:rPr lang="en-US" dirty="0"/>
+              <a:t>Convert to DCM</a:t>
+            </a:r>
+          </a:p>
+          <a:p>
+            <a:pPr algn="ctr"/>
+            <a:r>
+              <a:rPr lang="en-US" dirty="0"/>
+              <a:t>(3x3)</a:t>
+            </a:r>
+          </a:p>
+        </p:txBody>
+      </p:sp>
+      <p:cxnSp>
+        <p:nvCxnSpPr>
+          <p:cNvPr id="43" name="Straight Arrow Connector 42"/>
+          <p:cNvCxnSpPr>
+            <a:cxnSpLocks/>
+            <a:stCxn id="41" idx="3"/>
+            <a:endCxn id="38" idx="1"/>
+          </p:cNvCxnSpPr>
+          <p:nvPr/>
+        </p:nvCxnSpPr>
+        <p:spPr>
+          <a:xfrm>
+            <a:off x="5069191" y="1536956"/>
+            <a:ext cx="246453" cy="858"/>
+          </a:xfrm>
+          <a:prstGeom prst="straightConnector1">
+            <a:avLst/>
+          </a:prstGeom>
+          <a:ln w="28575">
+            <a:tailEnd type="triangle"/>
+          </a:ln>
+        </p:spPr>
+        <p:style>
+          <a:lnRef idx="1">
+            <a:schemeClr val="accent1"/>
+          </a:lnRef>
+          <a:fillRef idx="0">
+            <a:schemeClr val="accent1"/>
+          </a:fillRef>
+          <a:effectRef idx="0">
+            <a:schemeClr val="accent1"/>
+          </a:effectRef>
+          <a:fontRef idx="minor">
+            <a:schemeClr val="tx1"/>
+          </a:fontRef>
+        </p:style>
+      </p:cxnSp>
+      <p:cxnSp>
+        <p:nvCxnSpPr>
+          <p:cNvPr id="44" name="Straight Arrow Connector 43"/>
+          <p:cNvCxnSpPr>
+            <a:cxnSpLocks/>
+            <a:stCxn id="38" idx="3"/>
+            <a:endCxn id="39" idx="1"/>
+          </p:cNvCxnSpPr>
+          <p:nvPr/>
+        </p:nvCxnSpPr>
+        <p:spPr>
+          <a:xfrm flipV="1">
+            <a:off x="5818983" y="1537813"/>
+            <a:ext cx="287498" cy="1"/>
+          </a:xfrm>
+          <a:prstGeom prst="straightConnector1">
+            <a:avLst/>
+          </a:prstGeom>
+          <a:ln w="28575">
+            <a:tailEnd type="triangle"/>
+          </a:ln>
+        </p:spPr>
+        <p:style>
+          <a:lnRef idx="1">
+            <a:schemeClr val="accent1"/>
+          </a:lnRef>
+          <a:fillRef idx="0">
+            <a:schemeClr val="accent1"/>
+          </a:fillRef>
+          <a:effectRef idx="0">
+            <a:schemeClr val="accent1"/>
+          </a:effectRef>
+          <a:fontRef idx="minor">
+            <a:schemeClr val="tx1"/>
+          </a:fontRef>
+        </p:style>
+      </p:cxnSp>
+      <p:cxnSp>
+        <p:nvCxnSpPr>
+          <p:cNvPr id="45" name="Straight Arrow Connector 44"/>
+          <p:cNvCxnSpPr>
+            <a:cxnSpLocks/>
+            <a:endCxn id="38" idx="2"/>
+          </p:cNvCxnSpPr>
+          <p:nvPr/>
+        </p:nvCxnSpPr>
+        <p:spPr>
+          <a:xfrm flipV="1">
+            <a:off x="5567313" y="1736899"/>
+            <a:ext cx="1" cy="408928"/>
+          </a:xfrm>
+          <a:prstGeom prst="straightConnector1">
+            <a:avLst/>
+          </a:prstGeom>
+          <a:ln w="28575">
+            <a:tailEnd type="triangle"/>
+          </a:ln>
+        </p:spPr>
+        <p:style>
+          <a:lnRef idx="1">
+            <a:schemeClr val="accent1"/>
+          </a:lnRef>
+          <a:fillRef idx="0">
+            <a:schemeClr val="accent1"/>
+          </a:fillRef>
+          <a:effectRef idx="0">
+            <a:schemeClr val="accent1"/>
+          </a:effectRef>
+          <a:fontRef idx="minor">
+            <a:schemeClr val="tx1"/>
+          </a:fontRef>
+        </p:style>
+      </p:cxnSp>
+      <p:sp>
+        <p:nvSpPr>
+          <p:cNvPr id="46" name="Rectangle 45"/>
+          <p:cNvSpPr/>
+          <p:nvPr/>
+        </p:nvSpPr>
+        <p:spPr>
+          <a:xfrm>
+            <a:off x="590929" y="4448305"/>
+            <a:ext cx="1628835" cy="1165846"/>
+          </a:xfrm>
+          <a:prstGeom prst="rect">
+            <a:avLst/>
+          </a:prstGeom>
+          <a:solidFill>
+            <a:schemeClr val="accent2"/>
+          </a:solidFill>
+        </p:spPr>
+        <p:style>
+          <a:lnRef idx="2">
+            <a:schemeClr val="accent1">
+              <a:shade val="50000"/>
+            </a:schemeClr>
+          </a:lnRef>
+          <a:fillRef idx="1">
+            <a:schemeClr val="accent1"/>
+          </a:fillRef>
+          <a:effectRef idx="0">
+            <a:schemeClr val="accent1"/>
+          </a:effectRef>
+          <a:fontRef idx="minor">
+            <a:schemeClr val="lt1"/>
+          </a:fontRef>
+        </p:style>
+        <p:txBody>
+          <a:bodyPr rtlCol="0" anchor="ctr"/>
+          <a:lstStyle/>
+          <a:p>
+            <a:pPr algn="ctr"/>
+            <a:r>
+              <a:rPr lang="en-US" dirty="0"/>
+              <a:t>Accelerometer Data</a:t>
+            </a:r>
+          </a:p>
+        </p:txBody>
+      </p:sp>
+      <p:sp>
+        <p:nvSpPr>
+          <p:cNvPr id="47" name="Rectangle 46"/>
+          <p:cNvSpPr/>
+          <p:nvPr/>
+        </p:nvSpPr>
+        <p:spPr>
+          <a:xfrm>
+            <a:off x="7776287" y="976891"/>
+            <a:ext cx="1638956" cy="1168936"/>
+          </a:xfrm>
+          <a:prstGeom prst="rect">
+            <a:avLst/>
+          </a:prstGeom>
+          <a:solidFill>
+            <a:srgbClr val="FFC000"/>
+          </a:solidFill>
+        </p:spPr>
+        <p:style>
+          <a:lnRef idx="2">
+            <a:schemeClr val="accent1">
+              <a:shade val="50000"/>
+            </a:schemeClr>
+          </a:lnRef>
+          <a:fillRef idx="1">
+            <a:schemeClr val="accent1"/>
+          </a:fillRef>
+          <a:effectRef idx="0">
+            <a:schemeClr val="accent1"/>
+          </a:effectRef>
+          <a:fontRef idx="minor">
+            <a:schemeClr val="lt1"/>
+          </a:fontRef>
+        </p:style>
+        <p:txBody>
+          <a:bodyPr rot="0" spcFirstLastPara="0" vertOverflow="overflow" horzOverflow="overflow" vert="horz" wrap="square" lIns="91440" tIns="45720" rIns="91440" bIns="45720" numCol="1" spcCol="0" rtlCol="0" fromWordArt="0" anchor="ctr" anchorCtr="0" forceAA="0" compatLnSpc="1">
+            <a:prstTxWarp prst="textNoShape">
+              <a:avLst/>
+            </a:prstTxWarp>
+            <a:noAutofit/>
+          </a:bodyPr>
+          <a:lstStyle/>
+          <a:p>
+            <a:pPr algn="ctr"/>
+            <a:r>
+              <a:rPr lang="en-US" sz="1400" dirty="0"/>
+              <a:t>Convert to Euler Angles (</a:t>
+            </a:r>
+            <a:r>
+              <a:rPr lang="el-GR" sz="1400" dirty="0"/>
+              <a:t>Ψ</a:t>
+            </a:r>
+            <a:r>
+              <a:rPr lang="en-US" sz="1400" dirty="0"/>
+              <a:t>,</a:t>
+            </a:r>
+            <a:r>
+              <a:rPr lang="el-GR" sz="1400" dirty="0"/>
+              <a:t>Θ</a:t>
+            </a:r>
+            <a:r>
+              <a:rPr lang="en-US" sz="1400" dirty="0"/>
+              <a:t>,</a:t>
+            </a:r>
+            <a:r>
+              <a:rPr lang="el-GR" sz="1400" dirty="0"/>
+              <a:t> Φ</a:t>
+            </a:r>
+            <a:r>
+              <a:rPr lang="en-US" sz="1400" dirty="0"/>
+              <a:t>)</a:t>
+            </a:r>
+          </a:p>
+        </p:txBody>
+      </p:sp>
+      <p:cxnSp>
+        <p:nvCxnSpPr>
+          <p:cNvPr id="48" name="Straight Arrow Connector 47"/>
+          <p:cNvCxnSpPr>
+            <a:cxnSpLocks/>
+          </p:cNvCxnSpPr>
+          <p:nvPr/>
+        </p:nvCxnSpPr>
+        <p:spPr>
+          <a:xfrm flipV="1">
+            <a:off x="7525782" y="1554602"/>
+            <a:ext cx="287498" cy="1"/>
+          </a:xfrm>
+          <a:prstGeom prst="straightConnector1">
+            <a:avLst/>
+          </a:prstGeom>
+          <a:ln w="28575">
+            <a:tailEnd type="triangle"/>
+          </a:ln>
+        </p:spPr>
+        <p:style>
+          <a:lnRef idx="1">
+            <a:schemeClr val="accent1"/>
+          </a:lnRef>
+          <a:fillRef idx="0">
+            <a:schemeClr val="accent1"/>
+          </a:fillRef>
+          <a:effectRef idx="0">
+            <a:schemeClr val="accent1"/>
+          </a:effectRef>
+          <a:fontRef idx="minor">
+            <a:schemeClr val="tx1"/>
+          </a:fontRef>
+        </p:style>
+      </p:cxnSp>
+      <p:sp>
+        <p:nvSpPr>
+          <p:cNvPr id="49" name="Rectangle 48"/>
+          <p:cNvSpPr/>
+          <p:nvPr/>
+        </p:nvSpPr>
+        <p:spPr>
+          <a:xfrm>
+            <a:off x="2564536" y="4514875"/>
+            <a:ext cx="1734529" cy="1032706"/>
+          </a:xfrm>
+          <a:prstGeom prst="rect">
+            <a:avLst/>
+          </a:prstGeom>
+          <a:solidFill>
+            <a:srgbClr val="FFC000"/>
+          </a:solidFill>
+        </p:spPr>
+        <p:style>
+          <a:lnRef idx="2">
+            <a:schemeClr val="accent1">
+              <a:shade val="50000"/>
+            </a:schemeClr>
+          </a:lnRef>
+          <a:fillRef idx="1">
+            <a:schemeClr val="accent1"/>
+          </a:fillRef>
+          <a:effectRef idx="0">
+            <a:schemeClr val="accent1"/>
+          </a:effectRef>
+          <a:fontRef idx="minor">
+            <a:schemeClr val="lt1"/>
+          </a:fontRef>
+        </p:style>
+        <p:txBody>
+          <a:bodyPr rot="0" spcFirstLastPara="0" vertOverflow="overflow" horzOverflow="overflow" vert="horz" wrap="square" lIns="91440" tIns="45720" rIns="91440" bIns="45720" numCol="1" spcCol="0" rtlCol="0" fromWordArt="0" anchor="ctr" anchorCtr="0" forceAA="0" compatLnSpc="1">
+            <a:prstTxWarp prst="textNoShape">
+              <a:avLst/>
+            </a:prstTxWarp>
+            <a:noAutofit/>
+          </a:bodyPr>
+          <a:lstStyle/>
+          <a:p>
+            <a:pPr algn="ctr"/>
+            <a:r>
+              <a:rPr lang="en-US" dirty="0"/>
+              <a:t>Is total acceleration magnitude ~1G?</a:t>
+            </a:r>
+          </a:p>
+        </p:txBody>
+      </p:sp>
+      <p:cxnSp>
+        <p:nvCxnSpPr>
+          <p:cNvPr id="50" name="Straight Arrow Connector 49"/>
+          <p:cNvCxnSpPr>
+            <a:cxnSpLocks/>
+            <a:stCxn id="46" idx="3"/>
+            <a:endCxn id="49" idx="1"/>
+          </p:cNvCxnSpPr>
+          <p:nvPr/>
+        </p:nvCxnSpPr>
+        <p:spPr>
+          <a:xfrm>
+            <a:off x="2219764" y="5031228"/>
+            <a:ext cx="344772" cy="0"/>
+          </a:xfrm>
+          <a:prstGeom prst="straightConnector1">
+            <a:avLst/>
+          </a:prstGeom>
+          <a:ln w="28575">
+            <a:tailEnd type="triangle"/>
+          </a:ln>
+        </p:spPr>
+        <p:style>
+          <a:lnRef idx="1">
+            <a:schemeClr val="accent1"/>
+          </a:lnRef>
+          <a:fillRef idx="0">
+            <a:schemeClr val="accent1"/>
+          </a:fillRef>
+          <a:effectRef idx="0">
+            <a:schemeClr val="accent1"/>
+          </a:effectRef>
+          <a:fontRef idx="minor">
+            <a:schemeClr val="tx1"/>
+          </a:fontRef>
+        </p:style>
+      </p:cxnSp>
+      <p:cxnSp>
+        <p:nvCxnSpPr>
+          <p:cNvPr id="51" name="Straight Arrow Connector 50"/>
+          <p:cNvCxnSpPr>
+            <a:cxnSpLocks/>
+            <a:stCxn id="49" idx="3"/>
+            <a:endCxn id="52" idx="1"/>
+          </p:cNvCxnSpPr>
+          <p:nvPr/>
+        </p:nvCxnSpPr>
+        <p:spPr>
+          <a:xfrm>
+            <a:off x="4299065" y="5031228"/>
+            <a:ext cx="607828" cy="0"/>
+          </a:xfrm>
+          <a:prstGeom prst="straightConnector1">
+            <a:avLst/>
+          </a:prstGeom>
+          <a:ln w="28575">
+            <a:tailEnd type="triangle"/>
+          </a:ln>
+        </p:spPr>
+        <p:style>
+          <a:lnRef idx="1">
+            <a:schemeClr val="accent1"/>
+          </a:lnRef>
+          <a:fillRef idx="0">
+            <a:schemeClr val="accent1"/>
+          </a:fillRef>
+          <a:effectRef idx="0">
+            <a:schemeClr val="accent1"/>
+          </a:effectRef>
+          <a:fontRef idx="minor">
+            <a:schemeClr val="tx1"/>
+          </a:fontRef>
+        </p:style>
+      </p:cxnSp>
+      <p:sp>
+        <p:nvSpPr>
+          <p:cNvPr id="52" name="Rectangle 51"/>
+          <p:cNvSpPr/>
+          <p:nvPr/>
+        </p:nvSpPr>
+        <p:spPr>
+          <a:xfrm>
+            <a:off x="4906893" y="4359158"/>
+            <a:ext cx="2362201" cy="1344140"/>
+          </a:xfrm>
+          <a:prstGeom prst="rect">
+            <a:avLst/>
+          </a:prstGeom>
+          <a:solidFill>
+            <a:srgbClr val="FFC000"/>
+          </a:solidFill>
+        </p:spPr>
+        <p:style>
+          <a:lnRef idx="2">
+            <a:schemeClr val="accent1">
+              <a:shade val="50000"/>
+            </a:schemeClr>
+          </a:lnRef>
+          <a:fillRef idx="1">
+            <a:schemeClr val="accent1"/>
+          </a:fillRef>
+          <a:effectRef idx="0">
+            <a:schemeClr val="accent1"/>
+          </a:effectRef>
+          <a:fontRef idx="minor">
+            <a:schemeClr val="lt1"/>
+          </a:fontRef>
+        </p:style>
+        <p:txBody>
+          <a:bodyPr rot="0" spcFirstLastPara="0" vertOverflow="overflow" horzOverflow="overflow" vert="horz" wrap="square" lIns="91440" tIns="45720" rIns="91440" bIns="45720" numCol="1" spcCol="0" rtlCol="0" fromWordArt="0" anchor="ctr" anchorCtr="0" forceAA="0" compatLnSpc="1">
+            <a:prstTxWarp prst="textNoShape">
+              <a:avLst/>
+            </a:prstTxWarp>
+            <a:noAutofit/>
+          </a:bodyPr>
+          <a:lstStyle/>
+          <a:p>
+            <a:r>
+              <a:rPr lang="en-US" dirty="0"/>
+              <a:t>roll (</a:t>
+            </a:r>
+            <a:r>
+              <a:rPr lang="el-GR" dirty="0"/>
+              <a:t>Ψ</a:t>
+            </a:r>
+            <a:r>
+              <a:rPr lang="en-US" dirty="0"/>
+              <a:t>)= atan2(ay, </a:t>
+            </a:r>
+            <a:r>
+              <a:rPr lang="en-US" dirty="0" err="1"/>
+              <a:t>az</a:t>
+            </a:r>
+            <a:r>
+              <a:rPr lang="en-US" dirty="0"/>
+              <a:t>)</a:t>
+            </a:r>
+          </a:p>
+          <a:p>
+            <a:r>
+              <a:rPr lang="en-US" dirty="0"/>
+              <a:t>pitch(</a:t>
+            </a:r>
+            <a:r>
+              <a:rPr lang="el-GR" dirty="0"/>
+              <a:t>Θ</a:t>
+            </a:r>
+            <a:r>
+              <a:rPr lang="en-US" dirty="0"/>
+              <a:t>) = -sin(ax)</a:t>
+            </a:r>
+          </a:p>
+        </p:txBody>
+      </p:sp>
+      <p:sp>
+        <p:nvSpPr>
+          <p:cNvPr id="53" name="TextBox 52"/>
+          <p:cNvSpPr txBox="1"/>
+          <p:nvPr/>
+        </p:nvSpPr>
+        <p:spPr>
+          <a:xfrm>
+            <a:off x="4299065" y="4804705"/>
+            <a:ext cx="477548" cy="276999"/>
+          </a:xfrm>
+          <a:prstGeom prst="rect">
+            <a:avLst/>
+          </a:prstGeom>
+          <a:noFill/>
+        </p:spPr>
+        <p:txBody>
+          <a:bodyPr wrap="square" rtlCol="0">
+            <a:spAutoFit/>
+          </a:bodyPr>
+          <a:lstStyle/>
+          <a:p>
+            <a:r>
+              <a:rPr lang="en-US" sz="1200" dirty="0"/>
+              <a:t>YES</a:t>
+            </a:r>
+          </a:p>
+        </p:txBody>
+      </p:sp>
+      <p:sp>
+        <p:nvSpPr>
+          <p:cNvPr id="54" name="TextBox 53"/>
+          <p:cNvSpPr txBox="1"/>
+          <p:nvPr/>
+        </p:nvSpPr>
+        <p:spPr>
+          <a:xfrm>
+            <a:off x="3582016" y="5588278"/>
+            <a:ext cx="477548" cy="276999"/>
+          </a:xfrm>
+          <a:prstGeom prst="rect">
+            <a:avLst/>
+          </a:prstGeom>
+          <a:noFill/>
+        </p:spPr>
+        <p:txBody>
+          <a:bodyPr wrap="square" rtlCol="0">
+            <a:spAutoFit/>
+          </a:bodyPr>
+          <a:lstStyle/>
+          <a:p>
+            <a:r>
+              <a:rPr lang="en-US" sz="1200" dirty="0"/>
+              <a:t>No</a:t>
+            </a:r>
+          </a:p>
+        </p:txBody>
+      </p:sp>
+      <p:sp>
+        <p:nvSpPr>
+          <p:cNvPr id="55" name="Rectangle 54"/>
+          <p:cNvSpPr/>
+          <p:nvPr/>
+        </p:nvSpPr>
+        <p:spPr>
+          <a:xfrm>
+            <a:off x="2636562" y="5896767"/>
+            <a:ext cx="1590475" cy="827787"/>
+          </a:xfrm>
+          <a:prstGeom prst="rect">
+            <a:avLst/>
+          </a:prstGeom>
+          <a:solidFill>
+            <a:srgbClr val="FFC000"/>
+          </a:solidFill>
+        </p:spPr>
+        <p:style>
+          <a:lnRef idx="2">
+            <a:schemeClr val="accent1">
+              <a:shade val="50000"/>
+            </a:schemeClr>
+          </a:lnRef>
+          <a:fillRef idx="1">
+            <a:schemeClr val="accent1"/>
+          </a:fillRef>
+          <a:effectRef idx="0">
+            <a:schemeClr val="accent1"/>
+          </a:effectRef>
+          <a:fontRef idx="minor">
+            <a:schemeClr val="lt1"/>
+          </a:fontRef>
+        </p:style>
+        <p:txBody>
+          <a:bodyPr rot="0" spcFirstLastPara="0" vertOverflow="overflow" horzOverflow="overflow" vert="horz" wrap="square" lIns="91440" tIns="45720" rIns="91440" bIns="45720" numCol="1" spcCol="0" rtlCol="0" fromWordArt="0" anchor="ctr" anchorCtr="0" forceAA="0" compatLnSpc="1">
+            <a:prstTxWarp prst="textNoShape">
+              <a:avLst/>
+            </a:prstTxWarp>
+            <a:noAutofit/>
+          </a:bodyPr>
+          <a:lstStyle/>
+          <a:p>
+            <a:r>
+              <a:rPr lang="en-US" dirty="0"/>
+              <a:t>No valid measurement</a:t>
+            </a:r>
+          </a:p>
+        </p:txBody>
+      </p:sp>
+      <p:cxnSp>
+        <p:nvCxnSpPr>
+          <p:cNvPr id="56" name="Straight Arrow Connector 55"/>
+          <p:cNvCxnSpPr>
+            <a:cxnSpLocks/>
+            <a:stCxn id="49" idx="2"/>
+            <a:endCxn id="55" idx="0"/>
+          </p:cNvCxnSpPr>
+          <p:nvPr/>
+        </p:nvCxnSpPr>
+        <p:spPr>
+          <a:xfrm flipH="1">
+            <a:off x="3431800" y="5547581"/>
+            <a:ext cx="1" cy="349186"/>
+          </a:xfrm>
+          <a:prstGeom prst="straightConnector1">
+            <a:avLst/>
+          </a:prstGeom>
+          <a:ln w="28575">
+            <a:tailEnd type="triangle"/>
+          </a:ln>
+        </p:spPr>
+        <p:style>
+          <a:lnRef idx="1">
+            <a:schemeClr val="accent1"/>
+          </a:lnRef>
+          <a:fillRef idx="0">
+            <a:schemeClr val="accent1"/>
+          </a:fillRef>
+          <a:effectRef idx="0">
+            <a:schemeClr val="accent1"/>
+          </a:effectRef>
+          <a:fontRef idx="minor">
+            <a:schemeClr val="tx1"/>
+          </a:fontRef>
+        </p:style>
+      </p:cxnSp>
+      <p:cxnSp>
+        <p:nvCxnSpPr>
+          <p:cNvPr id="59" name="Straight Arrow Connector 58"/>
+          <p:cNvCxnSpPr>
+            <a:cxnSpLocks/>
+          </p:cNvCxnSpPr>
+          <p:nvPr/>
+        </p:nvCxnSpPr>
+        <p:spPr>
+          <a:xfrm>
+            <a:off x="7291491" y="5445355"/>
+            <a:ext cx="324928" cy="0"/>
+          </a:xfrm>
+          <a:prstGeom prst="straightConnector1">
+            <a:avLst/>
+          </a:prstGeom>
+          <a:ln w="28575">
+            <a:tailEnd type="triangle"/>
+          </a:ln>
+        </p:spPr>
+        <p:style>
+          <a:lnRef idx="1">
+            <a:schemeClr val="accent1"/>
+          </a:lnRef>
+          <a:fillRef idx="0">
+            <a:schemeClr val="accent1"/>
+          </a:fillRef>
+          <a:effectRef idx="0">
+            <a:schemeClr val="accent1"/>
+          </a:effectRef>
+          <a:fontRef idx="minor">
+            <a:schemeClr val="tx1"/>
+          </a:fontRef>
+        </p:style>
+      </p:cxnSp>
+      <p:sp>
+        <p:nvSpPr>
+          <p:cNvPr id="70" name="Rectangle 69"/>
+          <p:cNvSpPr/>
+          <p:nvPr/>
+        </p:nvSpPr>
+        <p:spPr>
+          <a:xfrm>
+            <a:off x="9793639" y="1047553"/>
+            <a:ext cx="516551" cy="442952"/>
+          </a:xfrm>
+          <a:prstGeom prst="rect">
+            <a:avLst/>
+          </a:prstGeom>
+        </p:spPr>
+        <p:style>
+          <a:lnRef idx="2">
+            <a:schemeClr val="accent1">
+              <a:shade val="50000"/>
+            </a:schemeClr>
+          </a:lnRef>
+          <a:fillRef idx="1">
+            <a:schemeClr val="accent1"/>
+          </a:fillRef>
+          <a:effectRef idx="0">
+            <a:schemeClr val="accent1"/>
+          </a:effectRef>
+          <a:fontRef idx="minor">
+            <a:schemeClr val="lt1"/>
+          </a:fontRef>
+        </p:style>
+        <p:txBody>
+          <a:bodyPr rtlCol="0" anchor="ctr"/>
+          <a:lstStyle/>
+          <a:p>
+            <a:pPr algn="ctr"/>
+            <a:r>
+              <a:rPr lang="el-GR" dirty="0"/>
+              <a:t>Ψ</a:t>
+            </a:r>
+            <a:endParaRPr lang="en-US" dirty="0"/>
+          </a:p>
+        </p:txBody>
+      </p:sp>
+      <p:sp>
+        <p:nvSpPr>
+          <p:cNvPr id="71" name="Rectangle 70"/>
+          <p:cNvSpPr/>
+          <p:nvPr/>
+        </p:nvSpPr>
+        <p:spPr>
+          <a:xfrm>
+            <a:off x="9793639" y="1612702"/>
+            <a:ext cx="516551" cy="442952"/>
+          </a:xfrm>
+          <a:prstGeom prst="rect">
+            <a:avLst/>
+          </a:prstGeom>
+        </p:spPr>
+        <p:style>
+          <a:lnRef idx="2">
+            <a:schemeClr val="accent1">
+              <a:shade val="50000"/>
+            </a:schemeClr>
+          </a:lnRef>
+          <a:fillRef idx="1">
+            <a:schemeClr val="accent1"/>
+          </a:fillRef>
+          <a:effectRef idx="0">
+            <a:schemeClr val="accent1"/>
+          </a:effectRef>
+          <a:fontRef idx="minor">
+            <a:schemeClr val="lt1"/>
+          </a:fontRef>
+        </p:style>
+        <p:txBody>
+          <a:bodyPr rtlCol="0" anchor="ctr"/>
+          <a:lstStyle/>
+          <a:p>
+            <a:pPr algn="ctr"/>
+            <a:r>
+              <a:rPr lang="el-GR" dirty="0"/>
+              <a:t>Θ</a:t>
+            </a:r>
+            <a:endParaRPr lang="en-US" dirty="0"/>
+          </a:p>
+        </p:txBody>
+      </p:sp>
+      <p:sp>
+        <p:nvSpPr>
+          <p:cNvPr id="72" name="Rectangle 71"/>
+          <p:cNvSpPr/>
+          <p:nvPr/>
+        </p:nvSpPr>
+        <p:spPr>
+          <a:xfrm>
+            <a:off x="7636072" y="4473900"/>
+            <a:ext cx="516551" cy="442952"/>
+          </a:xfrm>
+          <a:prstGeom prst="rect">
+            <a:avLst/>
+          </a:prstGeom>
+        </p:spPr>
+        <p:style>
+          <a:lnRef idx="2">
+            <a:schemeClr val="accent1">
+              <a:shade val="50000"/>
+            </a:schemeClr>
+          </a:lnRef>
+          <a:fillRef idx="1">
+            <a:schemeClr val="accent1"/>
+          </a:fillRef>
+          <a:effectRef idx="0">
+            <a:schemeClr val="accent1"/>
+          </a:effectRef>
+          <a:fontRef idx="minor">
+            <a:schemeClr val="lt1"/>
+          </a:fontRef>
+        </p:style>
+        <p:txBody>
+          <a:bodyPr rtlCol="0" anchor="ctr"/>
+          <a:lstStyle/>
+          <a:p>
+            <a:pPr algn="ctr"/>
+            <a:r>
+              <a:rPr lang="el-GR" dirty="0"/>
+              <a:t>Ψ</a:t>
+            </a:r>
+            <a:endParaRPr lang="en-US" dirty="0"/>
+          </a:p>
+        </p:txBody>
+      </p:sp>
+      <p:sp>
+        <p:nvSpPr>
+          <p:cNvPr id="73" name="Rectangle 72"/>
+          <p:cNvSpPr/>
+          <p:nvPr/>
+        </p:nvSpPr>
+        <p:spPr>
+          <a:xfrm>
+            <a:off x="7599872" y="5223879"/>
+            <a:ext cx="516551" cy="442952"/>
+          </a:xfrm>
+          <a:prstGeom prst="rect">
+            <a:avLst/>
+          </a:prstGeom>
+        </p:spPr>
+        <p:style>
+          <a:lnRef idx="2">
+            <a:schemeClr val="accent1">
+              <a:shade val="50000"/>
+            </a:schemeClr>
+          </a:lnRef>
+          <a:fillRef idx="1">
+            <a:schemeClr val="accent1"/>
+          </a:fillRef>
+          <a:effectRef idx="0">
+            <a:schemeClr val="accent1"/>
+          </a:effectRef>
+          <a:fontRef idx="minor">
+            <a:schemeClr val="lt1"/>
+          </a:fontRef>
+        </p:style>
+        <p:txBody>
+          <a:bodyPr rtlCol="0" anchor="ctr"/>
+          <a:lstStyle/>
+          <a:p>
+            <a:pPr algn="ctr"/>
+            <a:r>
+              <a:rPr lang="el-GR" dirty="0"/>
+              <a:t>Θ</a:t>
+            </a:r>
+            <a:endParaRPr lang="en-US" dirty="0"/>
+          </a:p>
+        </p:txBody>
+      </p:sp>
+      <p:sp>
+        <p:nvSpPr>
+          <p:cNvPr id="75" name="Rectangle 74"/>
+          <p:cNvSpPr/>
+          <p:nvPr/>
+        </p:nvSpPr>
+        <p:spPr>
+          <a:xfrm>
+            <a:off x="2219764" y="1081905"/>
+            <a:ext cx="1238338" cy="899566"/>
+          </a:xfrm>
+          <a:prstGeom prst="rect">
+            <a:avLst/>
+          </a:prstGeom>
+          <a:solidFill>
+            <a:srgbClr val="FFC000"/>
+          </a:solidFill>
+        </p:spPr>
+        <p:style>
+          <a:lnRef idx="2">
+            <a:schemeClr val="accent1">
+              <a:shade val="50000"/>
+            </a:schemeClr>
+          </a:lnRef>
+          <a:fillRef idx="1">
+            <a:schemeClr val="accent1"/>
+          </a:fillRef>
+          <a:effectRef idx="0">
+            <a:schemeClr val="accent1"/>
+          </a:effectRef>
+          <a:fontRef idx="minor">
+            <a:schemeClr val="lt1"/>
+          </a:fontRef>
+        </p:style>
+        <p:txBody>
+          <a:bodyPr rot="0" spcFirstLastPara="0" vertOverflow="overflow" horzOverflow="overflow" vert="horz" wrap="square" lIns="91440" tIns="45720" rIns="91440" bIns="45720" numCol="1" spcCol="0" rtlCol="0" fromWordArt="0" anchor="ctr" anchorCtr="0" forceAA="0" compatLnSpc="1">
+            <a:prstTxWarp prst="textNoShape">
+              <a:avLst/>
+            </a:prstTxWarp>
+            <a:noAutofit/>
+          </a:bodyPr>
+          <a:lstStyle/>
+          <a:p>
+            <a:pPr algn="ctr"/>
+            <a:r>
+              <a:rPr lang="en-US" dirty="0"/>
+              <a:t>Adaptive Filter</a:t>
+            </a:r>
+          </a:p>
+        </p:txBody>
+      </p:sp>
+      <p:sp>
+        <p:nvSpPr>
+          <p:cNvPr id="76" name="Oval 75"/>
+          <p:cNvSpPr/>
+          <p:nvPr/>
+        </p:nvSpPr>
+        <p:spPr>
+          <a:xfrm>
+            <a:off x="8971120" y="2852183"/>
+            <a:ext cx="513184" cy="531845"/>
+          </a:xfrm>
+          <a:prstGeom prst="ellipse">
+            <a:avLst/>
+          </a:prstGeom>
+          <a:solidFill>
+            <a:srgbClr val="FFC000"/>
+          </a:solidFill>
+        </p:spPr>
+        <p:style>
+          <a:lnRef idx="2">
+            <a:schemeClr val="accent1">
+              <a:shade val="50000"/>
+            </a:schemeClr>
+          </a:lnRef>
+          <a:fillRef idx="1">
+            <a:schemeClr val="accent1"/>
+          </a:fillRef>
+          <a:effectRef idx="0">
+            <a:schemeClr val="accent1"/>
+          </a:effectRef>
+          <a:fontRef idx="minor">
+            <a:schemeClr val="lt1"/>
+          </a:fontRef>
+        </p:style>
+        <p:txBody>
+          <a:bodyPr rtlCol="0" anchor="ctr"/>
+          <a:lstStyle/>
+          <a:p>
+            <a:pPr algn="ctr"/>
+            <a:r>
+              <a:rPr lang="el-GR" dirty="0"/>
+              <a:t>Σ</a:t>
+            </a:r>
+            <a:endParaRPr lang="en-US" dirty="0"/>
+          </a:p>
+        </p:txBody>
+      </p:sp>
+      <p:sp>
+        <p:nvSpPr>
+          <p:cNvPr id="77" name="Oval 76"/>
+          <p:cNvSpPr/>
+          <p:nvPr/>
+        </p:nvSpPr>
+        <p:spPr>
+          <a:xfrm>
+            <a:off x="9854649" y="3498073"/>
+            <a:ext cx="513184" cy="531845"/>
+          </a:xfrm>
+          <a:prstGeom prst="ellipse">
+            <a:avLst/>
+          </a:prstGeom>
+          <a:solidFill>
+            <a:srgbClr val="FFC000"/>
+          </a:solidFill>
+        </p:spPr>
+        <p:style>
+          <a:lnRef idx="2">
+            <a:schemeClr val="accent1">
+              <a:shade val="50000"/>
+            </a:schemeClr>
+          </a:lnRef>
+          <a:fillRef idx="1">
+            <a:schemeClr val="accent1"/>
+          </a:fillRef>
+          <a:effectRef idx="0">
+            <a:schemeClr val="accent1"/>
+          </a:effectRef>
+          <a:fontRef idx="minor">
+            <a:schemeClr val="lt1"/>
+          </a:fontRef>
+        </p:style>
+        <p:txBody>
+          <a:bodyPr rtlCol="0" anchor="ctr"/>
+          <a:lstStyle/>
+          <a:p>
+            <a:pPr algn="ctr"/>
+            <a:r>
+              <a:rPr lang="el-GR" dirty="0"/>
+              <a:t>Σ</a:t>
+            </a:r>
+            <a:endParaRPr lang="en-US" dirty="0"/>
+          </a:p>
+        </p:txBody>
+      </p:sp>
+      <p:cxnSp>
+        <p:nvCxnSpPr>
+          <p:cNvPr id="78" name="Straight Arrow Connector 77"/>
+          <p:cNvCxnSpPr>
+            <a:cxnSpLocks/>
+            <a:endCxn id="70" idx="1"/>
+          </p:cNvCxnSpPr>
+          <p:nvPr/>
+        </p:nvCxnSpPr>
+        <p:spPr>
+          <a:xfrm>
+            <a:off x="9429405" y="1265433"/>
+            <a:ext cx="364234" cy="3596"/>
+          </a:xfrm>
+          <a:prstGeom prst="straightConnector1">
+            <a:avLst/>
+          </a:prstGeom>
+          <a:ln w="28575">
+            <a:tailEnd type="triangle"/>
+          </a:ln>
+        </p:spPr>
+        <p:style>
+          <a:lnRef idx="1">
+            <a:schemeClr val="accent1"/>
+          </a:lnRef>
+          <a:fillRef idx="0">
+            <a:schemeClr val="accent1"/>
+          </a:fillRef>
+          <a:effectRef idx="0">
+            <a:schemeClr val="accent1"/>
+          </a:effectRef>
+          <a:fontRef idx="minor">
+            <a:schemeClr val="tx1"/>
+          </a:fontRef>
+        </p:style>
+      </p:cxnSp>
+      <p:cxnSp>
+        <p:nvCxnSpPr>
+          <p:cNvPr id="80" name="Straight Arrow Connector 79"/>
+          <p:cNvCxnSpPr>
+            <a:cxnSpLocks/>
+          </p:cNvCxnSpPr>
+          <p:nvPr/>
+        </p:nvCxnSpPr>
+        <p:spPr>
+          <a:xfrm>
+            <a:off x="9422324" y="1807492"/>
+            <a:ext cx="364234" cy="3596"/>
+          </a:xfrm>
+          <a:prstGeom prst="straightConnector1">
+            <a:avLst/>
+          </a:prstGeom>
+          <a:ln w="28575">
+            <a:tailEnd type="triangle"/>
+          </a:ln>
+        </p:spPr>
+        <p:style>
+          <a:lnRef idx="1">
+            <a:schemeClr val="accent1"/>
+          </a:lnRef>
+          <a:fillRef idx="0">
+            <a:schemeClr val="accent1"/>
+          </a:fillRef>
+          <a:effectRef idx="0">
+            <a:schemeClr val="accent1"/>
+          </a:effectRef>
+          <a:fontRef idx="minor">
+            <a:schemeClr val="tx1"/>
+          </a:fontRef>
+        </p:style>
+      </p:cxnSp>
+      <p:cxnSp>
+        <p:nvCxnSpPr>
+          <p:cNvPr id="81" name="Straight Arrow Connector 80"/>
+          <p:cNvCxnSpPr>
+            <a:cxnSpLocks/>
+          </p:cNvCxnSpPr>
+          <p:nvPr/>
+        </p:nvCxnSpPr>
+        <p:spPr>
+          <a:xfrm>
+            <a:off x="7271838" y="4666185"/>
+            <a:ext cx="364234" cy="3596"/>
+          </a:xfrm>
+          <a:prstGeom prst="straightConnector1">
+            <a:avLst/>
+          </a:prstGeom>
+          <a:ln w="28575">
+            <a:tailEnd type="triangle"/>
+          </a:ln>
+        </p:spPr>
+        <p:style>
+          <a:lnRef idx="1">
+            <a:schemeClr val="accent1"/>
+          </a:lnRef>
+          <a:fillRef idx="0">
+            <a:schemeClr val="accent1"/>
+          </a:fillRef>
+          <a:effectRef idx="0">
+            <a:schemeClr val="accent1"/>
+          </a:effectRef>
+          <a:fontRef idx="minor">
+            <a:schemeClr val="tx1"/>
+          </a:fontRef>
+        </p:style>
+      </p:cxnSp>
+      <p:cxnSp>
+        <p:nvCxnSpPr>
+          <p:cNvPr id="83" name="Connector: Elbow 82"/>
+          <p:cNvCxnSpPr>
+            <a:stCxn id="71" idx="3"/>
+            <a:endCxn id="77" idx="2"/>
+          </p:cNvCxnSpPr>
+          <p:nvPr/>
+        </p:nvCxnSpPr>
+        <p:spPr>
+          <a:xfrm flipH="1">
+            <a:off x="9854649" y="1834178"/>
+            <a:ext cx="455541" cy="1929818"/>
+          </a:xfrm>
+          <a:prstGeom prst="bentConnector5">
+            <a:avLst>
+              <a:gd name="adj1" fmla="val -50182"/>
+              <a:gd name="adj2" fmla="val 48848"/>
+              <a:gd name="adj3" fmla="val 150182"/>
+            </a:avLst>
+          </a:prstGeom>
+          <a:ln w="31750">
+            <a:tailEnd type="triangle"/>
+          </a:ln>
+        </p:spPr>
+        <p:style>
+          <a:lnRef idx="1">
+            <a:schemeClr val="accent1"/>
+          </a:lnRef>
+          <a:fillRef idx="0">
+            <a:schemeClr val="accent1"/>
+          </a:fillRef>
+          <a:effectRef idx="0">
+            <a:schemeClr val="accent1"/>
+          </a:effectRef>
+          <a:fontRef idx="minor">
+            <a:schemeClr val="tx1"/>
+          </a:fontRef>
+        </p:style>
+      </p:cxnSp>
+      <p:cxnSp>
+        <p:nvCxnSpPr>
+          <p:cNvPr id="85" name="Connector: Elbow 84"/>
+          <p:cNvCxnSpPr>
+            <a:stCxn id="70" idx="3"/>
+            <a:endCxn id="76" idx="2"/>
+          </p:cNvCxnSpPr>
+          <p:nvPr/>
+        </p:nvCxnSpPr>
+        <p:spPr>
+          <a:xfrm flipH="1">
+            <a:off x="8971120" y="1269029"/>
+            <a:ext cx="1339070" cy="1849077"/>
+          </a:xfrm>
+          <a:prstGeom prst="bentConnector5">
+            <a:avLst>
+              <a:gd name="adj1" fmla="val -35886"/>
+              <a:gd name="adj2" fmla="val 59899"/>
+              <a:gd name="adj3" fmla="val 137279"/>
+            </a:avLst>
+          </a:prstGeom>
+          <a:ln w="31750">
+            <a:solidFill>
+              <a:schemeClr val="accent2">
+                <a:lumMod val="75000"/>
+              </a:schemeClr>
+            </a:solidFill>
+            <a:tailEnd type="triangle"/>
+          </a:ln>
+        </p:spPr>
+        <p:style>
+          <a:lnRef idx="1">
+            <a:schemeClr val="accent1"/>
+          </a:lnRef>
+          <a:fillRef idx="0">
+            <a:schemeClr val="accent1"/>
+          </a:fillRef>
+          <a:effectRef idx="0">
+            <a:schemeClr val="accent1"/>
+          </a:effectRef>
+          <a:fontRef idx="minor">
+            <a:schemeClr val="tx1"/>
+          </a:fontRef>
+        </p:style>
+      </p:cxnSp>
+      <p:cxnSp>
+        <p:nvCxnSpPr>
+          <p:cNvPr id="91" name="Connector: Elbow 90"/>
+          <p:cNvCxnSpPr>
+            <a:cxnSpLocks/>
+            <a:stCxn id="73" idx="3"/>
+            <a:endCxn id="77" idx="4"/>
+          </p:cNvCxnSpPr>
+          <p:nvPr/>
+        </p:nvCxnSpPr>
+        <p:spPr>
+          <a:xfrm flipV="1">
+            <a:off x="8116423" y="4029918"/>
+            <a:ext cx="1994818" cy="1415437"/>
+          </a:xfrm>
+          <a:prstGeom prst="bentConnector2">
+            <a:avLst/>
+          </a:prstGeom>
+          <a:ln w="31750">
+            <a:tailEnd type="triangle"/>
+          </a:ln>
+        </p:spPr>
+        <p:style>
+          <a:lnRef idx="1">
+            <a:schemeClr val="accent1"/>
+          </a:lnRef>
+          <a:fillRef idx="0">
+            <a:schemeClr val="accent1"/>
+          </a:fillRef>
+          <a:effectRef idx="0">
+            <a:schemeClr val="accent1"/>
+          </a:effectRef>
+          <a:fontRef idx="minor">
+            <a:schemeClr val="tx1"/>
+          </a:fontRef>
+        </p:style>
+      </p:cxnSp>
+      <p:cxnSp>
+        <p:nvCxnSpPr>
+          <p:cNvPr id="96" name="Connector: Elbow 95"/>
+          <p:cNvCxnSpPr>
+            <a:cxnSpLocks/>
+            <a:stCxn id="72" idx="3"/>
+            <a:endCxn id="76" idx="4"/>
+          </p:cNvCxnSpPr>
+          <p:nvPr/>
+        </p:nvCxnSpPr>
+        <p:spPr>
+          <a:xfrm flipV="1">
+            <a:off x="8152623" y="3384028"/>
+            <a:ext cx="1075089" cy="1311348"/>
+          </a:xfrm>
+          <a:prstGeom prst="bentConnector2">
+            <a:avLst/>
+          </a:prstGeom>
+          <a:ln w="31750">
+            <a:solidFill>
+              <a:schemeClr val="accent2">
+                <a:lumMod val="75000"/>
+              </a:schemeClr>
+            </a:solidFill>
+            <a:tailEnd type="triangle"/>
+          </a:ln>
+        </p:spPr>
+        <p:style>
+          <a:lnRef idx="1">
+            <a:schemeClr val="accent1"/>
+          </a:lnRef>
+          <a:fillRef idx="0">
+            <a:schemeClr val="accent1"/>
+          </a:fillRef>
+          <a:effectRef idx="0">
+            <a:schemeClr val="accent1"/>
+          </a:effectRef>
+          <a:fontRef idx="minor">
+            <a:schemeClr val="tx1"/>
+          </a:fontRef>
+        </p:style>
+      </p:cxnSp>
+      <p:sp>
+        <p:nvSpPr>
+          <p:cNvPr id="103" name="TextBox 102"/>
+          <p:cNvSpPr txBox="1"/>
+          <p:nvPr/>
+        </p:nvSpPr>
+        <p:spPr>
+          <a:xfrm>
+            <a:off x="10130400" y="3975235"/>
+            <a:ext cx="457200" cy="369332"/>
+          </a:xfrm>
+          <a:prstGeom prst="rect">
+            <a:avLst/>
+          </a:prstGeom>
+          <a:noFill/>
+        </p:spPr>
+        <p:txBody>
+          <a:bodyPr wrap="square" rtlCol="0">
+            <a:spAutoFit/>
+          </a:bodyPr>
+          <a:lstStyle/>
+          <a:p>
+            <a:r>
+              <a:rPr lang="en-US" dirty="0"/>
+              <a:t>+</a:t>
+            </a:r>
+          </a:p>
+        </p:txBody>
+      </p:sp>
+      <p:sp>
+        <p:nvSpPr>
+          <p:cNvPr id="104" name="TextBox 103"/>
+          <p:cNvSpPr txBox="1"/>
+          <p:nvPr/>
+        </p:nvSpPr>
+        <p:spPr>
+          <a:xfrm>
+            <a:off x="9639284" y="3374596"/>
+            <a:ext cx="457200" cy="369332"/>
+          </a:xfrm>
+          <a:prstGeom prst="rect">
+            <a:avLst/>
+          </a:prstGeom>
+          <a:noFill/>
+        </p:spPr>
+        <p:txBody>
+          <a:bodyPr wrap="square" rtlCol="0">
+            <a:spAutoFit/>
+          </a:bodyPr>
+          <a:lstStyle/>
+          <a:p>
+            <a:r>
+              <a:rPr lang="en-US" dirty="0"/>
+              <a:t>-</a:t>
+            </a:r>
+          </a:p>
+        </p:txBody>
+      </p:sp>
+      <p:sp>
+        <p:nvSpPr>
+          <p:cNvPr id="105" name="TextBox 104"/>
+          <p:cNvSpPr txBox="1"/>
+          <p:nvPr/>
+        </p:nvSpPr>
+        <p:spPr>
+          <a:xfrm>
+            <a:off x="8921425" y="3279939"/>
+            <a:ext cx="457200" cy="369332"/>
+          </a:xfrm>
+          <a:prstGeom prst="rect">
+            <a:avLst/>
+          </a:prstGeom>
+          <a:noFill/>
+        </p:spPr>
+        <p:txBody>
+          <a:bodyPr wrap="square" rtlCol="0">
+            <a:spAutoFit/>
+          </a:bodyPr>
+          <a:lstStyle/>
+          <a:p>
+            <a:r>
+              <a:rPr lang="en-US" dirty="0"/>
+              <a:t>+</a:t>
+            </a:r>
+          </a:p>
+        </p:txBody>
+      </p:sp>
+      <p:sp>
+        <p:nvSpPr>
+          <p:cNvPr id="106" name="TextBox 105"/>
+          <p:cNvSpPr txBox="1"/>
+          <p:nvPr/>
+        </p:nvSpPr>
+        <p:spPr>
+          <a:xfrm>
+            <a:off x="8656632" y="2781907"/>
+            <a:ext cx="457200" cy="369332"/>
+          </a:xfrm>
+          <a:prstGeom prst="rect">
+            <a:avLst/>
+          </a:prstGeom>
+          <a:noFill/>
+        </p:spPr>
+        <p:txBody>
+          <a:bodyPr wrap="square" rtlCol="0">
+            <a:spAutoFit/>
+          </a:bodyPr>
+          <a:lstStyle/>
+          <a:p>
+            <a:r>
+              <a:rPr lang="en-US" dirty="0"/>
+              <a:t>-</a:t>
+            </a:r>
+          </a:p>
+        </p:txBody>
+      </p:sp>
+      <p:sp>
+        <p:nvSpPr>
+          <p:cNvPr id="110" name="Rectangle 109"/>
+          <p:cNvSpPr/>
+          <p:nvPr/>
+        </p:nvSpPr>
+        <p:spPr>
+          <a:xfrm>
+            <a:off x="10715867" y="2985143"/>
+            <a:ext cx="1381407" cy="990091"/>
+          </a:xfrm>
+          <a:prstGeom prst="rect">
+            <a:avLst/>
+          </a:prstGeom>
+        </p:spPr>
+        <p:style>
+          <a:lnRef idx="2">
+            <a:schemeClr val="accent1">
+              <a:shade val="50000"/>
+            </a:schemeClr>
+          </a:lnRef>
+          <a:fillRef idx="1">
+            <a:schemeClr val="accent1"/>
+          </a:fillRef>
+          <a:effectRef idx="0">
+            <a:schemeClr val="accent1"/>
+          </a:effectRef>
+          <a:fontRef idx="minor">
+            <a:schemeClr val="lt1"/>
+          </a:fontRef>
+        </p:style>
+        <p:txBody>
+          <a:bodyPr rtlCol="0" anchor="ctr"/>
+          <a:lstStyle/>
+          <a:p>
+            <a:pPr algn="ctr"/>
+            <a:r>
+              <a:rPr lang="el-GR" dirty="0"/>
+              <a:t>εΨ</a:t>
+            </a:r>
+            <a:r>
+              <a:rPr lang="en-US" dirty="0"/>
+              <a:t>, </a:t>
+            </a:r>
+            <a:r>
+              <a:rPr lang="el-GR" dirty="0"/>
+              <a:t>εΘ</a:t>
+            </a:r>
+            <a:endParaRPr lang="en-US" dirty="0"/>
+          </a:p>
+        </p:txBody>
+      </p:sp>
+      <p:cxnSp>
+        <p:nvCxnSpPr>
+          <p:cNvPr id="113" name="Straight Arrow Connector 112"/>
+          <p:cNvCxnSpPr>
+            <a:cxnSpLocks/>
+          </p:cNvCxnSpPr>
+          <p:nvPr/>
+        </p:nvCxnSpPr>
+        <p:spPr>
+          <a:xfrm flipV="1">
+            <a:off x="9490415" y="3108674"/>
+            <a:ext cx="1225452" cy="1137"/>
+          </a:xfrm>
+          <a:prstGeom prst="straightConnector1">
+            <a:avLst/>
+          </a:prstGeom>
+          <a:ln w="28575">
+            <a:solidFill>
+              <a:schemeClr val="accent2"/>
+            </a:solidFill>
+            <a:tailEnd type="triangle"/>
+          </a:ln>
+        </p:spPr>
+        <p:style>
+          <a:lnRef idx="1">
+            <a:schemeClr val="accent1"/>
+          </a:lnRef>
+          <a:fillRef idx="0">
+            <a:schemeClr val="accent1"/>
+          </a:fillRef>
+          <a:effectRef idx="0">
+            <a:schemeClr val="accent1"/>
+          </a:effectRef>
+          <a:fontRef idx="minor">
+            <a:schemeClr val="tx1"/>
+          </a:fontRef>
+        </p:style>
+      </p:cxnSp>
+      <p:cxnSp>
+        <p:nvCxnSpPr>
+          <p:cNvPr id="115" name="Straight Arrow Connector 114"/>
+          <p:cNvCxnSpPr>
+            <a:cxnSpLocks/>
+          </p:cNvCxnSpPr>
+          <p:nvPr/>
+        </p:nvCxnSpPr>
+        <p:spPr>
+          <a:xfrm>
+            <a:off x="10343438" y="3763995"/>
+            <a:ext cx="364234" cy="3596"/>
+          </a:xfrm>
+          <a:prstGeom prst="straightConnector1">
+            <a:avLst/>
+          </a:prstGeom>
+          <a:ln w="28575">
+            <a:tailEnd type="triangle"/>
+          </a:ln>
+        </p:spPr>
+        <p:style>
+          <a:lnRef idx="1">
+            <a:schemeClr val="accent1"/>
+          </a:lnRef>
+          <a:fillRef idx="0">
+            <a:schemeClr val="accent1"/>
+          </a:fillRef>
+          <a:effectRef idx="0">
+            <a:schemeClr val="accent1"/>
+          </a:effectRef>
+          <a:fontRef idx="minor">
+            <a:schemeClr val="tx1"/>
+          </a:fontRef>
+        </p:style>
+      </p:cxnSp>
+      <p:sp>
+        <p:nvSpPr>
+          <p:cNvPr id="117" name="Rectangle 116"/>
+          <p:cNvSpPr/>
+          <p:nvPr/>
+        </p:nvSpPr>
+        <p:spPr>
+          <a:xfrm>
+            <a:off x="1878033" y="2182506"/>
+            <a:ext cx="1381407" cy="990091"/>
+          </a:xfrm>
+          <a:prstGeom prst="rect">
+            <a:avLst/>
+          </a:prstGeom>
+        </p:spPr>
+        <p:style>
+          <a:lnRef idx="2">
+            <a:schemeClr val="accent1">
+              <a:shade val="50000"/>
+            </a:schemeClr>
+          </a:lnRef>
+          <a:fillRef idx="1">
+            <a:schemeClr val="accent1"/>
+          </a:fillRef>
+          <a:effectRef idx="0">
+            <a:schemeClr val="accent1"/>
+          </a:effectRef>
+          <a:fontRef idx="minor">
+            <a:schemeClr val="lt1"/>
+          </a:fontRef>
+        </p:style>
+        <p:txBody>
+          <a:bodyPr rtlCol="0" anchor="ctr"/>
+          <a:lstStyle/>
+          <a:p>
+            <a:pPr algn="ctr"/>
+            <a:r>
+              <a:rPr lang="el-GR" dirty="0"/>
+              <a:t>εΨ</a:t>
+            </a:r>
+            <a:r>
+              <a:rPr lang="en-US" dirty="0"/>
+              <a:t>, </a:t>
+            </a:r>
+            <a:r>
+              <a:rPr lang="el-GR" dirty="0"/>
+              <a:t>εΘ</a:t>
+            </a:r>
+            <a:endParaRPr lang="en-US" dirty="0"/>
+          </a:p>
+        </p:txBody>
+      </p:sp>
+      <p:cxnSp>
+        <p:nvCxnSpPr>
+          <p:cNvPr id="119" name="Straight Arrow Connector 118"/>
+          <p:cNvCxnSpPr>
+            <a:cxnSpLocks/>
+          </p:cNvCxnSpPr>
+          <p:nvPr/>
+        </p:nvCxnSpPr>
+        <p:spPr>
+          <a:xfrm>
+            <a:off x="1901168" y="1490505"/>
+            <a:ext cx="344772" cy="0"/>
+          </a:xfrm>
+          <a:prstGeom prst="straightConnector1">
+            <a:avLst/>
+          </a:prstGeom>
+          <a:ln w="28575">
+            <a:tailEnd type="triangle"/>
+          </a:ln>
+        </p:spPr>
+        <p:style>
+          <a:lnRef idx="1">
+            <a:schemeClr val="accent1"/>
+          </a:lnRef>
+          <a:fillRef idx="0">
+            <a:schemeClr val="accent1"/>
+          </a:fillRef>
+          <a:effectRef idx="0">
+            <a:schemeClr val="accent1"/>
+          </a:effectRef>
+          <a:fontRef idx="minor">
+            <a:schemeClr val="tx1"/>
+          </a:fontRef>
+        </p:style>
+      </p:cxnSp>
+      <p:cxnSp>
+        <p:nvCxnSpPr>
+          <p:cNvPr id="120" name="Straight Arrow Connector 119"/>
+          <p:cNvCxnSpPr>
+            <a:cxnSpLocks/>
+            <a:stCxn id="75" idx="3"/>
+            <a:endCxn id="41" idx="1"/>
+          </p:cNvCxnSpPr>
+          <p:nvPr/>
+        </p:nvCxnSpPr>
+        <p:spPr>
+          <a:xfrm>
+            <a:off x="3458102" y="1531688"/>
+            <a:ext cx="372751" cy="5268"/>
+          </a:xfrm>
+          <a:prstGeom prst="straightConnector1">
+            <a:avLst/>
+          </a:prstGeom>
+          <a:ln w="28575">
+            <a:tailEnd type="triangle"/>
+          </a:ln>
+        </p:spPr>
+        <p:style>
+          <a:lnRef idx="1">
+            <a:schemeClr val="accent1"/>
+          </a:lnRef>
+          <a:fillRef idx="0">
+            <a:schemeClr val="accent1"/>
+          </a:fillRef>
+          <a:effectRef idx="0">
+            <a:schemeClr val="accent1"/>
+          </a:effectRef>
+          <a:fontRef idx="minor">
+            <a:schemeClr val="tx1"/>
+          </a:fontRef>
+        </p:style>
+      </p:cxnSp>
+    </p:spTree>
+    <p:extLst>
+      <p:ext uri="{BB962C8B-B14F-4D97-AF65-F5344CB8AC3E}">
+        <p14:creationId xmlns:p14="http://schemas.microsoft.com/office/powerpoint/2010/main" val="1848328802"/>
+      </p:ext>
+    </p:extLst>
+  </p:cSld>
+  <p:clrMapOvr>
+    <a:masterClrMapping/>
+  </p:clrMapOvr>
+</p:sld>
+</file>
+
+<file path=ppt/slides/slide6.xml><?xml version="1.0" encoding="utf-8"?>
+<p:sld xmlns:a="http://schemas.openxmlformats.org/drawingml/2006/main" xmlns:r="http://schemas.openxmlformats.org/officeDocument/2006/relationships" xmlns:p="http://schemas.openxmlformats.org/presentationml/2006/main">
+  <p:cSld>
+    <p:spTree>
+      <p:nvGrpSpPr>
+        <p:cNvPr id="1" name=""/>
+        <p:cNvGrpSpPr/>
+        <p:nvPr/>
+      </p:nvGrpSpPr>
+      <p:grpSpPr>
+        <a:xfrm>
+          <a:off x="0" y="0"/>
+          <a:ext cx="0" cy="0"/>
+          <a:chOff x="0" y="0"/>
+          <a:chExt cx="0" cy="0"/>
+        </a:xfrm>
+      </p:grpSpPr>
       <p:sp>
         <p:nvSpPr>
           <p:cNvPr id="2" name="Title 1"/>
@@ -8607,6 +8703,158 @@
     <p:extLst>
       <p:ext uri="{BB962C8B-B14F-4D97-AF65-F5344CB8AC3E}">
         <p14:creationId xmlns:p14="http://schemas.microsoft.com/office/powerpoint/2010/main" val="1438383008"/>
+      </p:ext>
+    </p:extLst>
+  </p:cSld>
+  <p:clrMapOvr>
+    <a:masterClrMapping/>
+  </p:clrMapOvr>
+</p:sld>
+</file>
+
+<file path=ppt/slides/slide7.xml><?xml version="1.0" encoding="utf-8"?>
+<p:sld xmlns:a="http://schemas.openxmlformats.org/drawingml/2006/main" xmlns:r="http://schemas.openxmlformats.org/officeDocument/2006/relationships" xmlns:p="http://schemas.openxmlformats.org/presentationml/2006/main">
+  <p:cSld>
+    <p:spTree>
+      <p:nvGrpSpPr>
+        <p:cNvPr id="1" name=""/>
+        <p:cNvGrpSpPr/>
+        <p:nvPr/>
+      </p:nvGrpSpPr>
+      <p:grpSpPr>
+        <a:xfrm>
+          <a:off x="0" y="0"/>
+          <a:ext cx="0" cy="0"/>
+          <a:chOff x="0" y="0"/>
+          <a:chExt cx="0" cy="0"/>
+        </a:xfrm>
+      </p:grpSpPr>
+      <p:sp>
+        <p:nvSpPr>
+          <p:cNvPr id="2" name="Title 1"/>
+          <p:cNvSpPr>
+            <a:spLocks noGrp="1"/>
+          </p:cNvSpPr>
+          <p:nvPr>
+            <p:ph type="title"/>
+          </p:nvPr>
+        </p:nvSpPr>
+        <p:spPr/>
+        <p:txBody>
+          <a:bodyPr/>
+          <a:lstStyle/>
+          <a:p>
+            <a:r>
+              <a:rPr lang="en-US" dirty="0"/>
+              <a:t>References</a:t>
+            </a:r>
+          </a:p>
+        </p:txBody>
+      </p:sp>
+      <p:sp>
+        <p:nvSpPr>
+          <p:cNvPr id="3" name="Content Placeholder 2"/>
+          <p:cNvSpPr>
+            <a:spLocks noGrp="1"/>
+          </p:cNvSpPr>
+          <p:nvPr>
+            <p:ph idx="1"/>
+          </p:nvPr>
+        </p:nvSpPr>
+        <p:spPr/>
+        <p:txBody>
+          <a:bodyPr>
+            <a:normAutofit lnSpcReduction="10000"/>
+          </a:bodyPr>
+          <a:lstStyle/>
+          <a:p>
+            <a:r>
+              <a:rPr lang="en-US" dirty="0"/>
+              <a:t>Rotational equations (including complementary filter)</a:t>
+            </a:r>
+          </a:p>
+          <a:p>
+            <a:pPr lvl="1"/>
+            <a:r>
+              <a:rPr lang="en-US" dirty="0"/>
+              <a:t>http://www.starlino.com/dcm_tutorial.html</a:t>
+            </a:r>
+          </a:p>
+          <a:p>
+            <a:r>
+              <a:rPr lang="en-US" dirty="0"/>
+              <a:t>RLS Algorithm</a:t>
+            </a:r>
+          </a:p>
+          <a:p>
+            <a:pPr lvl="1"/>
+            <a:r>
+              <a:rPr lang="en-US" dirty="0">
+                <a:hlinkClick r:id="rId2"/>
+              </a:rPr>
+              <a:t>http://zone.ni.com/reference/en-XX/help/372357A-01/lvaftconcepts/aft_rls_algorithms/</a:t>
+            </a:r>
+            <a:endParaRPr lang="en-US" dirty="0"/>
+          </a:p>
+          <a:p>
+            <a:pPr lvl="1"/>
+            <a:r>
+              <a:rPr lang="en-US" dirty="0">
+                <a:hlinkClick r:id="rId3"/>
+              </a:rPr>
+              <a:t>http://www.cs.tut.fi/~tabus/course/ASP/LectureNew10.pdf</a:t>
+            </a:r>
+            <a:endParaRPr lang="en-US" dirty="0"/>
+          </a:p>
+          <a:p>
+            <a:pPr lvl="1"/>
+            <a:r>
+              <a:rPr lang="en-US" dirty="0">
+                <a:hlinkClick r:id="rId4"/>
+              </a:rPr>
+              <a:t>http://ens.ewi.tudelft.nl/Education/courses/ee4c03/slides/10_rls.pdf</a:t>
+            </a:r>
+            <a:endParaRPr lang="en-US" dirty="0"/>
+          </a:p>
+          <a:p>
+            <a:r>
+              <a:rPr lang="en-US" dirty="0"/>
+              <a:t>LMS Algorithm</a:t>
+            </a:r>
+          </a:p>
+          <a:p>
+            <a:pPr lvl="1"/>
+            <a:r>
+              <a:rPr lang="en-US" dirty="0">
+                <a:hlinkClick r:id="rId5"/>
+              </a:rPr>
+              <a:t>http://www.eit.lth.se/fileadmin/eit/courses/ett042/LEC/notes2.pdf</a:t>
+            </a:r>
+            <a:endParaRPr lang="en-US" dirty="0"/>
+          </a:p>
+          <a:p>
+            <a:pPr lvl="1"/>
+            <a:r>
+              <a:rPr lang="en-US" dirty="0">
+                <a:hlinkClick r:id="rId6"/>
+              </a:rPr>
+              <a:t>https://en.wikipedia.org/wiki/Least_mean_squares_filter</a:t>
+            </a:r>
+            <a:endParaRPr lang="en-US" dirty="0"/>
+          </a:p>
+          <a:p>
+            <a:pPr lvl="1"/>
+            <a:r>
+              <a:rPr lang="en-US" dirty="0"/>
+              <a:t>http://cwww.ee.nctu.edu.tw/course/asp/ASP04.pdf</a:t>
+            </a:r>
+          </a:p>
+        </p:txBody>
+      </p:sp>
+    </p:spTree>
+    <p:extLst>
+      <p:ext uri="{BB962C8B-B14F-4D97-AF65-F5344CB8AC3E}">
+        <p14:creationId xmlns:p14="http://schemas.microsoft.com/office/powerpoint/2010/main" val="1513518324"/>
       </p:ext>
     </p:extLst>
   </p:cSld>
